--- a/4° Año/1° Semestre/Seguridad informatica I/4 Teoria/Clase 7 Seguridad en las Operaciones.pptx
+++ b/4° Año/1° Semestre/Seguridad informatica I/4 Teoria/Clase 7 Seguridad en las Operaciones.pptx
@@ -1,26 +1,26 @@
 
 <file path=ppt/presentation.xml><?xml version="1.0" encoding="utf-8"?>
-<p:presentation xmlns:a="http://schemas.openxmlformats.org/drawingml/2006/main" xmlns:r="http://schemas.openxmlformats.org/officeDocument/2006/relationships" xmlns:mc="http://schemas.openxmlformats.org/markup-compatibility/2006" xmlns:mv="urn:schemas-microsoft-com:mac:vml" xmlns:p="http://schemas.openxmlformats.org/presentationml/2006/main" xmlns:c="http://schemas.openxmlformats.org/drawingml/2006/chart" xmlns:dgm="http://schemas.openxmlformats.org/drawingml/2006/diagram" xmlns:o="urn:schemas-microsoft-com:office:office" xmlns:v="urn:schemas-microsoft-com:vml" xmlns:pvml="urn:schemas-microsoft-com:office:powerpoint" xmlns:com="http://schemas.openxmlformats.org/drawingml/2006/compatibility" xmlns:p14="http://schemas.microsoft.com/office/powerpoint/2010/main" xmlns:p15="http://schemas.microsoft.com/office/powerpoint/2012/main" xmlns:ahyp="http://schemas.microsoft.com/office/drawing/2018/hyperlinkcolor" autoCompressPictures="0" strictFirstAndLastChars="0" saveSubsetFonts="1">
+<p:presentation xmlns:a="http://schemas.openxmlformats.org/drawingml/2006/main" xmlns:r="http://schemas.openxmlformats.org/officeDocument/2006/relationships" xmlns:p="http://schemas.openxmlformats.org/presentationml/2006/main" strictFirstAndLastChars="0" saveSubsetFonts="1" autoCompressPictures="0">
   <p:sldMasterIdLst>
-    <p:sldMasterId id="2147483659" r:id="rId4"/>
+    <p:sldMasterId id="2147483659" r:id="rId1"/>
   </p:sldMasterIdLst>
   <p:notesMasterIdLst>
-    <p:notesMasterId r:id="rId5"/>
+    <p:notesMasterId r:id="rId10"/>
   </p:notesMasterIdLst>
   <p:sldIdLst>
-    <p:sldId id="256" r:id="rId6"/>
-    <p:sldId id="257" r:id="rId7"/>
-    <p:sldId id="258" r:id="rId8"/>
-    <p:sldId id="259" r:id="rId9"/>
-    <p:sldId id="260" r:id="rId10"/>
-    <p:sldId id="261" r:id="rId11"/>
-    <p:sldId id="262" r:id="rId12"/>
-    <p:sldId id="263" r:id="rId13"/>
+    <p:sldId id="256" r:id="rId2"/>
+    <p:sldId id="257" r:id="rId3"/>
+    <p:sldId id="258" r:id="rId4"/>
+    <p:sldId id="259" r:id="rId5"/>
+    <p:sldId id="260" r:id="rId6"/>
+    <p:sldId id="261" r:id="rId7"/>
+    <p:sldId id="262" r:id="rId8"/>
+    <p:sldId id="263" r:id="rId9"/>
   </p:sldIdLst>
-  <p:sldSz cy="5143500" cx="9144000"/>
+  <p:sldSz cx="9144000" cy="5143500" type="screen16x9"/>
   <p:notesSz cx="6858000" cy="9144000"/>
   <p:defaultTextStyle>
-    <a:defPPr lvl="0" marR="0" rtl="0" algn="l">
+    <a:defPPr marR="0" lvl="0" algn="l" rtl="0">
       <a:lnSpc>
         <a:spcPct val="100000"/>
       </a:lnSpc>
@@ -31,7 +31,7 @@
         <a:spcPts val="0"/>
       </a:spcAft>
     </a:defPPr>
-    <a:lvl1pPr lvl="0" marR="0" rtl="0" algn="l">
+    <a:lvl1pPr marR="0" lvl="0" algn="l" rtl="0">
       <a:lnSpc>
         <a:spcPct val="100000"/>
       </a:lnSpc>
@@ -45,7 +45,7 @@
         <a:srgbClr val="000000"/>
       </a:buClr>
       <a:buFont typeface="Arial"/>
-      <a:defRPr b="0" i="0" sz="1400" u="none" cap="none" strike="noStrike">
+      <a:defRPr sz="1400" b="0" i="0" u="none" strike="noStrike" cap="none">
         <a:solidFill>
           <a:srgbClr val="000000"/>
         </a:solidFill>
@@ -55,7 +55,7 @@
         <a:sym typeface="Arial"/>
       </a:defRPr>
     </a:lvl1pPr>
-    <a:lvl2pPr lvl="1" marR="0" rtl="0" algn="l">
+    <a:lvl2pPr marR="0" lvl="1" algn="l" rtl="0">
       <a:lnSpc>
         <a:spcPct val="100000"/>
       </a:lnSpc>
@@ -69,7 +69,7 @@
         <a:srgbClr val="000000"/>
       </a:buClr>
       <a:buFont typeface="Arial"/>
-      <a:defRPr b="0" i="0" sz="1400" u="none" cap="none" strike="noStrike">
+      <a:defRPr sz="1400" b="0" i="0" u="none" strike="noStrike" cap="none">
         <a:solidFill>
           <a:srgbClr val="000000"/>
         </a:solidFill>
@@ -79,7 +79,7 @@
         <a:sym typeface="Arial"/>
       </a:defRPr>
     </a:lvl2pPr>
-    <a:lvl3pPr lvl="2" marR="0" rtl="0" algn="l">
+    <a:lvl3pPr marR="0" lvl="2" algn="l" rtl="0">
       <a:lnSpc>
         <a:spcPct val="100000"/>
       </a:lnSpc>
@@ -93,7 +93,7 @@
         <a:srgbClr val="000000"/>
       </a:buClr>
       <a:buFont typeface="Arial"/>
-      <a:defRPr b="0" i="0" sz="1400" u="none" cap="none" strike="noStrike">
+      <a:defRPr sz="1400" b="0" i="0" u="none" strike="noStrike" cap="none">
         <a:solidFill>
           <a:srgbClr val="000000"/>
         </a:solidFill>
@@ -103,7 +103,7 @@
         <a:sym typeface="Arial"/>
       </a:defRPr>
     </a:lvl3pPr>
-    <a:lvl4pPr lvl="3" marR="0" rtl="0" algn="l">
+    <a:lvl4pPr marR="0" lvl="3" algn="l" rtl="0">
       <a:lnSpc>
         <a:spcPct val="100000"/>
       </a:lnSpc>
@@ -117,7 +117,7 @@
         <a:srgbClr val="000000"/>
       </a:buClr>
       <a:buFont typeface="Arial"/>
-      <a:defRPr b="0" i="0" sz="1400" u="none" cap="none" strike="noStrike">
+      <a:defRPr sz="1400" b="0" i="0" u="none" strike="noStrike" cap="none">
         <a:solidFill>
           <a:srgbClr val="000000"/>
         </a:solidFill>
@@ -127,7 +127,7 @@
         <a:sym typeface="Arial"/>
       </a:defRPr>
     </a:lvl4pPr>
-    <a:lvl5pPr lvl="4" marR="0" rtl="0" algn="l">
+    <a:lvl5pPr marR="0" lvl="4" algn="l" rtl="0">
       <a:lnSpc>
         <a:spcPct val="100000"/>
       </a:lnSpc>
@@ -141,7 +141,7 @@
         <a:srgbClr val="000000"/>
       </a:buClr>
       <a:buFont typeface="Arial"/>
-      <a:defRPr b="0" i="0" sz="1400" u="none" cap="none" strike="noStrike">
+      <a:defRPr sz="1400" b="0" i="0" u="none" strike="noStrike" cap="none">
         <a:solidFill>
           <a:srgbClr val="000000"/>
         </a:solidFill>
@@ -151,7 +151,7 @@
         <a:sym typeface="Arial"/>
       </a:defRPr>
     </a:lvl5pPr>
-    <a:lvl6pPr lvl="5" marR="0" rtl="0" algn="l">
+    <a:lvl6pPr marR="0" lvl="5" algn="l" rtl="0">
       <a:lnSpc>
         <a:spcPct val="100000"/>
       </a:lnSpc>
@@ -165,7 +165,7 @@
         <a:srgbClr val="000000"/>
       </a:buClr>
       <a:buFont typeface="Arial"/>
-      <a:defRPr b="0" i="0" sz="1400" u="none" cap="none" strike="noStrike">
+      <a:defRPr sz="1400" b="0" i="0" u="none" strike="noStrike" cap="none">
         <a:solidFill>
           <a:srgbClr val="000000"/>
         </a:solidFill>
@@ -175,7 +175,7 @@
         <a:sym typeface="Arial"/>
       </a:defRPr>
     </a:lvl6pPr>
-    <a:lvl7pPr lvl="6" marR="0" rtl="0" algn="l">
+    <a:lvl7pPr marR="0" lvl="6" algn="l" rtl="0">
       <a:lnSpc>
         <a:spcPct val="100000"/>
       </a:lnSpc>
@@ -189,7 +189,7 @@
         <a:srgbClr val="000000"/>
       </a:buClr>
       <a:buFont typeface="Arial"/>
-      <a:defRPr b="0" i="0" sz="1400" u="none" cap="none" strike="noStrike">
+      <a:defRPr sz="1400" b="0" i="0" u="none" strike="noStrike" cap="none">
         <a:solidFill>
           <a:srgbClr val="000000"/>
         </a:solidFill>
@@ -199,7 +199,7 @@
         <a:sym typeface="Arial"/>
       </a:defRPr>
     </a:lvl7pPr>
-    <a:lvl8pPr lvl="7" marR="0" rtl="0" algn="l">
+    <a:lvl8pPr marR="0" lvl="7" algn="l" rtl="0">
       <a:lnSpc>
         <a:spcPct val="100000"/>
       </a:lnSpc>
@@ -213,7 +213,7 @@
         <a:srgbClr val="000000"/>
       </a:buClr>
       <a:buFont typeface="Arial"/>
-      <a:defRPr b="0" i="0" sz="1400" u="none" cap="none" strike="noStrike">
+      <a:defRPr sz="1400" b="0" i="0" u="none" strike="noStrike" cap="none">
         <a:solidFill>
           <a:srgbClr val="000000"/>
         </a:solidFill>
@@ -223,7 +223,7 @@
         <a:sym typeface="Arial"/>
       </a:defRPr>
     </a:lvl8pPr>
-    <a:lvl9pPr lvl="8" marR="0" rtl="0" algn="l">
+    <a:lvl9pPr marR="0" lvl="8" algn="l" rtl="0">
       <a:lnSpc>
         <a:spcPct val="100000"/>
       </a:lnSpc>
@@ -237,7 +237,7 @@
         <a:srgbClr val="000000"/>
       </a:buClr>
       <a:buFont typeface="Arial"/>
-      <a:defRPr b="0" i="0" sz="1400" u="none" cap="none" strike="noStrike">
+      <a:defRPr sz="1400" b="0" i="0" u="none" strike="noStrike" cap="none">
         <a:solidFill>
           <a:srgbClr val="000000"/>
         </a:solidFill>
@@ -250,7 +250,7 @@
   </p:defaultTextStyle>
   <p:extLst>
     <p:ext uri="{EFAFB233-063F-42B5-8137-9DF3F51BA10A}">
-      <p15:sldGuideLst>
+      <p15:sldGuideLst xmlns:p15="http://schemas.microsoft.com/office/powerpoint/2012/main">
         <p15:guide id="1" orient="horz" pos="1620">
           <p15:clr>
             <a:srgbClr val="A4A3A4"/>
@@ -268,11 +268,16 @@
 </file>
 
 <file path=ppt/notesMasters/notesMaster1.xml><?xml version="1.0" encoding="utf-8"?>
-<p:notesMaster xmlns:a="http://schemas.openxmlformats.org/drawingml/2006/main" xmlns:r="http://schemas.openxmlformats.org/officeDocument/2006/relationships" xmlns:mc="http://schemas.openxmlformats.org/markup-compatibility/2006" xmlns:mv="urn:schemas-microsoft-com:mac:vml" xmlns:p="http://schemas.openxmlformats.org/presentationml/2006/main" xmlns:c="http://schemas.openxmlformats.org/drawingml/2006/chart" xmlns:dgm="http://schemas.openxmlformats.org/drawingml/2006/diagram" xmlns:o="urn:schemas-microsoft-com:office:office" xmlns:v="urn:schemas-microsoft-com:vml" xmlns:pvml="urn:schemas-microsoft-com:office:powerpoint" xmlns:com="http://schemas.openxmlformats.org/drawingml/2006/compatibility" xmlns:p14="http://schemas.microsoft.com/office/powerpoint/2010/main" xmlns:p15="http://schemas.microsoft.com/office/powerpoint/2012/main" xmlns:ahyp="http://schemas.microsoft.com/office/drawing/2018/hyperlinkcolor">
+<p:notesMaster xmlns:a="http://schemas.openxmlformats.org/drawingml/2006/main" xmlns:r="http://schemas.openxmlformats.org/officeDocument/2006/relationships" xmlns:p="http://schemas.openxmlformats.org/presentationml/2006/main">
   <p:cSld>
+    <p:bg>
+      <p:bgRef idx="1001">
+        <a:schemeClr val="bg1"/>
+      </p:bgRef>
+    </p:bg>
     <p:spTree>
       <p:nvGrpSpPr>
-        <p:cNvPr id="2" name="Shape 2"/>
+        <p:cNvPr id="1" name="Shape 2"/>
         <p:cNvGrpSpPr/>
         <p:nvPr/>
       </p:nvGrpSpPr>
@@ -287,9 +292,11 @@
       <p:sp>
         <p:nvSpPr>
           <p:cNvPr id="3" name="Google Shape;3;n"/>
-          <p:cNvSpPr/>
+          <p:cNvSpPr>
+            <a:spLocks noGrp="1" noRot="1" noChangeAspect="1"/>
+          </p:cNvSpPr>
           <p:nvPr>
-            <p:ph idx="2" type="sldImg"/>
+            <p:ph type="sldImg" idx="2"/>
           </p:nvPr>
         </p:nvSpPr>
         <p:spPr>
@@ -298,9 +305,13 @@
             <a:ext cx="6096075" cy="3429000"/>
           </a:xfrm>
           <a:custGeom>
-            <a:rect b="b" l="l" r="r" t="t"/>
+            <a:avLst/>
+            <a:gdLst/>
+            <a:ahLst/>
+            <a:cxnLst/>
+            <a:rect l="l" t="t" r="r" b="b"/>
             <a:pathLst>
-              <a:path extrusionOk="0" h="120000" w="120000">
+              <a:path w="120000" h="120000" extrusionOk="0">
                 <a:moveTo>
                   <a:pt x="0" y="0"/>
                 </a:moveTo>
@@ -318,23 +329,25 @@
             </a:pathLst>
           </a:custGeom>
           <a:noFill/>
-          <a:ln cap="flat" cmpd="sng" w="9525">
+          <a:ln w="9525" cap="flat" cmpd="sng">
             <a:solidFill>
               <a:srgbClr val="000000"/>
             </a:solidFill>
             <a:prstDash val="solid"/>
             <a:round/>
-            <a:headEnd len="sm" w="sm" type="none"/>
-            <a:tailEnd len="sm" w="sm" type="none"/>
+            <a:headEnd type="none" w="sm" len="sm"/>
+            <a:tailEnd type="none" w="sm" len="sm"/>
           </a:ln>
         </p:spPr>
       </p:sp>
       <p:sp>
         <p:nvSpPr>
           <p:cNvPr id="4" name="Google Shape;4;n"/>
-          <p:cNvSpPr txBox="1"/>
+          <p:cNvSpPr txBox="1">
+            <a:spLocks noGrp="1"/>
+          </p:cNvSpPr>
           <p:nvPr>
-            <p:ph idx="1" type="body"/>
+            <p:ph type="body" idx="1"/>
           </p:nvPr>
         </p:nvSpPr>
         <p:spPr>
@@ -351,11 +364,11 @@
           </a:ln>
         </p:spPr>
         <p:txBody>
-          <a:bodyPr anchorCtr="0" anchor="t" bIns="91425" lIns="91425" spcFirstLastPara="1" rIns="91425" wrap="square" tIns="91425">
+          <a:bodyPr spcFirstLastPara="1" wrap="square" lIns="91425" tIns="91425" rIns="91425" bIns="91425" anchor="t" anchorCtr="0">
             <a:noAutofit/>
           </a:bodyPr>
           <a:lstStyle>
-            <a:lvl1pPr indent="-298450" lvl="0" marL="457200">
+            <a:lvl1pPr marL="457200" lvl="0" indent="-298450">
               <a:spcBef>
                 <a:spcPts val="0"/>
               </a:spcBef>
@@ -366,7 +379,7 @@
               <a:buChar char="●"/>
               <a:defRPr sz="1100"/>
             </a:lvl1pPr>
-            <a:lvl2pPr indent="-298450" lvl="1" marL="914400">
+            <a:lvl2pPr marL="914400" lvl="1" indent="-298450">
               <a:spcBef>
                 <a:spcPts val="0"/>
               </a:spcBef>
@@ -377,7 +390,7 @@
               <a:buChar char="○"/>
               <a:defRPr sz="1100"/>
             </a:lvl2pPr>
-            <a:lvl3pPr indent="-298450" lvl="2" marL="1371600">
+            <a:lvl3pPr marL="1371600" lvl="2" indent="-298450">
               <a:spcBef>
                 <a:spcPts val="0"/>
               </a:spcBef>
@@ -388,7 +401,7 @@
               <a:buChar char="■"/>
               <a:defRPr sz="1100"/>
             </a:lvl3pPr>
-            <a:lvl4pPr indent="-298450" lvl="3" marL="1828800">
+            <a:lvl4pPr marL="1828800" lvl="3" indent="-298450">
               <a:spcBef>
                 <a:spcPts val="0"/>
               </a:spcBef>
@@ -399,7 +412,7 @@
               <a:buChar char="●"/>
               <a:defRPr sz="1100"/>
             </a:lvl4pPr>
-            <a:lvl5pPr indent="-298450" lvl="4" marL="2286000">
+            <a:lvl5pPr marL="2286000" lvl="4" indent="-298450">
               <a:spcBef>
                 <a:spcPts val="0"/>
               </a:spcBef>
@@ -410,7 +423,7 @@
               <a:buChar char="○"/>
               <a:defRPr sz="1100"/>
             </a:lvl5pPr>
-            <a:lvl6pPr indent="-298450" lvl="5" marL="2743200">
+            <a:lvl6pPr marL="2743200" lvl="5" indent="-298450">
               <a:spcBef>
                 <a:spcPts val="0"/>
               </a:spcBef>
@@ -421,7 +434,7 @@
               <a:buChar char="■"/>
               <a:defRPr sz="1100"/>
             </a:lvl6pPr>
-            <a:lvl7pPr indent="-298450" lvl="6" marL="3200400">
+            <a:lvl7pPr marL="3200400" lvl="6" indent="-298450">
               <a:spcBef>
                 <a:spcPts val="0"/>
               </a:spcBef>
@@ -432,7 +445,7 @@
               <a:buChar char="●"/>
               <a:defRPr sz="1100"/>
             </a:lvl7pPr>
-            <a:lvl8pPr indent="-298450" lvl="7" marL="3657600">
+            <a:lvl8pPr marL="3657600" lvl="7" indent="-298450">
               <a:spcBef>
                 <a:spcPts val="0"/>
               </a:spcBef>
@@ -443,7 +456,7 @@
               <a:buChar char="○"/>
               <a:defRPr sz="1100"/>
             </a:lvl8pPr>
-            <a:lvl9pPr indent="-298450" lvl="8" marL="4114800">
+            <a:lvl9pPr marL="4114800" lvl="8" indent="-298450">
               <a:spcBef>
                 <a:spcPts val="0"/>
               </a:spcBef>
@@ -455,14 +468,16 @@
               <a:defRPr sz="1100"/>
             </a:lvl9pPr>
           </a:lstStyle>
-          <a:p/>
+          <a:p>
+            <a:endParaRPr/>
+          </a:p>
         </p:txBody>
       </p:sp>
     </p:spTree>
   </p:cSld>
-  <p:clrMap accent1="accent1" accent2="accent2" accent3="accent3" accent4="accent4" accent5="accent5" accent6="accent6" bg1="lt1" bg2="dk2" tx1="dk1" tx2="lt2" folHlink="folHlink" hlink="hlink"/>
+  <p:clrMap bg1="lt1" tx1="dk1" bg2="dk2" tx2="lt2" accent1="accent1" accent2="accent2" accent3="accent3" accent4="accent4" accent5="accent5" accent6="accent6" hlink="hlink" folHlink="folHlink"/>
   <p:notesStyle>
-    <a:defPPr lvl="0" marR="0" rtl="0" algn="l">
+    <a:defPPr marR="0" lvl="0" algn="l" rtl="0">
       <a:lnSpc>
         <a:spcPct val="100000"/>
       </a:lnSpc>
@@ -473,7 +488,7 @@
         <a:spcPts val="0"/>
       </a:spcAft>
     </a:defPPr>
-    <a:lvl1pPr lvl="0" marR="0" rtl="0" algn="l">
+    <a:lvl1pPr marR="0" lvl="0" algn="l" rtl="0">
       <a:lnSpc>
         <a:spcPct val="100000"/>
       </a:lnSpc>
@@ -487,7 +502,7 @@
         <a:srgbClr val="000000"/>
       </a:buClr>
       <a:buFont typeface="Arial"/>
-      <a:defRPr b="0" i="0" sz="1400" u="none" cap="none" strike="noStrike">
+      <a:defRPr sz="1400" b="0" i="0" u="none" strike="noStrike" cap="none">
         <a:solidFill>
           <a:srgbClr val="000000"/>
         </a:solidFill>
@@ -497,7 +512,7 @@
         <a:sym typeface="Arial"/>
       </a:defRPr>
     </a:lvl1pPr>
-    <a:lvl2pPr lvl="1" marR="0" rtl="0" algn="l">
+    <a:lvl2pPr marR="0" lvl="1" algn="l" rtl="0">
       <a:lnSpc>
         <a:spcPct val="100000"/>
       </a:lnSpc>
@@ -511,7 +526,7 @@
         <a:srgbClr val="000000"/>
       </a:buClr>
       <a:buFont typeface="Arial"/>
-      <a:defRPr b="0" i="0" sz="1400" u="none" cap="none" strike="noStrike">
+      <a:defRPr sz="1400" b="0" i="0" u="none" strike="noStrike" cap="none">
         <a:solidFill>
           <a:srgbClr val="000000"/>
         </a:solidFill>
@@ -521,7 +536,7 @@
         <a:sym typeface="Arial"/>
       </a:defRPr>
     </a:lvl2pPr>
-    <a:lvl3pPr lvl="2" marR="0" rtl="0" algn="l">
+    <a:lvl3pPr marR="0" lvl="2" algn="l" rtl="0">
       <a:lnSpc>
         <a:spcPct val="100000"/>
       </a:lnSpc>
@@ -535,7 +550,7 @@
         <a:srgbClr val="000000"/>
       </a:buClr>
       <a:buFont typeface="Arial"/>
-      <a:defRPr b="0" i="0" sz="1400" u="none" cap="none" strike="noStrike">
+      <a:defRPr sz="1400" b="0" i="0" u="none" strike="noStrike" cap="none">
         <a:solidFill>
           <a:srgbClr val="000000"/>
         </a:solidFill>
@@ -545,7 +560,7 @@
         <a:sym typeface="Arial"/>
       </a:defRPr>
     </a:lvl3pPr>
-    <a:lvl4pPr lvl="3" marR="0" rtl="0" algn="l">
+    <a:lvl4pPr marR="0" lvl="3" algn="l" rtl="0">
       <a:lnSpc>
         <a:spcPct val="100000"/>
       </a:lnSpc>
@@ -559,7 +574,7 @@
         <a:srgbClr val="000000"/>
       </a:buClr>
       <a:buFont typeface="Arial"/>
-      <a:defRPr b="0" i="0" sz="1400" u="none" cap="none" strike="noStrike">
+      <a:defRPr sz="1400" b="0" i="0" u="none" strike="noStrike" cap="none">
         <a:solidFill>
           <a:srgbClr val="000000"/>
         </a:solidFill>
@@ -569,7 +584,7 @@
         <a:sym typeface="Arial"/>
       </a:defRPr>
     </a:lvl4pPr>
-    <a:lvl5pPr lvl="4" marR="0" rtl="0" algn="l">
+    <a:lvl5pPr marR="0" lvl="4" algn="l" rtl="0">
       <a:lnSpc>
         <a:spcPct val="100000"/>
       </a:lnSpc>
@@ -583,7 +598,7 @@
         <a:srgbClr val="000000"/>
       </a:buClr>
       <a:buFont typeface="Arial"/>
-      <a:defRPr b="0" i="0" sz="1400" u="none" cap="none" strike="noStrike">
+      <a:defRPr sz="1400" b="0" i="0" u="none" strike="noStrike" cap="none">
         <a:solidFill>
           <a:srgbClr val="000000"/>
         </a:solidFill>
@@ -593,7 +608,7 @@
         <a:sym typeface="Arial"/>
       </a:defRPr>
     </a:lvl5pPr>
-    <a:lvl6pPr lvl="5" marR="0" rtl="0" algn="l">
+    <a:lvl6pPr marR="0" lvl="5" algn="l" rtl="0">
       <a:lnSpc>
         <a:spcPct val="100000"/>
       </a:lnSpc>
@@ -607,7 +622,7 @@
         <a:srgbClr val="000000"/>
       </a:buClr>
       <a:buFont typeface="Arial"/>
-      <a:defRPr b="0" i="0" sz="1400" u="none" cap="none" strike="noStrike">
+      <a:defRPr sz="1400" b="0" i="0" u="none" strike="noStrike" cap="none">
         <a:solidFill>
           <a:srgbClr val="000000"/>
         </a:solidFill>
@@ -617,7 +632,7 @@
         <a:sym typeface="Arial"/>
       </a:defRPr>
     </a:lvl6pPr>
-    <a:lvl7pPr lvl="6" marR="0" rtl="0" algn="l">
+    <a:lvl7pPr marR="0" lvl="6" algn="l" rtl="0">
       <a:lnSpc>
         <a:spcPct val="100000"/>
       </a:lnSpc>
@@ -631,7 +646,7 @@
         <a:srgbClr val="000000"/>
       </a:buClr>
       <a:buFont typeface="Arial"/>
-      <a:defRPr b="0" i="0" sz="1400" u="none" cap="none" strike="noStrike">
+      <a:defRPr sz="1400" b="0" i="0" u="none" strike="noStrike" cap="none">
         <a:solidFill>
           <a:srgbClr val="000000"/>
         </a:solidFill>
@@ -641,7 +656,7 @@
         <a:sym typeface="Arial"/>
       </a:defRPr>
     </a:lvl7pPr>
-    <a:lvl8pPr lvl="7" marR="0" rtl="0" algn="l">
+    <a:lvl8pPr marR="0" lvl="7" algn="l" rtl="0">
       <a:lnSpc>
         <a:spcPct val="100000"/>
       </a:lnSpc>
@@ -655,7 +670,7 @@
         <a:srgbClr val="000000"/>
       </a:buClr>
       <a:buFont typeface="Arial"/>
-      <a:defRPr b="0" i="0" sz="1400" u="none" cap="none" strike="noStrike">
+      <a:defRPr sz="1400" b="0" i="0" u="none" strike="noStrike" cap="none">
         <a:solidFill>
           <a:srgbClr val="000000"/>
         </a:solidFill>
@@ -665,7 +680,7 @@
         <a:sym typeface="Arial"/>
       </a:defRPr>
     </a:lvl8pPr>
-    <a:lvl9pPr lvl="8" marR="0" rtl="0" algn="l">
+    <a:lvl9pPr marR="0" lvl="8" algn="l" rtl="0">
       <a:lnSpc>
         <a:spcPct val="100000"/>
       </a:lnSpc>
@@ -679,7 +694,7 @@
         <a:srgbClr val="000000"/>
       </a:buClr>
       <a:buFont typeface="Arial"/>
-      <a:defRPr b="0" i="0" sz="1400" u="none" cap="none" strike="noStrike">
+      <a:defRPr sz="1400" b="0" i="0" u="none" strike="noStrike" cap="none">
         <a:solidFill>
           <a:srgbClr val="000000"/>
         </a:solidFill>
@@ -694,11 +709,11 @@
 </file>
 
 <file path=ppt/notesSlides/notesSlide1.xml><?xml version="1.0" encoding="utf-8"?>
-<p:notes xmlns:a="http://schemas.openxmlformats.org/drawingml/2006/main" xmlns:r="http://schemas.openxmlformats.org/officeDocument/2006/relationships" xmlns:mc="http://schemas.openxmlformats.org/markup-compatibility/2006" xmlns:mv="urn:schemas-microsoft-com:mac:vml" xmlns:p="http://schemas.openxmlformats.org/presentationml/2006/main" xmlns:c="http://schemas.openxmlformats.org/drawingml/2006/chart" xmlns:dgm="http://schemas.openxmlformats.org/drawingml/2006/diagram" xmlns:o="urn:schemas-microsoft-com:office:office" xmlns:v="urn:schemas-microsoft-com:vml" xmlns:pvml="urn:schemas-microsoft-com:office:powerpoint" xmlns:com="http://schemas.openxmlformats.org/drawingml/2006/compatibility" xmlns:p14="http://schemas.microsoft.com/office/powerpoint/2010/main" xmlns:p15="http://schemas.microsoft.com/office/powerpoint/2012/main" xmlns:ahyp="http://schemas.microsoft.com/office/drawing/2018/hyperlinkcolor" showMasterPhAnim="0" showMasterSp="0">
+<p:notes xmlns:a="http://schemas.openxmlformats.org/drawingml/2006/main" xmlns:r="http://schemas.openxmlformats.org/officeDocument/2006/relationships" xmlns:p="http://schemas.openxmlformats.org/presentationml/2006/main" showMasterSp="0" showMasterPhAnim="0">
   <p:cSld>
     <p:spTree>
       <p:nvGrpSpPr>
-        <p:cNvPr id="50" name="Shape 50"/>
+        <p:cNvPr id="1" name="Shape 50"/>
         <p:cNvGrpSpPr/>
         <p:nvPr/>
       </p:nvGrpSpPr>
@@ -713,9 +728,11 @@
       <p:sp>
         <p:nvSpPr>
           <p:cNvPr id="51" name="Google Shape;51;p:notes"/>
-          <p:cNvSpPr/>
+          <p:cNvSpPr>
+            <a:spLocks noGrp="1" noRot="1" noChangeAspect="1"/>
+          </p:cNvSpPr>
           <p:nvPr>
-            <p:ph idx="2" type="sldImg"/>
+            <p:ph type="sldImg" idx="2"/>
           </p:nvPr>
         </p:nvSpPr>
         <p:spPr>
@@ -724,9 +741,13 @@
             <a:ext cx="6096075" cy="3429000"/>
           </a:xfrm>
           <a:custGeom>
-            <a:rect b="b" l="l" r="r" t="t"/>
+            <a:avLst/>
+            <a:gdLst/>
+            <a:ahLst/>
+            <a:cxnLst/>
+            <a:rect l="l" t="t" r="r" b="b"/>
             <a:pathLst>
-              <a:path extrusionOk="0" h="120000" w="120000">
+              <a:path w="120000" h="120000" extrusionOk="0">
                 <a:moveTo>
                   <a:pt x="0" y="0"/>
                 </a:moveTo>
@@ -748,9 +769,11 @@
       <p:sp>
         <p:nvSpPr>
           <p:cNvPr id="52" name="Google Shape;52;p:notes"/>
-          <p:cNvSpPr txBox="1"/>
+          <p:cNvSpPr txBox="1">
+            <a:spLocks noGrp="1"/>
+          </p:cNvSpPr>
           <p:nvPr>
-            <p:ph idx="1" type="body"/>
+            <p:ph type="body" idx="1"/>
           </p:nvPr>
         </p:nvSpPr>
         <p:spPr>
@@ -763,12 +786,12 @@
           </a:prstGeom>
         </p:spPr>
         <p:txBody>
-          <a:bodyPr anchorCtr="0" anchor="t" bIns="91425" lIns="91425" spcFirstLastPara="1" rIns="91425" wrap="square" tIns="91425">
+          <a:bodyPr spcFirstLastPara="1" wrap="square" lIns="91425" tIns="91425" rIns="91425" bIns="91425" anchor="t" anchorCtr="0">
             <a:noAutofit/>
           </a:bodyPr>
           <a:lstStyle/>
           <a:p>
-            <a:pPr indent="0" lvl="0" marL="0" rtl="0" algn="l">
+            <a:pPr marL="0" lvl="0" indent="0" algn="l" rtl="0">
               <a:spcBef>
                 <a:spcPts val="0"/>
               </a:spcBef>
@@ -777,9 +800,6 @@
               </a:spcAft>
               <a:buNone/>
             </a:pPr>
-            <a:r>
-              <a:t/>
-            </a:r>
             <a:endParaRPr/>
           </a:p>
         </p:txBody>
@@ -793,11 +813,11 @@
 </file>
 
 <file path=ppt/notesSlides/notesSlide2.xml><?xml version="1.0" encoding="utf-8"?>
-<p:notes xmlns:a="http://schemas.openxmlformats.org/drawingml/2006/main" xmlns:r="http://schemas.openxmlformats.org/officeDocument/2006/relationships" xmlns:mc="http://schemas.openxmlformats.org/markup-compatibility/2006" xmlns:mv="urn:schemas-microsoft-com:mac:vml" xmlns:p="http://schemas.openxmlformats.org/presentationml/2006/main" xmlns:c="http://schemas.openxmlformats.org/drawingml/2006/chart" xmlns:dgm="http://schemas.openxmlformats.org/drawingml/2006/diagram" xmlns:o="urn:schemas-microsoft-com:office:office" xmlns:v="urn:schemas-microsoft-com:vml" xmlns:pvml="urn:schemas-microsoft-com:office:powerpoint" xmlns:com="http://schemas.openxmlformats.org/drawingml/2006/compatibility" xmlns:p14="http://schemas.microsoft.com/office/powerpoint/2010/main" xmlns:p15="http://schemas.microsoft.com/office/powerpoint/2012/main" xmlns:ahyp="http://schemas.microsoft.com/office/drawing/2018/hyperlinkcolor" showMasterPhAnim="0" showMasterSp="0">
+<p:notes xmlns:a="http://schemas.openxmlformats.org/drawingml/2006/main" xmlns:r="http://schemas.openxmlformats.org/officeDocument/2006/relationships" xmlns:p="http://schemas.openxmlformats.org/presentationml/2006/main" showMasterSp="0" showMasterPhAnim="0">
   <p:cSld>
     <p:spTree>
       <p:nvGrpSpPr>
-        <p:cNvPr id="56" name="Shape 56"/>
+        <p:cNvPr id="1" name="Shape 56"/>
         <p:cNvGrpSpPr/>
         <p:nvPr/>
       </p:nvGrpSpPr>
@@ -812,9 +832,11 @@
       <p:sp>
         <p:nvSpPr>
           <p:cNvPr id="57" name="Google Shape;57;gd5be4dd278_0_2:notes"/>
-          <p:cNvSpPr/>
+          <p:cNvSpPr>
+            <a:spLocks noGrp="1" noRot="1" noChangeAspect="1"/>
+          </p:cNvSpPr>
           <p:nvPr>
-            <p:ph idx="2" type="sldImg"/>
+            <p:ph type="sldImg" idx="2"/>
           </p:nvPr>
         </p:nvSpPr>
         <p:spPr>
@@ -823,9 +845,13 @@
             <a:ext cx="6096000" cy="3429000"/>
           </a:xfrm>
           <a:custGeom>
-            <a:rect b="b" l="l" r="r" t="t"/>
+            <a:avLst/>
+            <a:gdLst/>
+            <a:ahLst/>
+            <a:cxnLst/>
+            <a:rect l="l" t="t" r="r" b="b"/>
             <a:pathLst>
-              <a:path extrusionOk="0" h="120000" w="120000">
+              <a:path w="120000" h="120000" extrusionOk="0">
                 <a:moveTo>
                   <a:pt x="0" y="0"/>
                 </a:moveTo>
@@ -847,9 +873,11 @@
       <p:sp>
         <p:nvSpPr>
           <p:cNvPr id="58" name="Google Shape;58;gd5be4dd278_0_2:notes"/>
-          <p:cNvSpPr txBox="1"/>
+          <p:cNvSpPr txBox="1">
+            <a:spLocks noGrp="1"/>
+          </p:cNvSpPr>
           <p:nvPr>
-            <p:ph idx="1" type="body"/>
+            <p:ph type="body" idx="1"/>
           </p:nvPr>
         </p:nvSpPr>
         <p:spPr>
@@ -862,12 +890,12 @@
           </a:prstGeom>
         </p:spPr>
         <p:txBody>
-          <a:bodyPr anchorCtr="0" anchor="t" bIns="91425" lIns="91425" spcFirstLastPara="1" rIns="91425" wrap="square" tIns="91425">
+          <a:bodyPr spcFirstLastPara="1" wrap="square" lIns="91425" tIns="91425" rIns="91425" bIns="91425" anchor="t" anchorCtr="0">
             <a:noAutofit/>
           </a:bodyPr>
           <a:lstStyle/>
           <a:p>
-            <a:pPr indent="0" lvl="0" marL="0" rtl="0" algn="l">
+            <a:pPr marL="0" lvl="0" indent="0" algn="l" rtl="0">
               <a:spcBef>
                 <a:spcPts val="0"/>
               </a:spcBef>
@@ -876,9 +904,6 @@
               </a:spcAft>
               <a:buNone/>
             </a:pPr>
-            <a:r>
-              <a:t/>
-            </a:r>
             <a:endParaRPr/>
           </a:p>
         </p:txBody>
@@ -892,11 +917,11 @@
 </file>
 
 <file path=ppt/notesSlides/notesSlide3.xml><?xml version="1.0" encoding="utf-8"?>
-<p:notes xmlns:a="http://schemas.openxmlformats.org/drawingml/2006/main" xmlns:r="http://schemas.openxmlformats.org/officeDocument/2006/relationships" xmlns:mc="http://schemas.openxmlformats.org/markup-compatibility/2006" xmlns:mv="urn:schemas-microsoft-com:mac:vml" xmlns:p="http://schemas.openxmlformats.org/presentationml/2006/main" xmlns:c="http://schemas.openxmlformats.org/drawingml/2006/chart" xmlns:dgm="http://schemas.openxmlformats.org/drawingml/2006/diagram" xmlns:o="urn:schemas-microsoft-com:office:office" xmlns:v="urn:schemas-microsoft-com:vml" xmlns:pvml="urn:schemas-microsoft-com:office:powerpoint" xmlns:com="http://schemas.openxmlformats.org/drawingml/2006/compatibility" xmlns:p14="http://schemas.microsoft.com/office/powerpoint/2010/main" xmlns:p15="http://schemas.microsoft.com/office/powerpoint/2012/main" xmlns:ahyp="http://schemas.microsoft.com/office/drawing/2018/hyperlinkcolor" showMasterPhAnim="0" showMasterSp="0">
+<p:notes xmlns:a="http://schemas.openxmlformats.org/drawingml/2006/main" xmlns:r="http://schemas.openxmlformats.org/officeDocument/2006/relationships" xmlns:p="http://schemas.openxmlformats.org/presentationml/2006/main" showMasterSp="0" showMasterPhAnim="0">
   <p:cSld>
     <p:spTree>
       <p:nvGrpSpPr>
-        <p:cNvPr id="63" name="Shape 63"/>
+        <p:cNvPr id="1" name="Shape 63"/>
         <p:cNvGrpSpPr/>
         <p:nvPr/>
       </p:nvGrpSpPr>
@@ -911,9 +936,11 @@
       <p:sp>
         <p:nvSpPr>
           <p:cNvPr id="64" name="Google Shape;64;gd5be4dd278_0_14:notes"/>
-          <p:cNvSpPr/>
+          <p:cNvSpPr>
+            <a:spLocks noGrp="1" noRot="1" noChangeAspect="1"/>
+          </p:cNvSpPr>
           <p:nvPr>
-            <p:ph idx="2" type="sldImg"/>
+            <p:ph type="sldImg" idx="2"/>
           </p:nvPr>
         </p:nvSpPr>
         <p:spPr>
@@ -922,9 +949,13 @@
             <a:ext cx="6096000" cy="3429000"/>
           </a:xfrm>
           <a:custGeom>
-            <a:rect b="b" l="l" r="r" t="t"/>
+            <a:avLst/>
+            <a:gdLst/>
+            <a:ahLst/>
+            <a:cxnLst/>
+            <a:rect l="l" t="t" r="r" b="b"/>
             <a:pathLst>
-              <a:path extrusionOk="0" h="120000" w="120000">
+              <a:path w="120000" h="120000" extrusionOk="0">
                 <a:moveTo>
                   <a:pt x="0" y="0"/>
                 </a:moveTo>
@@ -946,9 +977,11 @@
       <p:sp>
         <p:nvSpPr>
           <p:cNvPr id="65" name="Google Shape;65;gd5be4dd278_0_14:notes"/>
-          <p:cNvSpPr txBox="1"/>
+          <p:cNvSpPr txBox="1">
+            <a:spLocks noGrp="1"/>
+          </p:cNvSpPr>
           <p:nvPr>
-            <p:ph idx="1" type="body"/>
+            <p:ph type="body" idx="1"/>
           </p:nvPr>
         </p:nvSpPr>
         <p:spPr>
@@ -961,12 +994,12 @@
           </a:prstGeom>
         </p:spPr>
         <p:txBody>
-          <a:bodyPr anchorCtr="0" anchor="t" bIns="91425" lIns="91425" spcFirstLastPara="1" rIns="91425" wrap="square" tIns="91425">
+          <a:bodyPr spcFirstLastPara="1" wrap="square" lIns="91425" tIns="91425" rIns="91425" bIns="91425" anchor="t" anchorCtr="0">
             <a:noAutofit/>
           </a:bodyPr>
           <a:lstStyle/>
           <a:p>
-            <a:pPr indent="0" lvl="0" marL="0" rtl="0" algn="l">
+            <a:pPr marL="0" lvl="0" indent="0" algn="l" rtl="0">
               <a:spcBef>
                 <a:spcPts val="0"/>
               </a:spcBef>
@@ -975,9 +1008,6 @@
               </a:spcAft>
               <a:buNone/>
             </a:pPr>
-            <a:r>
-              <a:t/>
-            </a:r>
             <a:endParaRPr/>
           </a:p>
         </p:txBody>
@@ -991,11 +1021,11 @@
 </file>
 
 <file path=ppt/notesSlides/notesSlide4.xml><?xml version="1.0" encoding="utf-8"?>
-<p:notes xmlns:a="http://schemas.openxmlformats.org/drawingml/2006/main" xmlns:r="http://schemas.openxmlformats.org/officeDocument/2006/relationships" xmlns:mc="http://schemas.openxmlformats.org/markup-compatibility/2006" xmlns:mv="urn:schemas-microsoft-com:mac:vml" xmlns:p="http://schemas.openxmlformats.org/presentationml/2006/main" xmlns:c="http://schemas.openxmlformats.org/drawingml/2006/chart" xmlns:dgm="http://schemas.openxmlformats.org/drawingml/2006/diagram" xmlns:o="urn:schemas-microsoft-com:office:office" xmlns:v="urn:schemas-microsoft-com:vml" xmlns:pvml="urn:schemas-microsoft-com:office:powerpoint" xmlns:com="http://schemas.openxmlformats.org/drawingml/2006/compatibility" xmlns:p14="http://schemas.microsoft.com/office/powerpoint/2010/main" xmlns:p15="http://schemas.microsoft.com/office/powerpoint/2012/main" xmlns:ahyp="http://schemas.microsoft.com/office/drawing/2018/hyperlinkcolor" showMasterPhAnim="0" showMasterSp="0">
+<p:notes xmlns:a="http://schemas.openxmlformats.org/drawingml/2006/main" xmlns:r="http://schemas.openxmlformats.org/officeDocument/2006/relationships" xmlns:p="http://schemas.openxmlformats.org/presentationml/2006/main" showMasterSp="0" showMasterPhAnim="0">
   <p:cSld>
     <p:spTree>
       <p:nvGrpSpPr>
-        <p:cNvPr id="70" name="Shape 70"/>
+        <p:cNvPr id="1" name="Shape 70"/>
         <p:cNvGrpSpPr/>
         <p:nvPr/>
       </p:nvGrpSpPr>
@@ -1010,20 +1040,26 @@
       <p:sp>
         <p:nvSpPr>
           <p:cNvPr id="71" name="Google Shape;71;gcca7b39098_0_0:notes"/>
-          <p:cNvSpPr/>
+          <p:cNvSpPr>
+            <a:spLocks noGrp="1" noRot="1" noChangeAspect="1"/>
+          </p:cNvSpPr>
           <p:nvPr>
-            <p:ph idx="2" type="sldImg"/>
+            <p:ph type="sldImg" idx="2"/>
           </p:nvPr>
         </p:nvSpPr>
         <p:spPr>
           <a:xfrm>
-            <a:off x="381300" y="685800"/>
+            <a:off x="381000" y="685800"/>
             <a:ext cx="6096000" cy="3429000"/>
           </a:xfrm>
           <a:custGeom>
-            <a:rect b="b" l="l" r="r" t="t"/>
+            <a:avLst/>
+            <a:gdLst/>
+            <a:ahLst/>
+            <a:cxnLst/>
+            <a:rect l="l" t="t" r="r" b="b"/>
             <a:pathLst>
-              <a:path extrusionOk="0" h="120000" w="120000">
+              <a:path w="120000" h="120000" extrusionOk="0">
                 <a:moveTo>
                   <a:pt x="0" y="0"/>
                 </a:moveTo>
@@ -1045,9 +1081,11 @@
       <p:sp>
         <p:nvSpPr>
           <p:cNvPr id="72" name="Google Shape;72;gcca7b39098_0_0:notes"/>
-          <p:cNvSpPr txBox="1"/>
+          <p:cNvSpPr txBox="1">
+            <a:spLocks noGrp="1"/>
+          </p:cNvSpPr>
           <p:nvPr>
-            <p:ph idx="1" type="body"/>
+            <p:ph type="body" idx="1"/>
           </p:nvPr>
         </p:nvSpPr>
         <p:spPr>
@@ -1060,12 +1098,12 @@
           </a:prstGeom>
         </p:spPr>
         <p:txBody>
-          <a:bodyPr anchorCtr="0" anchor="t" bIns="91425" lIns="91425" spcFirstLastPara="1" rIns="91425" wrap="square" tIns="91425">
+          <a:bodyPr spcFirstLastPara="1" wrap="square" lIns="91425" tIns="91425" rIns="91425" bIns="91425" anchor="t" anchorCtr="0">
             <a:noAutofit/>
           </a:bodyPr>
           <a:lstStyle/>
           <a:p>
-            <a:pPr indent="0" lvl="0" marL="0" rtl="0" algn="l">
+            <a:pPr marL="0" lvl="0" indent="0" algn="l" rtl="0">
               <a:spcBef>
                 <a:spcPts val="0"/>
               </a:spcBef>
@@ -1074,9 +1112,6 @@
               </a:spcAft>
               <a:buNone/>
             </a:pPr>
-            <a:r>
-              <a:t/>
-            </a:r>
             <a:endParaRPr/>
           </a:p>
         </p:txBody>
@@ -1090,11 +1125,11 @@
 </file>
 
 <file path=ppt/notesSlides/notesSlide5.xml><?xml version="1.0" encoding="utf-8"?>
-<p:notes xmlns:a="http://schemas.openxmlformats.org/drawingml/2006/main" xmlns:r="http://schemas.openxmlformats.org/officeDocument/2006/relationships" xmlns:mc="http://schemas.openxmlformats.org/markup-compatibility/2006" xmlns:mv="urn:schemas-microsoft-com:mac:vml" xmlns:p="http://schemas.openxmlformats.org/presentationml/2006/main" xmlns:c="http://schemas.openxmlformats.org/drawingml/2006/chart" xmlns:dgm="http://schemas.openxmlformats.org/drawingml/2006/diagram" xmlns:o="urn:schemas-microsoft-com:office:office" xmlns:v="urn:schemas-microsoft-com:vml" xmlns:pvml="urn:schemas-microsoft-com:office:powerpoint" xmlns:com="http://schemas.openxmlformats.org/drawingml/2006/compatibility" xmlns:p14="http://schemas.microsoft.com/office/powerpoint/2010/main" xmlns:p15="http://schemas.microsoft.com/office/powerpoint/2012/main" xmlns:ahyp="http://schemas.microsoft.com/office/drawing/2018/hyperlinkcolor" showMasterPhAnim="0" showMasterSp="0">
+<p:notes xmlns:a="http://schemas.openxmlformats.org/drawingml/2006/main" xmlns:r="http://schemas.openxmlformats.org/officeDocument/2006/relationships" xmlns:p="http://schemas.openxmlformats.org/presentationml/2006/main" showMasterSp="0" showMasterPhAnim="0">
   <p:cSld>
     <p:spTree>
       <p:nvGrpSpPr>
-        <p:cNvPr id="76" name="Shape 76"/>
+        <p:cNvPr id="1" name="Shape 76"/>
         <p:cNvGrpSpPr/>
         <p:nvPr/>
       </p:nvGrpSpPr>
@@ -1109,20 +1144,26 @@
       <p:sp>
         <p:nvSpPr>
           <p:cNvPr id="77" name="Google Shape;77;gcca7b39098_0_5:notes"/>
-          <p:cNvSpPr/>
+          <p:cNvSpPr>
+            <a:spLocks noGrp="1" noRot="1" noChangeAspect="1"/>
+          </p:cNvSpPr>
           <p:nvPr>
-            <p:ph idx="2" type="sldImg"/>
+            <p:ph type="sldImg" idx="2"/>
           </p:nvPr>
         </p:nvSpPr>
         <p:spPr>
           <a:xfrm>
-            <a:off x="381300" y="685800"/>
+            <a:off x="381000" y="685800"/>
             <a:ext cx="6096000" cy="3429000"/>
           </a:xfrm>
           <a:custGeom>
-            <a:rect b="b" l="l" r="r" t="t"/>
+            <a:avLst/>
+            <a:gdLst/>
+            <a:ahLst/>
+            <a:cxnLst/>
+            <a:rect l="l" t="t" r="r" b="b"/>
             <a:pathLst>
-              <a:path extrusionOk="0" h="120000" w="120000">
+              <a:path w="120000" h="120000" extrusionOk="0">
                 <a:moveTo>
                   <a:pt x="0" y="0"/>
                 </a:moveTo>
@@ -1144,9 +1185,11 @@
       <p:sp>
         <p:nvSpPr>
           <p:cNvPr id="78" name="Google Shape;78;gcca7b39098_0_5:notes"/>
-          <p:cNvSpPr txBox="1"/>
+          <p:cNvSpPr txBox="1">
+            <a:spLocks noGrp="1"/>
+          </p:cNvSpPr>
           <p:nvPr>
-            <p:ph idx="1" type="body"/>
+            <p:ph type="body" idx="1"/>
           </p:nvPr>
         </p:nvSpPr>
         <p:spPr>
@@ -1159,12 +1202,12 @@
           </a:prstGeom>
         </p:spPr>
         <p:txBody>
-          <a:bodyPr anchorCtr="0" anchor="t" bIns="91425" lIns="91425" spcFirstLastPara="1" rIns="91425" wrap="square" tIns="91425">
+          <a:bodyPr spcFirstLastPara="1" wrap="square" lIns="91425" tIns="91425" rIns="91425" bIns="91425" anchor="t" anchorCtr="0">
             <a:noAutofit/>
           </a:bodyPr>
           <a:lstStyle/>
           <a:p>
-            <a:pPr indent="0" lvl="0" marL="0" rtl="0" algn="l">
+            <a:pPr marL="0" lvl="0" indent="0" algn="l" rtl="0">
               <a:spcBef>
                 <a:spcPts val="0"/>
               </a:spcBef>
@@ -1173,9 +1216,6 @@
               </a:spcAft>
               <a:buNone/>
             </a:pPr>
-            <a:r>
-              <a:t/>
-            </a:r>
             <a:endParaRPr/>
           </a:p>
         </p:txBody>
@@ -1189,11 +1229,11 @@
 </file>
 
 <file path=ppt/notesSlides/notesSlide6.xml><?xml version="1.0" encoding="utf-8"?>
-<p:notes xmlns:a="http://schemas.openxmlformats.org/drawingml/2006/main" xmlns:r="http://schemas.openxmlformats.org/officeDocument/2006/relationships" xmlns:mc="http://schemas.openxmlformats.org/markup-compatibility/2006" xmlns:mv="urn:schemas-microsoft-com:mac:vml" xmlns:p="http://schemas.openxmlformats.org/presentationml/2006/main" xmlns:c="http://schemas.openxmlformats.org/drawingml/2006/chart" xmlns:dgm="http://schemas.openxmlformats.org/drawingml/2006/diagram" xmlns:o="urn:schemas-microsoft-com:office:office" xmlns:v="urn:schemas-microsoft-com:vml" xmlns:pvml="urn:schemas-microsoft-com:office:powerpoint" xmlns:com="http://schemas.openxmlformats.org/drawingml/2006/compatibility" xmlns:p14="http://schemas.microsoft.com/office/powerpoint/2010/main" xmlns:p15="http://schemas.microsoft.com/office/powerpoint/2012/main" xmlns:ahyp="http://schemas.microsoft.com/office/drawing/2018/hyperlinkcolor" showMasterPhAnim="0" showMasterSp="0">
+<p:notes xmlns:a="http://schemas.openxmlformats.org/drawingml/2006/main" xmlns:r="http://schemas.openxmlformats.org/officeDocument/2006/relationships" xmlns:p="http://schemas.openxmlformats.org/presentationml/2006/main" showMasterSp="0" showMasterPhAnim="0">
   <p:cSld>
     <p:spTree>
       <p:nvGrpSpPr>
-        <p:cNvPr id="82" name="Shape 82"/>
+        <p:cNvPr id="1" name="Shape 82"/>
         <p:cNvGrpSpPr/>
         <p:nvPr/>
       </p:nvGrpSpPr>
@@ -1208,9 +1248,11 @@
       <p:sp>
         <p:nvSpPr>
           <p:cNvPr id="83" name="Google Shape;83;gcca7b39098_0_10:notes"/>
-          <p:cNvSpPr/>
+          <p:cNvSpPr>
+            <a:spLocks noGrp="1" noRot="1" noChangeAspect="1"/>
+          </p:cNvSpPr>
           <p:nvPr>
-            <p:ph idx="2" type="sldImg"/>
+            <p:ph type="sldImg" idx="2"/>
           </p:nvPr>
         </p:nvSpPr>
         <p:spPr>
@@ -1219,9 +1261,13 @@
             <a:ext cx="6096000" cy="3429000"/>
           </a:xfrm>
           <a:custGeom>
-            <a:rect b="b" l="l" r="r" t="t"/>
+            <a:avLst/>
+            <a:gdLst/>
+            <a:ahLst/>
+            <a:cxnLst/>
+            <a:rect l="l" t="t" r="r" b="b"/>
             <a:pathLst>
-              <a:path extrusionOk="0" h="120000" w="120000">
+              <a:path w="120000" h="120000" extrusionOk="0">
                 <a:moveTo>
                   <a:pt x="0" y="0"/>
                 </a:moveTo>
@@ -1243,9 +1289,11 @@
       <p:sp>
         <p:nvSpPr>
           <p:cNvPr id="84" name="Google Shape;84;gcca7b39098_0_10:notes"/>
-          <p:cNvSpPr txBox="1"/>
+          <p:cNvSpPr txBox="1">
+            <a:spLocks noGrp="1"/>
+          </p:cNvSpPr>
           <p:nvPr>
-            <p:ph idx="1" type="body"/>
+            <p:ph type="body" idx="1"/>
           </p:nvPr>
         </p:nvSpPr>
         <p:spPr>
@@ -1258,12 +1306,12 @@
           </a:prstGeom>
         </p:spPr>
         <p:txBody>
-          <a:bodyPr anchorCtr="0" anchor="t" bIns="91425" lIns="91425" spcFirstLastPara="1" rIns="91425" wrap="square" tIns="91425">
+          <a:bodyPr spcFirstLastPara="1" wrap="square" lIns="91425" tIns="91425" rIns="91425" bIns="91425" anchor="t" anchorCtr="0">
             <a:noAutofit/>
           </a:bodyPr>
           <a:lstStyle/>
           <a:p>
-            <a:pPr indent="0" lvl="0" marL="0" rtl="0" algn="l">
+            <a:pPr marL="0" lvl="0" indent="0" algn="l" rtl="0">
               <a:spcBef>
                 <a:spcPts val="0"/>
               </a:spcBef>
@@ -1272,9 +1320,6 @@
               </a:spcAft>
               <a:buNone/>
             </a:pPr>
-            <a:r>
-              <a:t/>
-            </a:r>
             <a:endParaRPr/>
           </a:p>
         </p:txBody>
@@ -1288,11 +1333,11 @@
 </file>
 
 <file path=ppt/notesSlides/notesSlide7.xml><?xml version="1.0" encoding="utf-8"?>
-<p:notes xmlns:a="http://schemas.openxmlformats.org/drawingml/2006/main" xmlns:r="http://schemas.openxmlformats.org/officeDocument/2006/relationships" xmlns:mc="http://schemas.openxmlformats.org/markup-compatibility/2006" xmlns:mv="urn:schemas-microsoft-com:mac:vml" xmlns:p="http://schemas.openxmlformats.org/presentationml/2006/main" xmlns:c="http://schemas.openxmlformats.org/drawingml/2006/chart" xmlns:dgm="http://schemas.openxmlformats.org/drawingml/2006/diagram" xmlns:o="urn:schemas-microsoft-com:office:office" xmlns:v="urn:schemas-microsoft-com:vml" xmlns:pvml="urn:schemas-microsoft-com:office:powerpoint" xmlns:com="http://schemas.openxmlformats.org/drawingml/2006/compatibility" xmlns:p14="http://schemas.microsoft.com/office/powerpoint/2010/main" xmlns:p15="http://schemas.microsoft.com/office/powerpoint/2012/main" xmlns:ahyp="http://schemas.microsoft.com/office/drawing/2018/hyperlinkcolor" showMasterPhAnim="0" showMasterSp="0">
+<p:notes xmlns:a="http://schemas.openxmlformats.org/drawingml/2006/main" xmlns:r="http://schemas.openxmlformats.org/officeDocument/2006/relationships" xmlns:p="http://schemas.openxmlformats.org/presentationml/2006/main" showMasterSp="0" showMasterPhAnim="0">
   <p:cSld>
     <p:spTree>
       <p:nvGrpSpPr>
-        <p:cNvPr id="88" name="Shape 88"/>
+        <p:cNvPr id="1" name="Shape 88"/>
         <p:cNvGrpSpPr/>
         <p:nvPr/>
       </p:nvGrpSpPr>
@@ -1307,9 +1352,11 @@
       <p:sp>
         <p:nvSpPr>
           <p:cNvPr id="89" name="Google Shape;89;gcca7b39098_0_15:notes"/>
-          <p:cNvSpPr/>
+          <p:cNvSpPr>
+            <a:spLocks noGrp="1" noRot="1" noChangeAspect="1"/>
+          </p:cNvSpPr>
           <p:nvPr>
-            <p:ph idx="2" type="sldImg"/>
+            <p:ph type="sldImg" idx="2"/>
           </p:nvPr>
         </p:nvSpPr>
         <p:spPr>
@@ -1318,9 +1365,13 @@
             <a:ext cx="6096000" cy="3429000"/>
           </a:xfrm>
           <a:custGeom>
-            <a:rect b="b" l="l" r="r" t="t"/>
+            <a:avLst/>
+            <a:gdLst/>
+            <a:ahLst/>
+            <a:cxnLst/>
+            <a:rect l="l" t="t" r="r" b="b"/>
             <a:pathLst>
-              <a:path extrusionOk="0" h="120000" w="120000">
+              <a:path w="120000" h="120000" extrusionOk="0">
                 <a:moveTo>
                   <a:pt x="0" y="0"/>
                 </a:moveTo>
@@ -1342,9 +1393,11 @@
       <p:sp>
         <p:nvSpPr>
           <p:cNvPr id="90" name="Google Shape;90;gcca7b39098_0_15:notes"/>
-          <p:cNvSpPr txBox="1"/>
+          <p:cNvSpPr txBox="1">
+            <a:spLocks noGrp="1"/>
+          </p:cNvSpPr>
           <p:nvPr>
-            <p:ph idx="1" type="body"/>
+            <p:ph type="body" idx="1"/>
           </p:nvPr>
         </p:nvSpPr>
         <p:spPr>
@@ -1357,12 +1410,12 @@
           </a:prstGeom>
         </p:spPr>
         <p:txBody>
-          <a:bodyPr anchorCtr="0" anchor="t" bIns="91425" lIns="91425" spcFirstLastPara="1" rIns="91425" wrap="square" tIns="91425">
+          <a:bodyPr spcFirstLastPara="1" wrap="square" lIns="91425" tIns="91425" rIns="91425" bIns="91425" anchor="t" anchorCtr="0">
             <a:noAutofit/>
           </a:bodyPr>
           <a:lstStyle/>
           <a:p>
-            <a:pPr indent="0" lvl="0" marL="0" rtl="0" algn="l">
+            <a:pPr marL="0" lvl="0" indent="0" algn="l" rtl="0">
               <a:spcBef>
                 <a:spcPts val="0"/>
               </a:spcBef>
@@ -1371,9 +1424,6 @@
               </a:spcAft>
               <a:buNone/>
             </a:pPr>
-            <a:r>
-              <a:t/>
-            </a:r>
             <a:endParaRPr/>
           </a:p>
         </p:txBody>
@@ -1387,11 +1437,11 @@
 </file>
 
 <file path=ppt/notesSlides/notesSlide8.xml><?xml version="1.0" encoding="utf-8"?>
-<p:notes xmlns:a="http://schemas.openxmlformats.org/drawingml/2006/main" xmlns:r="http://schemas.openxmlformats.org/officeDocument/2006/relationships" xmlns:mc="http://schemas.openxmlformats.org/markup-compatibility/2006" xmlns:mv="urn:schemas-microsoft-com:mac:vml" xmlns:p="http://schemas.openxmlformats.org/presentationml/2006/main" xmlns:c="http://schemas.openxmlformats.org/drawingml/2006/chart" xmlns:dgm="http://schemas.openxmlformats.org/drawingml/2006/diagram" xmlns:o="urn:schemas-microsoft-com:office:office" xmlns:v="urn:schemas-microsoft-com:vml" xmlns:pvml="urn:schemas-microsoft-com:office:powerpoint" xmlns:com="http://schemas.openxmlformats.org/drawingml/2006/compatibility" xmlns:p14="http://schemas.microsoft.com/office/powerpoint/2010/main" xmlns:p15="http://schemas.microsoft.com/office/powerpoint/2012/main" xmlns:ahyp="http://schemas.microsoft.com/office/drawing/2018/hyperlinkcolor" showMasterPhAnim="0" showMasterSp="0">
+<p:notes xmlns:a="http://schemas.openxmlformats.org/drawingml/2006/main" xmlns:r="http://schemas.openxmlformats.org/officeDocument/2006/relationships" xmlns:p="http://schemas.openxmlformats.org/presentationml/2006/main" showMasterSp="0" showMasterPhAnim="0">
   <p:cSld>
     <p:spTree>
       <p:nvGrpSpPr>
-        <p:cNvPr id="94" name="Shape 94"/>
+        <p:cNvPr id="1" name="Shape 94"/>
         <p:cNvGrpSpPr/>
         <p:nvPr/>
       </p:nvGrpSpPr>
@@ -1406,9 +1456,11 @@
       <p:sp>
         <p:nvSpPr>
           <p:cNvPr id="95" name="Google Shape;95;gd5be4dd278_0_8:notes"/>
-          <p:cNvSpPr/>
+          <p:cNvSpPr>
+            <a:spLocks noGrp="1" noRot="1" noChangeAspect="1"/>
+          </p:cNvSpPr>
           <p:nvPr>
-            <p:ph idx="2" type="sldImg"/>
+            <p:ph type="sldImg" idx="2"/>
           </p:nvPr>
         </p:nvSpPr>
         <p:spPr>
@@ -1417,9 +1469,13 @@
             <a:ext cx="6096000" cy="3429000"/>
           </a:xfrm>
           <a:custGeom>
-            <a:rect b="b" l="l" r="r" t="t"/>
+            <a:avLst/>
+            <a:gdLst/>
+            <a:ahLst/>
+            <a:cxnLst/>
+            <a:rect l="l" t="t" r="r" b="b"/>
             <a:pathLst>
-              <a:path extrusionOk="0" h="120000" w="120000">
+              <a:path w="120000" h="120000" extrusionOk="0">
                 <a:moveTo>
                   <a:pt x="0" y="0"/>
                 </a:moveTo>
@@ -1441,9 +1497,11 @@
       <p:sp>
         <p:nvSpPr>
           <p:cNvPr id="96" name="Google Shape;96;gd5be4dd278_0_8:notes"/>
-          <p:cNvSpPr txBox="1"/>
+          <p:cNvSpPr txBox="1">
+            <a:spLocks noGrp="1"/>
+          </p:cNvSpPr>
           <p:nvPr>
-            <p:ph idx="1" type="body"/>
+            <p:ph type="body" idx="1"/>
           </p:nvPr>
         </p:nvSpPr>
         <p:spPr>
@@ -1456,12 +1514,12 @@
           </a:prstGeom>
         </p:spPr>
         <p:txBody>
-          <a:bodyPr anchorCtr="0" anchor="t" bIns="91425" lIns="91425" spcFirstLastPara="1" rIns="91425" wrap="square" tIns="91425">
+          <a:bodyPr spcFirstLastPara="1" wrap="square" lIns="91425" tIns="91425" rIns="91425" bIns="91425" anchor="t" anchorCtr="0">
             <a:noAutofit/>
           </a:bodyPr>
           <a:lstStyle/>
           <a:p>
-            <a:pPr indent="0" lvl="0" marL="0" rtl="0" algn="l">
+            <a:pPr marL="0" lvl="0" indent="0" algn="l" rtl="0">
               <a:spcBef>
                 <a:spcPts val="0"/>
               </a:spcBef>
@@ -1470,9 +1528,6 @@
               </a:spcAft>
               <a:buNone/>
             </a:pPr>
-            <a:r>
-              <a:t/>
-            </a:r>
             <a:endParaRPr/>
           </a:p>
         </p:txBody>
@@ -1486,11 +1541,11 @@
 </file>
 
 <file path=ppt/slideLayouts/slideLayout1.xml><?xml version="1.0" encoding="utf-8"?>
-<p:sldLayout xmlns:a="http://schemas.openxmlformats.org/drawingml/2006/main" xmlns:r="http://schemas.openxmlformats.org/officeDocument/2006/relationships" xmlns:mc="http://schemas.openxmlformats.org/markup-compatibility/2006" xmlns:mv="urn:schemas-microsoft-com:mac:vml" xmlns:p="http://schemas.openxmlformats.org/presentationml/2006/main" xmlns:c="http://schemas.openxmlformats.org/drawingml/2006/chart" xmlns:dgm="http://schemas.openxmlformats.org/drawingml/2006/diagram" xmlns:o="urn:schemas-microsoft-com:office:office" xmlns:v="urn:schemas-microsoft-com:vml" xmlns:pvml="urn:schemas-microsoft-com:office:powerpoint" xmlns:com="http://schemas.openxmlformats.org/drawingml/2006/compatibility" xmlns:p14="http://schemas.microsoft.com/office/powerpoint/2010/main" xmlns:p15="http://schemas.microsoft.com/office/powerpoint/2012/main" xmlns:ahyp="http://schemas.microsoft.com/office/drawing/2018/hyperlinkcolor" matchingName="Title slide" type="title">
+<p:sldLayout xmlns:a="http://schemas.openxmlformats.org/drawingml/2006/main" xmlns:r="http://schemas.openxmlformats.org/officeDocument/2006/relationships" xmlns:p="http://schemas.openxmlformats.org/presentationml/2006/main" matchingName="Title slide" type="title">
   <p:cSld name="TITLE">
     <p:spTree>
       <p:nvGrpSpPr>
-        <p:cNvPr id="9" name="Shape 9"/>
+        <p:cNvPr id="1" name="Shape 9"/>
         <p:cNvGrpSpPr/>
         <p:nvPr/>
       </p:nvGrpSpPr>
@@ -1505,7 +1560,9 @@
       <p:sp>
         <p:nvSpPr>
           <p:cNvPr id="10" name="Google Shape;10;p2"/>
-          <p:cNvSpPr txBox="1"/>
+          <p:cNvSpPr txBox="1">
+            <a:spLocks noGrp="1"/>
+          </p:cNvSpPr>
           <p:nvPr>
             <p:ph type="ctrTitle"/>
           </p:nvPr>
@@ -1520,7 +1577,7 @@
           </a:prstGeom>
         </p:spPr>
         <p:txBody>
-          <a:bodyPr anchorCtr="0" anchor="b" bIns="91425" lIns="91425" spcFirstLastPara="1" rIns="91425" wrap="square" tIns="91425">
+          <a:bodyPr spcFirstLastPara="1" wrap="square" lIns="91425" tIns="91425" rIns="91425" bIns="91425" anchor="b" anchorCtr="0">
             <a:normAutofit/>
           </a:bodyPr>
           <a:lstStyle>
@@ -1624,15 +1681,19 @@
               <a:defRPr sz="5200"/>
             </a:lvl9pPr>
           </a:lstStyle>
-          <a:p/>
+          <a:p>
+            <a:endParaRPr/>
+          </a:p>
         </p:txBody>
       </p:sp>
       <p:sp>
         <p:nvSpPr>
           <p:cNvPr id="11" name="Google Shape;11;p2"/>
-          <p:cNvSpPr txBox="1"/>
+          <p:cNvSpPr txBox="1">
+            <a:spLocks noGrp="1"/>
+          </p:cNvSpPr>
           <p:nvPr>
-            <p:ph idx="1" type="subTitle"/>
+            <p:ph type="subTitle" idx="1"/>
           </p:nvPr>
         </p:nvSpPr>
         <p:spPr>
@@ -1645,7 +1706,7 @@
           </a:prstGeom>
         </p:spPr>
         <p:txBody>
-          <a:bodyPr anchorCtr="0" anchor="t" bIns="91425" lIns="91425" spcFirstLastPara="1" rIns="91425" wrap="square" tIns="91425">
+          <a:bodyPr spcFirstLastPara="1" wrap="square" lIns="91425" tIns="91425" rIns="91425" bIns="91425" anchor="t" anchorCtr="0">
             <a:normAutofit/>
           </a:bodyPr>
           <a:lstStyle>
@@ -1776,15 +1837,19 @@
               <a:defRPr sz="2800"/>
             </a:lvl9pPr>
           </a:lstStyle>
-          <a:p/>
+          <a:p>
+            <a:endParaRPr/>
+          </a:p>
         </p:txBody>
       </p:sp>
       <p:sp>
         <p:nvSpPr>
           <p:cNvPr id="12" name="Google Shape;12;p2"/>
-          <p:cNvSpPr txBox="1"/>
+          <p:cNvSpPr txBox="1">
+            <a:spLocks noGrp="1"/>
+          </p:cNvSpPr>
           <p:nvPr>
-            <p:ph idx="12" type="sldNum"/>
+            <p:ph type="sldNum" idx="12"/>
           </p:nvPr>
         </p:nvSpPr>
         <p:spPr>
@@ -1797,7 +1862,7 @@
           </a:prstGeom>
         </p:spPr>
         <p:txBody>
-          <a:bodyPr anchorCtr="0" anchor="ctr" bIns="91425" lIns="91425" spcFirstLastPara="1" rIns="91425" wrap="square" tIns="91425">
+          <a:bodyPr spcFirstLastPara="1" wrap="square" lIns="91425" tIns="91425" rIns="91425" bIns="91425" anchor="ctr" anchorCtr="0">
             <a:normAutofit/>
           </a:bodyPr>
           <a:lstStyle>
@@ -1839,7 +1904,7 @@
             </a:lvl9pPr>
           </a:lstStyle>
           <a:p>
-            <a:pPr indent="0" lvl="0" marL="0" rtl="0" algn="r">
+            <a:pPr marL="0" lvl="0" indent="0" algn="r" rtl="0">
               <a:spcBef>
                 <a:spcPts val="0"/>
               </a:spcBef>
@@ -1865,11 +1930,11 @@
 </file>
 
 <file path=ppt/slideLayouts/slideLayout10.xml><?xml version="1.0" encoding="utf-8"?>
-<p:sldLayout xmlns:a="http://schemas.openxmlformats.org/drawingml/2006/main" xmlns:r="http://schemas.openxmlformats.org/officeDocument/2006/relationships" xmlns:mc="http://schemas.openxmlformats.org/markup-compatibility/2006" xmlns:mv="urn:schemas-microsoft-com:mac:vml" xmlns:p="http://schemas.openxmlformats.org/presentationml/2006/main" xmlns:c="http://schemas.openxmlformats.org/drawingml/2006/chart" xmlns:dgm="http://schemas.openxmlformats.org/drawingml/2006/diagram" xmlns:o="urn:schemas-microsoft-com:office:office" xmlns:v="urn:schemas-microsoft-com:vml" xmlns:pvml="urn:schemas-microsoft-com:office:powerpoint" xmlns:com="http://schemas.openxmlformats.org/drawingml/2006/compatibility" xmlns:p14="http://schemas.microsoft.com/office/powerpoint/2010/main" xmlns:p15="http://schemas.microsoft.com/office/powerpoint/2012/main" xmlns:ahyp="http://schemas.microsoft.com/office/drawing/2018/hyperlinkcolor" matchingName="Big number">
+<p:sldLayout xmlns:a="http://schemas.openxmlformats.org/drawingml/2006/main" xmlns:r="http://schemas.openxmlformats.org/officeDocument/2006/relationships" xmlns:p="http://schemas.openxmlformats.org/presentationml/2006/main" matchingName="Big number">
   <p:cSld name="BIG_NUMBER">
     <p:spTree>
       <p:nvGrpSpPr>
-        <p:cNvPr id="44" name="Shape 44"/>
+        <p:cNvPr id="1" name="Shape 44"/>
         <p:cNvGrpSpPr/>
         <p:nvPr/>
       </p:nvGrpSpPr>
@@ -1884,9 +1949,11 @@
       <p:sp>
         <p:nvSpPr>
           <p:cNvPr id="45" name="Google Shape;45;p11"/>
-          <p:cNvSpPr txBox="1"/>
+          <p:cNvSpPr txBox="1">
+            <a:spLocks noGrp="1"/>
+          </p:cNvSpPr>
           <p:nvPr>
-            <p:ph hasCustomPrompt="1" type="title"/>
+            <p:ph type="title" hasCustomPrompt="1"/>
           </p:nvPr>
         </p:nvSpPr>
         <p:spPr>
@@ -1899,7 +1966,7 @@
           </a:prstGeom>
         </p:spPr>
         <p:txBody>
-          <a:bodyPr anchorCtr="0" anchor="b" bIns="91425" lIns="91425" spcFirstLastPara="1" rIns="91425" wrap="square" tIns="91425">
+          <a:bodyPr spcFirstLastPara="1" wrap="square" lIns="91425" tIns="91425" rIns="91425" bIns="91425" anchor="b" anchorCtr="0">
             <a:normAutofit/>
           </a:bodyPr>
           <a:lstStyle>
@@ -2013,9 +2080,11 @@
       <p:sp>
         <p:nvSpPr>
           <p:cNvPr id="46" name="Google Shape;46;p11"/>
-          <p:cNvSpPr txBox="1"/>
+          <p:cNvSpPr txBox="1">
+            <a:spLocks noGrp="1"/>
+          </p:cNvSpPr>
           <p:nvPr>
-            <p:ph idx="1" type="body"/>
+            <p:ph type="body" idx="1"/>
           </p:nvPr>
         </p:nvSpPr>
         <p:spPr>
@@ -2028,11 +2097,11 @@
           </a:prstGeom>
         </p:spPr>
         <p:txBody>
-          <a:bodyPr anchorCtr="0" anchor="t" bIns="91425" lIns="91425" spcFirstLastPara="1" rIns="91425" wrap="square" tIns="91425">
+          <a:bodyPr spcFirstLastPara="1" wrap="square" lIns="91425" tIns="91425" rIns="91425" bIns="91425" anchor="t" anchorCtr="0">
             <a:normAutofit/>
           </a:bodyPr>
           <a:lstStyle>
-            <a:lvl1pPr indent="-342900" lvl="0" marL="457200" algn="ctr">
+            <a:lvl1pPr marL="457200" lvl="0" indent="-342900" algn="ctr">
               <a:spcBef>
                 <a:spcPts val="0"/>
               </a:spcBef>
@@ -2043,7 +2112,7 @@
               <a:buChar char="●"/>
               <a:defRPr/>
             </a:lvl1pPr>
-            <a:lvl2pPr indent="-317500" lvl="1" marL="914400" algn="ctr">
+            <a:lvl2pPr marL="914400" lvl="1" indent="-317500" algn="ctr">
               <a:spcBef>
                 <a:spcPts val="0"/>
               </a:spcBef>
@@ -2054,7 +2123,7 @@
               <a:buChar char="○"/>
               <a:defRPr/>
             </a:lvl2pPr>
-            <a:lvl3pPr indent="-317500" lvl="2" marL="1371600" algn="ctr">
+            <a:lvl3pPr marL="1371600" lvl="2" indent="-317500" algn="ctr">
               <a:spcBef>
                 <a:spcPts val="0"/>
               </a:spcBef>
@@ -2065,7 +2134,7 @@
               <a:buChar char="■"/>
               <a:defRPr/>
             </a:lvl3pPr>
-            <a:lvl4pPr indent="-317500" lvl="3" marL="1828800" algn="ctr">
+            <a:lvl4pPr marL="1828800" lvl="3" indent="-317500" algn="ctr">
               <a:spcBef>
                 <a:spcPts val="0"/>
               </a:spcBef>
@@ -2076,7 +2145,7 @@
               <a:buChar char="●"/>
               <a:defRPr/>
             </a:lvl4pPr>
-            <a:lvl5pPr indent="-317500" lvl="4" marL="2286000" algn="ctr">
+            <a:lvl5pPr marL="2286000" lvl="4" indent="-317500" algn="ctr">
               <a:spcBef>
                 <a:spcPts val="0"/>
               </a:spcBef>
@@ -2087,7 +2156,7 @@
               <a:buChar char="○"/>
               <a:defRPr/>
             </a:lvl5pPr>
-            <a:lvl6pPr indent="-317500" lvl="5" marL="2743200" algn="ctr">
+            <a:lvl6pPr marL="2743200" lvl="5" indent="-317500" algn="ctr">
               <a:spcBef>
                 <a:spcPts val="0"/>
               </a:spcBef>
@@ -2098,7 +2167,7 @@
               <a:buChar char="■"/>
               <a:defRPr/>
             </a:lvl6pPr>
-            <a:lvl7pPr indent="-317500" lvl="6" marL="3200400" algn="ctr">
+            <a:lvl7pPr marL="3200400" lvl="6" indent="-317500" algn="ctr">
               <a:spcBef>
                 <a:spcPts val="0"/>
               </a:spcBef>
@@ -2109,7 +2178,7 @@
               <a:buChar char="●"/>
               <a:defRPr/>
             </a:lvl7pPr>
-            <a:lvl8pPr indent="-317500" lvl="7" marL="3657600" algn="ctr">
+            <a:lvl8pPr marL="3657600" lvl="7" indent="-317500" algn="ctr">
               <a:spcBef>
                 <a:spcPts val="0"/>
               </a:spcBef>
@@ -2120,7 +2189,7 @@
               <a:buChar char="○"/>
               <a:defRPr/>
             </a:lvl8pPr>
-            <a:lvl9pPr indent="-317500" lvl="8" marL="4114800" algn="ctr">
+            <a:lvl9pPr marL="4114800" lvl="8" indent="-317500" algn="ctr">
               <a:spcBef>
                 <a:spcPts val="0"/>
               </a:spcBef>
@@ -2132,15 +2201,19 @@
               <a:defRPr/>
             </a:lvl9pPr>
           </a:lstStyle>
-          <a:p/>
+          <a:p>
+            <a:endParaRPr/>
+          </a:p>
         </p:txBody>
       </p:sp>
       <p:sp>
         <p:nvSpPr>
           <p:cNvPr id="47" name="Google Shape;47;p11"/>
-          <p:cNvSpPr txBox="1"/>
+          <p:cNvSpPr txBox="1">
+            <a:spLocks noGrp="1"/>
+          </p:cNvSpPr>
           <p:nvPr>
-            <p:ph idx="12" type="sldNum"/>
+            <p:ph type="sldNum" idx="12"/>
           </p:nvPr>
         </p:nvSpPr>
         <p:spPr>
@@ -2153,7 +2226,7 @@
           </a:prstGeom>
         </p:spPr>
         <p:txBody>
-          <a:bodyPr anchorCtr="0" anchor="ctr" bIns="91425" lIns="91425" spcFirstLastPara="1" rIns="91425" wrap="square" tIns="91425">
+          <a:bodyPr spcFirstLastPara="1" wrap="square" lIns="91425" tIns="91425" rIns="91425" bIns="91425" anchor="ctr" anchorCtr="0">
             <a:normAutofit/>
           </a:bodyPr>
           <a:lstStyle>
@@ -2195,7 +2268,7 @@
             </a:lvl9pPr>
           </a:lstStyle>
           <a:p>
-            <a:pPr indent="0" lvl="0" marL="0" rtl="0" algn="r">
+            <a:pPr marL="0" lvl="0" indent="0" algn="r" rtl="0">
               <a:spcBef>
                 <a:spcPts val="0"/>
               </a:spcBef>
@@ -2221,11 +2294,11 @@
 </file>
 
 <file path=ppt/slideLayouts/slideLayout11.xml><?xml version="1.0" encoding="utf-8"?>
-<p:sldLayout xmlns:a="http://schemas.openxmlformats.org/drawingml/2006/main" xmlns:r="http://schemas.openxmlformats.org/officeDocument/2006/relationships" xmlns:mc="http://schemas.openxmlformats.org/markup-compatibility/2006" xmlns:mv="urn:schemas-microsoft-com:mac:vml" xmlns:p="http://schemas.openxmlformats.org/presentationml/2006/main" xmlns:c="http://schemas.openxmlformats.org/drawingml/2006/chart" xmlns:dgm="http://schemas.openxmlformats.org/drawingml/2006/diagram" xmlns:o="urn:schemas-microsoft-com:office:office" xmlns:v="urn:schemas-microsoft-com:vml" xmlns:pvml="urn:schemas-microsoft-com:office:powerpoint" xmlns:com="http://schemas.openxmlformats.org/drawingml/2006/compatibility" xmlns:p14="http://schemas.microsoft.com/office/powerpoint/2010/main" xmlns:p15="http://schemas.microsoft.com/office/powerpoint/2012/main" xmlns:ahyp="http://schemas.microsoft.com/office/drawing/2018/hyperlinkcolor" matchingName="Blank" type="blank">
+<p:sldLayout xmlns:a="http://schemas.openxmlformats.org/drawingml/2006/main" xmlns:r="http://schemas.openxmlformats.org/officeDocument/2006/relationships" xmlns:p="http://schemas.openxmlformats.org/presentationml/2006/main" matchingName="Blank" type="blank">
   <p:cSld name="BLANK">
     <p:spTree>
       <p:nvGrpSpPr>
-        <p:cNvPr id="48" name="Shape 48"/>
+        <p:cNvPr id="1" name="Shape 48"/>
         <p:cNvGrpSpPr/>
         <p:nvPr/>
       </p:nvGrpSpPr>
@@ -2240,9 +2313,11 @@
       <p:sp>
         <p:nvSpPr>
           <p:cNvPr id="49" name="Google Shape;49;p12"/>
-          <p:cNvSpPr txBox="1"/>
+          <p:cNvSpPr txBox="1">
+            <a:spLocks noGrp="1"/>
+          </p:cNvSpPr>
           <p:nvPr>
-            <p:ph idx="12" type="sldNum"/>
+            <p:ph type="sldNum" idx="12"/>
           </p:nvPr>
         </p:nvSpPr>
         <p:spPr>
@@ -2255,7 +2330,7 @@
           </a:prstGeom>
         </p:spPr>
         <p:txBody>
-          <a:bodyPr anchorCtr="0" anchor="ctr" bIns="91425" lIns="91425" spcFirstLastPara="1" rIns="91425" wrap="square" tIns="91425">
+          <a:bodyPr spcFirstLastPara="1" wrap="square" lIns="91425" tIns="91425" rIns="91425" bIns="91425" anchor="ctr" anchorCtr="0">
             <a:normAutofit/>
           </a:bodyPr>
           <a:lstStyle>
@@ -2297,7 +2372,7 @@
             </a:lvl9pPr>
           </a:lstStyle>
           <a:p>
-            <a:pPr indent="0" lvl="0" marL="0" rtl="0" algn="r">
+            <a:pPr marL="0" lvl="0" indent="0" algn="r" rtl="0">
               <a:spcBef>
                 <a:spcPts val="0"/>
               </a:spcBef>
@@ -2323,11 +2398,11 @@
 </file>
 
 <file path=ppt/slideLayouts/slideLayout2.xml><?xml version="1.0" encoding="utf-8"?>
-<p:sldLayout xmlns:a="http://schemas.openxmlformats.org/drawingml/2006/main" xmlns:r="http://schemas.openxmlformats.org/officeDocument/2006/relationships" xmlns:mc="http://schemas.openxmlformats.org/markup-compatibility/2006" xmlns:mv="urn:schemas-microsoft-com:mac:vml" xmlns:p="http://schemas.openxmlformats.org/presentationml/2006/main" xmlns:c="http://schemas.openxmlformats.org/drawingml/2006/chart" xmlns:dgm="http://schemas.openxmlformats.org/drawingml/2006/diagram" xmlns:o="urn:schemas-microsoft-com:office:office" xmlns:v="urn:schemas-microsoft-com:vml" xmlns:pvml="urn:schemas-microsoft-com:office:powerpoint" xmlns:com="http://schemas.openxmlformats.org/drawingml/2006/compatibility" xmlns:p14="http://schemas.microsoft.com/office/powerpoint/2010/main" xmlns:p15="http://schemas.microsoft.com/office/powerpoint/2012/main" xmlns:ahyp="http://schemas.microsoft.com/office/drawing/2018/hyperlinkcolor" matchingName="Section header" type="secHead">
+<p:sldLayout xmlns:a="http://schemas.openxmlformats.org/drawingml/2006/main" xmlns:r="http://schemas.openxmlformats.org/officeDocument/2006/relationships" xmlns:p="http://schemas.openxmlformats.org/presentationml/2006/main" matchingName="Section header" type="secHead">
   <p:cSld name="SECTION_HEADER">
     <p:spTree>
       <p:nvGrpSpPr>
-        <p:cNvPr id="13" name="Shape 13"/>
+        <p:cNvPr id="1" name="Shape 13"/>
         <p:cNvGrpSpPr/>
         <p:nvPr/>
       </p:nvGrpSpPr>
@@ -2342,7 +2417,9 @@
       <p:sp>
         <p:nvSpPr>
           <p:cNvPr id="14" name="Google Shape;14;p3"/>
-          <p:cNvSpPr txBox="1"/>
+          <p:cNvSpPr txBox="1">
+            <a:spLocks noGrp="1"/>
+          </p:cNvSpPr>
           <p:nvPr>
             <p:ph type="title"/>
           </p:nvPr>
@@ -2357,7 +2434,7 @@
           </a:prstGeom>
         </p:spPr>
         <p:txBody>
-          <a:bodyPr anchorCtr="0" anchor="ctr" bIns="91425" lIns="91425" spcFirstLastPara="1" rIns="91425" wrap="square" tIns="91425">
+          <a:bodyPr spcFirstLastPara="1" wrap="square" lIns="91425" tIns="91425" rIns="91425" bIns="91425" anchor="ctr" anchorCtr="0">
             <a:normAutofit/>
           </a:bodyPr>
           <a:lstStyle>
@@ -2461,15 +2538,19 @@
               <a:defRPr sz="3600"/>
             </a:lvl9pPr>
           </a:lstStyle>
-          <a:p/>
+          <a:p>
+            <a:endParaRPr/>
+          </a:p>
         </p:txBody>
       </p:sp>
       <p:sp>
         <p:nvSpPr>
           <p:cNvPr id="15" name="Google Shape;15;p3"/>
-          <p:cNvSpPr txBox="1"/>
+          <p:cNvSpPr txBox="1">
+            <a:spLocks noGrp="1"/>
+          </p:cNvSpPr>
           <p:nvPr>
-            <p:ph idx="12" type="sldNum"/>
+            <p:ph type="sldNum" idx="12"/>
           </p:nvPr>
         </p:nvSpPr>
         <p:spPr>
@@ -2482,7 +2563,7 @@
           </a:prstGeom>
         </p:spPr>
         <p:txBody>
-          <a:bodyPr anchorCtr="0" anchor="ctr" bIns="91425" lIns="91425" spcFirstLastPara="1" rIns="91425" wrap="square" tIns="91425">
+          <a:bodyPr spcFirstLastPara="1" wrap="square" lIns="91425" tIns="91425" rIns="91425" bIns="91425" anchor="ctr" anchorCtr="0">
             <a:normAutofit/>
           </a:bodyPr>
           <a:lstStyle>
@@ -2524,7 +2605,7 @@
             </a:lvl9pPr>
           </a:lstStyle>
           <a:p>
-            <a:pPr indent="0" lvl="0" marL="0" rtl="0" algn="r">
+            <a:pPr marL="0" lvl="0" indent="0" algn="r" rtl="0">
               <a:spcBef>
                 <a:spcPts val="0"/>
               </a:spcBef>
@@ -2550,11 +2631,11 @@
 </file>
 
 <file path=ppt/slideLayouts/slideLayout3.xml><?xml version="1.0" encoding="utf-8"?>
-<p:sldLayout xmlns:a="http://schemas.openxmlformats.org/drawingml/2006/main" xmlns:r="http://schemas.openxmlformats.org/officeDocument/2006/relationships" xmlns:mc="http://schemas.openxmlformats.org/markup-compatibility/2006" xmlns:mv="urn:schemas-microsoft-com:mac:vml" xmlns:p="http://schemas.openxmlformats.org/presentationml/2006/main" xmlns:c="http://schemas.openxmlformats.org/drawingml/2006/chart" xmlns:dgm="http://schemas.openxmlformats.org/drawingml/2006/diagram" xmlns:o="urn:schemas-microsoft-com:office:office" xmlns:v="urn:schemas-microsoft-com:vml" xmlns:pvml="urn:schemas-microsoft-com:office:powerpoint" xmlns:com="http://schemas.openxmlformats.org/drawingml/2006/compatibility" xmlns:p14="http://schemas.microsoft.com/office/powerpoint/2010/main" xmlns:p15="http://schemas.microsoft.com/office/powerpoint/2012/main" xmlns:ahyp="http://schemas.microsoft.com/office/drawing/2018/hyperlinkcolor" matchingName="Title and body" type="tx">
+<p:sldLayout xmlns:a="http://schemas.openxmlformats.org/drawingml/2006/main" xmlns:r="http://schemas.openxmlformats.org/officeDocument/2006/relationships" xmlns:p="http://schemas.openxmlformats.org/presentationml/2006/main" matchingName="Title and body" type="tx">
   <p:cSld name="TITLE_AND_BODY">
     <p:spTree>
       <p:nvGrpSpPr>
-        <p:cNvPr id="16" name="Shape 16"/>
+        <p:cNvPr id="1" name="Shape 16"/>
         <p:cNvGrpSpPr/>
         <p:nvPr/>
       </p:nvGrpSpPr>
@@ -2569,7 +2650,9 @@
       <p:sp>
         <p:nvSpPr>
           <p:cNvPr id="17" name="Google Shape;17;p4"/>
-          <p:cNvSpPr txBox="1"/>
+          <p:cNvSpPr txBox="1">
+            <a:spLocks noGrp="1"/>
+          </p:cNvSpPr>
           <p:nvPr>
             <p:ph type="title"/>
           </p:nvPr>
@@ -2584,7 +2667,7 @@
           </a:prstGeom>
         </p:spPr>
         <p:txBody>
-          <a:bodyPr anchorCtr="0" anchor="t" bIns="91425" lIns="91425" spcFirstLastPara="1" rIns="91425" wrap="square" tIns="91425">
+          <a:bodyPr spcFirstLastPara="1" wrap="square" lIns="91425" tIns="91425" rIns="91425" bIns="91425" anchor="t" anchorCtr="0">
             <a:normAutofit/>
           </a:bodyPr>
           <a:lstStyle>
@@ -2688,15 +2771,19 @@
               <a:defRPr/>
             </a:lvl9pPr>
           </a:lstStyle>
-          <a:p/>
+          <a:p>
+            <a:endParaRPr/>
+          </a:p>
         </p:txBody>
       </p:sp>
       <p:sp>
         <p:nvSpPr>
           <p:cNvPr id="18" name="Google Shape;18;p4"/>
-          <p:cNvSpPr txBox="1"/>
+          <p:cNvSpPr txBox="1">
+            <a:spLocks noGrp="1"/>
+          </p:cNvSpPr>
           <p:nvPr>
-            <p:ph idx="1" type="body"/>
+            <p:ph type="body" idx="1"/>
           </p:nvPr>
         </p:nvSpPr>
         <p:spPr>
@@ -2709,11 +2796,11 @@
           </a:prstGeom>
         </p:spPr>
         <p:txBody>
-          <a:bodyPr anchorCtr="0" anchor="t" bIns="91425" lIns="91425" spcFirstLastPara="1" rIns="91425" wrap="square" tIns="91425">
+          <a:bodyPr spcFirstLastPara="1" wrap="square" lIns="91425" tIns="91425" rIns="91425" bIns="91425" anchor="t" anchorCtr="0">
             <a:normAutofit/>
           </a:bodyPr>
           <a:lstStyle>
-            <a:lvl1pPr indent="-342900" lvl="0" marL="457200">
+            <a:lvl1pPr marL="457200" lvl="0" indent="-342900">
               <a:spcBef>
                 <a:spcPts val="0"/>
               </a:spcBef>
@@ -2724,7 +2811,7 @@
               <a:buChar char="●"/>
               <a:defRPr/>
             </a:lvl1pPr>
-            <a:lvl2pPr indent="-317500" lvl="1" marL="914400">
+            <a:lvl2pPr marL="914400" lvl="1" indent="-317500">
               <a:spcBef>
                 <a:spcPts val="0"/>
               </a:spcBef>
@@ -2735,7 +2822,7 @@
               <a:buChar char="○"/>
               <a:defRPr/>
             </a:lvl2pPr>
-            <a:lvl3pPr indent="-317500" lvl="2" marL="1371600">
+            <a:lvl3pPr marL="1371600" lvl="2" indent="-317500">
               <a:spcBef>
                 <a:spcPts val="0"/>
               </a:spcBef>
@@ -2746,7 +2833,7 @@
               <a:buChar char="■"/>
               <a:defRPr/>
             </a:lvl3pPr>
-            <a:lvl4pPr indent="-317500" lvl="3" marL="1828800">
+            <a:lvl4pPr marL="1828800" lvl="3" indent="-317500">
               <a:spcBef>
                 <a:spcPts val="0"/>
               </a:spcBef>
@@ -2757,7 +2844,7 @@
               <a:buChar char="●"/>
               <a:defRPr/>
             </a:lvl4pPr>
-            <a:lvl5pPr indent="-317500" lvl="4" marL="2286000">
+            <a:lvl5pPr marL="2286000" lvl="4" indent="-317500">
               <a:spcBef>
                 <a:spcPts val="0"/>
               </a:spcBef>
@@ -2768,7 +2855,7 @@
               <a:buChar char="○"/>
               <a:defRPr/>
             </a:lvl5pPr>
-            <a:lvl6pPr indent="-317500" lvl="5" marL="2743200">
+            <a:lvl6pPr marL="2743200" lvl="5" indent="-317500">
               <a:spcBef>
                 <a:spcPts val="0"/>
               </a:spcBef>
@@ -2779,7 +2866,7 @@
               <a:buChar char="■"/>
               <a:defRPr/>
             </a:lvl6pPr>
-            <a:lvl7pPr indent="-317500" lvl="6" marL="3200400">
+            <a:lvl7pPr marL="3200400" lvl="6" indent="-317500">
               <a:spcBef>
                 <a:spcPts val="0"/>
               </a:spcBef>
@@ -2790,7 +2877,7 @@
               <a:buChar char="●"/>
               <a:defRPr/>
             </a:lvl7pPr>
-            <a:lvl8pPr indent="-317500" lvl="7" marL="3657600">
+            <a:lvl8pPr marL="3657600" lvl="7" indent="-317500">
               <a:spcBef>
                 <a:spcPts val="0"/>
               </a:spcBef>
@@ -2801,7 +2888,7 @@
               <a:buChar char="○"/>
               <a:defRPr/>
             </a:lvl8pPr>
-            <a:lvl9pPr indent="-317500" lvl="8" marL="4114800">
+            <a:lvl9pPr marL="4114800" lvl="8" indent="-317500">
               <a:spcBef>
                 <a:spcPts val="0"/>
               </a:spcBef>
@@ -2813,15 +2900,19 @@
               <a:defRPr/>
             </a:lvl9pPr>
           </a:lstStyle>
-          <a:p/>
+          <a:p>
+            <a:endParaRPr/>
+          </a:p>
         </p:txBody>
       </p:sp>
       <p:sp>
         <p:nvSpPr>
           <p:cNvPr id="19" name="Google Shape;19;p4"/>
-          <p:cNvSpPr txBox="1"/>
+          <p:cNvSpPr txBox="1">
+            <a:spLocks noGrp="1"/>
+          </p:cNvSpPr>
           <p:nvPr>
-            <p:ph idx="12" type="sldNum"/>
+            <p:ph type="sldNum" idx="12"/>
           </p:nvPr>
         </p:nvSpPr>
         <p:spPr>
@@ -2834,7 +2925,7 @@
           </a:prstGeom>
         </p:spPr>
         <p:txBody>
-          <a:bodyPr anchorCtr="0" anchor="ctr" bIns="91425" lIns="91425" spcFirstLastPara="1" rIns="91425" wrap="square" tIns="91425">
+          <a:bodyPr spcFirstLastPara="1" wrap="square" lIns="91425" tIns="91425" rIns="91425" bIns="91425" anchor="ctr" anchorCtr="0">
             <a:normAutofit/>
           </a:bodyPr>
           <a:lstStyle>
@@ -2876,7 +2967,7 @@
             </a:lvl9pPr>
           </a:lstStyle>
           <a:p>
-            <a:pPr indent="0" lvl="0" marL="0" rtl="0" algn="r">
+            <a:pPr marL="0" lvl="0" indent="0" algn="r" rtl="0">
               <a:spcBef>
                 <a:spcPts val="0"/>
               </a:spcBef>
@@ -2902,11 +2993,11 @@
 </file>
 
 <file path=ppt/slideLayouts/slideLayout4.xml><?xml version="1.0" encoding="utf-8"?>
-<p:sldLayout xmlns:a="http://schemas.openxmlformats.org/drawingml/2006/main" xmlns:r="http://schemas.openxmlformats.org/officeDocument/2006/relationships" xmlns:mc="http://schemas.openxmlformats.org/markup-compatibility/2006" xmlns:mv="urn:schemas-microsoft-com:mac:vml" xmlns:p="http://schemas.openxmlformats.org/presentationml/2006/main" xmlns:c="http://schemas.openxmlformats.org/drawingml/2006/chart" xmlns:dgm="http://schemas.openxmlformats.org/drawingml/2006/diagram" xmlns:o="urn:schemas-microsoft-com:office:office" xmlns:v="urn:schemas-microsoft-com:vml" xmlns:pvml="urn:schemas-microsoft-com:office:powerpoint" xmlns:com="http://schemas.openxmlformats.org/drawingml/2006/compatibility" xmlns:p14="http://schemas.microsoft.com/office/powerpoint/2010/main" xmlns:p15="http://schemas.microsoft.com/office/powerpoint/2012/main" xmlns:ahyp="http://schemas.microsoft.com/office/drawing/2018/hyperlinkcolor" matchingName="Title and two columns" type="twoColTx">
+<p:sldLayout xmlns:a="http://schemas.openxmlformats.org/drawingml/2006/main" xmlns:r="http://schemas.openxmlformats.org/officeDocument/2006/relationships" xmlns:p="http://schemas.openxmlformats.org/presentationml/2006/main" matchingName="Title and two columns" type="twoColTx">
   <p:cSld name="TITLE_AND_TWO_COLUMNS">
     <p:spTree>
       <p:nvGrpSpPr>
-        <p:cNvPr id="20" name="Shape 20"/>
+        <p:cNvPr id="1" name="Shape 20"/>
         <p:cNvGrpSpPr/>
         <p:nvPr/>
       </p:nvGrpSpPr>
@@ -2921,7 +3012,9 @@
       <p:sp>
         <p:nvSpPr>
           <p:cNvPr id="21" name="Google Shape;21;p5"/>
-          <p:cNvSpPr txBox="1"/>
+          <p:cNvSpPr txBox="1">
+            <a:spLocks noGrp="1"/>
+          </p:cNvSpPr>
           <p:nvPr>
             <p:ph type="title"/>
           </p:nvPr>
@@ -2936,7 +3029,7 @@
           </a:prstGeom>
         </p:spPr>
         <p:txBody>
-          <a:bodyPr anchorCtr="0" anchor="t" bIns="91425" lIns="91425" spcFirstLastPara="1" rIns="91425" wrap="square" tIns="91425">
+          <a:bodyPr spcFirstLastPara="1" wrap="square" lIns="91425" tIns="91425" rIns="91425" bIns="91425" anchor="t" anchorCtr="0">
             <a:normAutofit/>
           </a:bodyPr>
           <a:lstStyle>
@@ -3040,15 +3133,19 @@
               <a:defRPr/>
             </a:lvl9pPr>
           </a:lstStyle>
-          <a:p/>
+          <a:p>
+            <a:endParaRPr/>
+          </a:p>
         </p:txBody>
       </p:sp>
       <p:sp>
         <p:nvSpPr>
           <p:cNvPr id="22" name="Google Shape;22;p5"/>
-          <p:cNvSpPr txBox="1"/>
+          <p:cNvSpPr txBox="1">
+            <a:spLocks noGrp="1"/>
+          </p:cNvSpPr>
           <p:nvPr>
-            <p:ph idx="1" type="body"/>
+            <p:ph type="body" idx="1"/>
           </p:nvPr>
         </p:nvSpPr>
         <p:spPr>
@@ -3061,11 +3158,11 @@
           </a:prstGeom>
         </p:spPr>
         <p:txBody>
-          <a:bodyPr anchorCtr="0" anchor="t" bIns="91425" lIns="91425" spcFirstLastPara="1" rIns="91425" wrap="square" tIns="91425">
+          <a:bodyPr spcFirstLastPara="1" wrap="square" lIns="91425" tIns="91425" rIns="91425" bIns="91425" anchor="t" anchorCtr="0">
             <a:normAutofit/>
           </a:bodyPr>
           <a:lstStyle>
-            <a:lvl1pPr indent="-317500" lvl="0" marL="457200">
+            <a:lvl1pPr marL="457200" lvl="0" indent="-317500">
               <a:spcBef>
                 <a:spcPts val="0"/>
               </a:spcBef>
@@ -3076,7 +3173,7 @@
               <a:buChar char="●"/>
               <a:defRPr sz="1400"/>
             </a:lvl1pPr>
-            <a:lvl2pPr indent="-304800" lvl="1" marL="914400">
+            <a:lvl2pPr marL="914400" lvl="1" indent="-304800">
               <a:spcBef>
                 <a:spcPts val="0"/>
               </a:spcBef>
@@ -3087,7 +3184,7 @@
               <a:buChar char="○"/>
               <a:defRPr sz="1200"/>
             </a:lvl2pPr>
-            <a:lvl3pPr indent="-304800" lvl="2" marL="1371600">
+            <a:lvl3pPr marL="1371600" lvl="2" indent="-304800">
               <a:spcBef>
                 <a:spcPts val="0"/>
               </a:spcBef>
@@ -3098,7 +3195,7 @@
               <a:buChar char="■"/>
               <a:defRPr sz="1200"/>
             </a:lvl3pPr>
-            <a:lvl4pPr indent="-304800" lvl="3" marL="1828800">
+            <a:lvl4pPr marL="1828800" lvl="3" indent="-304800">
               <a:spcBef>
                 <a:spcPts val="0"/>
               </a:spcBef>
@@ -3109,7 +3206,7 @@
               <a:buChar char="●"/>
               <a:defRPr sz="1200"/>
             </a:lvl4pPr>
-            <a:lvl5pPr indent="-304800" lvl="4" marL="2286000">
+            <a:lvl5pPr marL="2286000" lvl="4" indent="-304800">
               <a:spcBef>
                 <a:spcPts val="0"/>
               </a:spcBef>
@@ -3120,7 +3217,7 @@
               <a:buChar char="○"/>
               <a:defRPr sz="1200"/>
             </a:lvl5pPr>
-            <a:lvl6pPr indent="-304800" lvl="5" marL="2743200">
+            <a:lvl6pPr marL="2743200" lvl="5" indent="-304800">
               <a:spcBef>
                 <a:spcPts val="0"/>
               </a:spcBef>
@@ -3131,7 +3228,7 @@
               <a:buChar char="■"/>
               <a:defRPr sz="1200"/>
             </a:lvl6pPr>
-            <a:lvl7pPr indent="-304800" lvl="6" marL="3200400">
+            <a:lvl7pPr marL="3200400" lvl="6" indent="-304800">
               <a:spcBef>
                 <a:spcPts val="0"/>
               </a:spcBef>
@@ -3142,7 +3239,7 @@
               <a:buChar char="●"/>
               <a:defRPr sz="1200"/>
             </a:lvl7pPr>
-            <a:lvl8pPr indent="-304800" lvl="7" marL="3657600">
+            <a:lvl8pPr marL="3657600" lvl="7" indent="-304800">
               <a:spcBef>
                 <a:spcPts val="0"/>
               </a:spcBef>
@@ -3153,7 +3250,7 @@
               <a:buChar char="○"/>
               <a:defRPr sz="1200"/>
             </a:lvl8pPr>
-            <a:lvl9pPr indent="-304800" lvl="8" marL="4114800">
+            <a:lvl9pPr marL="4114800" lvl="8" indent="-304800">
               <a:spcBef>
                 <a:spcPts val="0"/>
               </a:spcBef>
@@ -3165,15 +3262,19 @@
               <a:defRPr sz="1200"/>
             </a:lvl9pPr>
           </a:lstStyle>
-          <a:p/>
+          <a:p>
+            <a:endParaRPr/>
+          </a:p>
         </p:txBody>
       </p:sp>
       <p:sp>
         <p:nvSpPr>
           <p:cNvPr id="23" name="Google Shape;23;p5"/>
-          <p:cNvSpPr txBox="1"/>
+          <p:cNvSpPr txBox="1">
+            <a:spLocks noGrp="1"/>
+          </p:cNvSpPr>
           <p:nvPr>
-            <p:ph idx="2" type="body"/>
+            <p:ph type="body" idx="2"/>
           </p:nvPr>
         </p:nvSpPr>
         <p:spPr>
@@ -3186,11 +3287,11 @@
           </a:prstGeom>
         </p:spPr>
         <p:txBody>
-          <a:bodyPr anchorCtr="0" anchor="t" bIns="91425" lIns="91425" spcFirstLastPara="1" rIns="91425" wrap="square" tIns="91425">
+          <a:bodyPr spcFirstLastPara="1" wrap="square" lIns="91425" tIns="91425" rIns="91425" bIns="91425" anchor="t" anchorCtr="0">
             <a:normAutofit/>
           </a:bodyPr>
           <a:lstStyle>
-            <a:lvl1pPr indent="-317500" lvl="0" marL="457200">
+            <a:lvl1pPr marL="457200" lvl="0" indent="-317500">
               <a:spcBef>
                 <a:spcPts val="0"/>
               </a:spcBef>
@@ -3201,7 +3302,7 @@
               <a:buChar char="●"/>
               <a:defRPr sz="1400"/>
             </a:lvl1pPr>
-            <a:lvl2pPr indent="-304800" lvl="1" marL="914400">
+            <a:lvl2pPr marL="914400" lvl="1" indent="-304800">
               <a:spcBef>
                 <a:spcPts val="0"/>
               </a:spcBef>
@@ -3212,7 +3313,7 @@
               <a:buChar char="○"/>
               <a:defRPr sz="1200"/>
             </a:lvl2pPr>
-            <a:lvl3pPr indent="-304800" lvl="2" marL="1371600">
+            <a:lvl3pPr marL="1371600" lvl="2" indent="-304800">
               <a:spcBef>
                 <a:spcPts val="0"/>
               </a:spcBef>
@@ -3223,7 +3324,7 @@
               <a:buChar char="■"/>
               <a:defRPr sz="1200"/>
             </a:lvl3pPr>
-            <a:lvl4pPr indent="-304800" lvl="3" marL="1828800">
+            <a:lvl4pPr marL="1828800" lvl="3" indent="-304800">
               <a:spcBef>
                 <a:spcPts val="0"/>
               </a:spcBef>
@@ -3234,7 +3335,7 @@
               <a:buChar char="●"/>
               <a:defRPr sz="1200"/>
             </a:lvl4pPr>
-            <a:lvl5pPr indent="-304800" lvl="4" marL="2286000">
+            <a:lvl5pPr marL="2286000" lvl="4" indent="-304800">
               <a:spcBef>
                 <a:spcPts val="0"/>
               </a:spcBef>
@@ -3245,7 +3346,7 @@
               <a:buChar char="○"/>
               <a:defRPr sz="1200"/>
             </a:lvl5pPr>
-            <a:lvl6pPr indent="-304800" lvl="5" marL="2743200">
+            <a:lvl6pPr marL="2743200" lvl="5" indent="-304800">
               <a:spcBef>
                 <a:spcPts val="0"/>
               </a:spcBef>
@@ -3256,7 +3357,7 @@
               <a:buChar char="■"/>
               <a:defRPr sz="1200"/>
             </a:lvl6pPr>
-            <a:lvl7pPr indent="-304800" lvl="6" marL="3200400">
+            <a:lvl7pPr marL="3200400" lvl="6" indent="-304800">
               <a:spcBef>
                 <a:spcPts val="0"/>
               </a:spcBef>
@@ -3267,7 +3368,7 @@
               <a:buChar char="●"/>
               <a:defRPr sz="1200"/>
             </a:lvl7pPr>
-            <a:lvl8pPr indent="-304800" lvl="7" marL="3657600">
+            <a:lvl8pPr marL="3657600" lvl="7" indent="-304800">
               <a:spcBef>
                 <a:spcPts val="0"/>
               </a:spcBef>
@@ -3278,7 +3379,7 @@
               <a:buChar char="○"/>
               <a:defRPr sz="1200"/>
             </a:lvl8pPr>
-            <a:lvl9pPr indent="-304800" lvl="8" marL="4114800">
+            <a:lvl9pPr marL="4114800" lvl="8" indent="-304800">
               <a:spcBef>
                 <a:spcPts val="0"/>
               </a:spcBef>
@@ -3290,15 +3391,19 @@
               <a:defRPr sz="1200"/>
             </a:lvl9pPr>
           </a:lstStyle>
-          <a:p/>
+          <a:p>
+            <a:endParaRPr/>
+          </a:p>
         </p:txBody>
       </p:sp>
       <p:sp>
         <p:nvSpPr>
           <p:cNvPr id="24" name="Google Shape;24;p5"/>
-          <p:cNvSpPr txBox="1"/>
+          <p:cNvSpPr txBox="1">
+            <a:spLocks noGrp="1"/>
+          </p:cNvSpPr>
           <p:nvPr>
-            <p:ph idx="12" type="sldNum"/>
+            <p:ph type="sldNum" idx="12"/>
           </p:nvPr>
         </p:nvSpPr>
         <p:spPr>
@@ -3311,7 +3416,7 @@
           </a:prstGeom>
         </p:spPr>
         <p:txBody>
-          <a:bodyPr anchorCtr="0" anchor="ctr" bIns="91425" lIns="91425" spcFirstLastPara="1" rIns="91425" wrap="square" tIns="91425">
+          <a:bodyPr spcFirstLastPara="1" wrap="square" lIns="91425" tIns="91425" rIns="91425" bIns="91425" anchor="ctr" anchorCtr="0">
             <a:normAutofit/>
           </a:bodyPr>
           <a:lstStyle>
@@ -3353,7 +3458,7 @@
             </a:lvl9pPr>
           </a:lstStyle>
           <a:p>
-            <a:pPr indent="0" lvl="0" marL="0" rtl="0" algn="r">
+            <a:pPr marL="0" lvl="0" indent="0" algn="r" rtl="0">
               <a:spcBef>
                 <a:spcPts val="0"/>
               </a:spcBef>
@@ -3379,11 +3484,11 @@
 </file>
 
 <file path=ppt/slideLayouts/slideLayout5.xml><?xml version="1.0" encoding="utf-8"?>
-<p:sldLayout xmlns:a="http://schemas.openxmlformats.org/drawingml/2006/main" xmlns:r="http://schemas.openxmlformats.org/officeDocument/2006/relationships" xmlns:mc="http://schemas.openxmlformats.org/markup-compatibility/2006" xmlns:mv="urn:schemas-microsoft-com:mac:vml" xmlns:p="http://schemas.openxmlformats.org/presentationml/2006/main" xmlns:c="http://schemas.openxmlformats.org/drawingml/2006/chart" xmlns:dgm="http://schemas.openxmlformats.org/drawingml/2006/diagram" xmlns:o="urn:schemas-microsoft-com:office:office" xmlns:v="urn:schemas-microsoft-com:vml" xmlns:pvml="urn:schemas-microsoft-com:office:powerpoint" xmlns:com="http://schemas.openxmlformats.org/drawingml/2006/compatibility" xmlns:p14="http://schemas.microsoft.com/office/powerpoint/2010/main" xmlns:p15="http://schemas.microsoft.com/office/powerpoint/2012/main" xmlns:ahyp="http://schemas.microsoft.com/office/drawing/2018/hyperlinkcolor" matchingName="Title only" type="titleOnly">
+<p:sldLayout xmlns:a="http://schemas.openxmlformats.org/drawingml/2006/main" xmlns:r="http://schemas.openxmlformats.org/officeDocument/2006/relationships" xmlns:p="http://schemas.openxmlformats.org/presentationml/2006/main" matchingName="Title only" type="titleOnly">
   <p:cSld name="TITLE_ONLY">
     <p:spTree>
       <p:nvGrpSpPr>
-        <p:cNvPr id="25" name="Shape 25"/>
+        <p:cNvPr id="1" name="Shape 25"/>
         <p:cNvGrpSpPr/>
         <p:nvPr/>
       </p:nvGrpSpPr>
@@ -3398,7 +3503,9 @@
       <p:sp>
         <p:nvSpPr>
           <p:cNvPr id="26" name="Google Shape;26;p6"/>
-          <p:cNvSpPr txBox="1"/>
+          <p:cNvSpPr txBox="1">
+            <a:spLocks noGrp="1"/>
+          </p:cNvSpPr>
           <p:nvPr>
             <p:ph type="title"/>
           </p:nvPr>
@@ -3413,7 +3520,7 @@
           </a:prstGeom>
         </p:spPr>
         <p:txBody>
-          <a:bodyPr anchorCtr="0" anchor="t" bIns="91425" lIns="91425" spcFirstLastPara="1" rIns="91425" wrap="square" tIns="91425">
+          <a:bodyPr spcFirstLastPara="1" wrap="square" lIns="91425" tIns="91425" rIns="91425" bIns="91425" anchor="t" anchorCtr="0">
             <a:normAutofit/>
           </a:bodyPr>
           <a:lstStyle>
@@ -3517,15 +3624,19 @@
               <a:defRPr/>
             </a:lvl9pPr>
           </a:lstStyle>
-          <a:p/>
+          <a:p>
+            <a:endParaRPr/>
+          </a:p>
         </p:txBody>
       </p:sp>
       <p:sp>
         <p:nvSpPr>
           <p:cNvPr id="27" name="Google Shape;27;p6"/>
-          <p:cNvSpPr txBox="1"/>
+          <p:cNvSpPr txBox="1">
+            <a:spLocks noGrp="1"/>
+          </p:cNvSpPr>
           <p:nvPr>
-            <p:ph idx="12" type="sldNum"/>
+            <p:ph type="sldNum" idx="12"/>
           </p:nvPr>
         </p:nvSpPr>
         <p:spPr>
@@ -3538,7 +3649,7 @@
           </a:prstGeom>
         </p:spPr>
         <p:txBody>
-          <a:bodyPr anchorCtr="0" anchor="ctr" bIns="91425" lIns="91425" spcFirstLastPara="1" rIns="91425" wrap="square" tIns="91425">
+          <a:bodyPr spcFirstLastPara="1" wrap="square" lIns="91425" tIns="91425" rIns="91425" bIns="91425" anchor="ctr" anchorCtr="0">
             <a:normAutofit/>
           </a:bodyPr>
           <a:lstStyle>
@@ -3580,7 +3691,7 @@
             </a:lvl9pPr>
           </a:lstStyle>
           <a:p>
-            <a:pPr indent="0" lvl="0" marL="0" rtl="0" algn="r">
+            <a:pPr marL="0" lvl="0" indent="0" algn="r" rtl="0">
               <a:spcBef>
                 <a:spcPts val="0"/>
               </a:spcBef>
@@ -3606,11 +3717,11 @@
 </file>
 
 <file path=ppt/slideLayouts/slideLayout6.xml><?xml version="1.0" encoding="utf-8"?>
-<p:sldLayout xmlns:a="http://schemas.openxmlformats.org/drawingml/2006/main" xmlns:r="http://schemas.openxmlformats.org/officeDocument/2006/relationships" xmlns:mc="http://schemas.openxmlformats.org/markup-compatibility/2006" xmlns:mv="urn:schemas-microsoft-com:mac:vml" xmlns:p="http://schemas.openxmlformats.org/presentationml/2006/main" xmlns:c="http://schemas.openxmlformats.org/drawingml/2006/chart" xmlns:dgm="http://schemas.openxmlformats.org/drawingml/2006/diagram" xmlns:o="urn:schemas-microsoft-com:office:office" xmlns:v="urn:schemas-microsoft-com:vml" xmlns:pvml="urn:schemas-microsoft-com:office:powerpoint" xmlns:com="http://schemas.openxmlformats.org/drawingml/2006/compatibility" xmlns:p14="http://schemas.microsoft.com/office/powerpoint/2010/main" xmlns:p15="http://schemas.microsoft.com/office/powerpoint/2012/main" xmlns:ahyp="http://schemas.microsoft.com/office/drawing/2018/hyperlinkcolor" matchingName="One column text">
+<p:sldLayout xmlns:a="http://schemas.openxmlformats.org/drawingml/2006/main" xmlns:r="http://schemas.openxmlformats.org/officeDocument/2006/relationships" xmlns:p="http://schemas.openxmlformats.org/presentationml/2006/main" matchingName="One column text">
   <p:cSld name="ONE_COLUMN_TEXT">
     <p:spTree>
       <p:nvGrpSpPr>
-        <p:cNvPr id="28" name="Shape 28"/>
+        <p:cNvPr id="1" name="Shape 28"/>
         <p:cNvGrpSpPr/>
         <p:nvPr/>
       </p:nvGrpSpPr>
@@ -3625,7 +3736,9 @@
       <p:sp>
         <p:nvSpPr>
           <p:cNvPr id="29" name="Google Shape;29;p7"/>
-          <p:cNvSpPr txBox="1"/>
+          <p:cNvSpPr txBox="1">
+            <a:spLocks noGrp="1"/>
+          </p:cNvSpPr>
           <p:nvPr>
             <p:ph type="title"/>
           </p:nvPr>
@@ -3640,7 +3753,7 @@
           </a:prstGeom>
         </p:spPr>
         <p:txBody>
-          <a:bodyPr anchorCtr="0" anchor="b" bIns="91425" lIns="91425" spcFirstLastPara="1" rIns="91425" wrap="square" tIns="91425">
+          <a:bodyPr spcFirstLastPara="1" wrap="square" lIns="91425" tIns="91425" rIns="91425" bIns="91425" anchor="b" anchorCtr="0">
             <a:normAutofit/>
           </a:bodyPr>
           <a:lstStyle>
@@ -3744,15 +3857,19 @@
               <a:defRPr sz="2400"/>
             </a:lvl9pPr>
           </a:lstStyle>
-          <a:p/>
+          <a:p>
+            <a:endParaRPr/>
+          </a:p>
         </p:txBody>
       </p:sp>
       <p:sp>
         <p:nvSpPr>
           <p:cNvPr id="30" name="Google Shape;30;p7"/>
-          <p:cNvSpPr txBox="1"/>
+          <p:cNvSpPr txBox="1">
+            <a:spLocks noGrp="1"/>
+          </p:cNvSpPr>
           <p:nvPr>
-            <p:ph idx="1" type="body"/>
+            <p:ph type="body" idx="1"/>
           </p:nvPr>
         </p:nvSpPr>
         <p:spPr>
@@ -3765,11 +3882,11 @@
           </a:prstGeom>
         </p:spPr>
         <p:txBody>
-          <a:bodyPr anchorCtr="0" anchor="t" bIns="91425" lIns="91425" spcFirstLastPara="1" rIns="91425" wrap="square" tIns="91425">
+          <a:bodyPr spcFirstLastPara="1" wrap="square" lIns="91425" tIns="91425" rIns="91425" bIns="91425" anchor="t" anchorCtr="0">
             <a:normAutofit/>
           </a:bodyPr>
           <a:lstStyle>
-            <a:lvl1pPr indent="-304800" lvl="0" marL="457200">
+            <a:lvl1pPr marL="457200" lvl="0" indent="-304800">
               <a:spcBef>
                 <a:spcPts val="0"/>
               </a:spcBef>
@@ -3780,7 +3897,7 @@
               <a:buChar char="●"/>
               <a:defRPr sz="1200"/>
             </a:lvl1pPr>
-            <a:lvl2pPr indent="-304800" lvl="1" marL="914400">
+            <a:lvl2pPr marL="914400" lvl="1" indent="-304800">
               <a:spcBef>
                 <a:spcPts val="0"/>
               </a:spcBef>
@@ -3791,7 +3908,7 @@
               <a:buChar char="○"/>
               <a:defRPr sz="1200"/>
             </a:lvl2pPr>
-            <a:lvl3pPr indent="-304800" lvl="2" marL="1371600">
+            <a:lvl3pPr marL="1371600" lvl="2" indent="-304800">
               <a:spcBef>
                 <a:spcPts val="0"/>
               </a:spcBef>
@@ -3802,7 +3919,7 @@
               <a:buChar char="■"/>
               <a:defRPr sz="1200"/>
             </a:lvl3pPr>
-            <a:lvl4pPr indent="-304800" lvl="3" marL="1828800">
+            <a:lvl4pPr marL="1828800" lvl="3" indent="-304800">
               <a:spcBef>
                 <a:spcPts val="0"/>
               </a:spcBef>
@@ -3813,7 +3930,7 @@
               <a:buChar char="●"/>
               <a:defRPr sz="1200"/>
             </a:lvl4pPr>
-            <a:lvl5pPr indent="-304800" lvl="4" marL="2286000">
+            <a:lvl5pPr marL="2286000" lvl="4" indent="-304800">
               <a:spcBef>
                 <a:spcPts val="0"/>
               </a:spcBef>
@@ -3824,7 +3941,7 @@
               <a:buChar char="○"/>
               <a:defRPr sz="1200"/>
             </a:lvl5pPr>
-            <a:lvl6pPr indent="-304800" lvl="5" marL="2743200">
+            <a:lvl6pPr marL="2743200" lvl="5" indent="-304800">
               <a:spcBef>
                 <a:spcPts val="0"/>
               </a:spcBef>
@@ -3835,7 +3952,7 @@
               <a:buChar char="■"/>
               <a:defRPr sz="1200"/>
             </a:lvl6pPr>
-            <a:lvl7pPr indent="-304800" lvl="6" marL="3200400">
+            <a:lvl7pPr marL="3200400" lvl="6" indent="-304800">
               <a:spcBef>
                 <a:spcPts val="0"/>
               </a:spcBef>
@@ -3846,7 +3963,7 @@
               <a:buChar char="●"/>
               <a:defRPr sz="1200"/>
             </a:lvl7pPr>
-            <a:lvl8pPr indent="-304800" lvl="7" marL="3657600">
+            <a:lvl8pPr marL="3657600" lvl="7" indent="-304800">
               <a:spcBef>
                 <a:spcPts val="0"/>
               </a:spcBef>
@@ -3857,7 +3974,7 @@
               <a:buChar char="○"/>
               <a:defRPr sz="1200"/>
             </a:lvl8pPr>
-            <a:lvl9pPr indent="-304800" lvl="8" marL="4114800">
+            <a:lvl9pPr marL="4114800" lvl="8" indent="-304800">
               <a:spcBef>
                 <a:spcPts val="0"/>
               </a:spcBef>
@@ -3869,15 +3986,19 @@
               <a:defRPr sz="1200"/>
             </a:lvl9pPr>
           </a:lstStyle>
-          <a:p/>
+          <a:p>
+            <a:endParaRPr/>
+          </a:p>
         </p:txBody>
       </p:sp>
       <p:sp>
         <p:nvSpPr>
           <p:cNvPr id="31" name="Google Shape;31;p7"/>
-          <p:cNvSpPr txBox="1"/>
+          <p:cNvSpPr txBox="1">
+            <a:spLocks noGrp="1"/>
+          </p:cNvSpPr>
           <p:nvPr>
-            <p:ph idx="12" type="sldNum"/>
+            <p:ph type="sldNum" idx="12"/>
           </p:nvPr>
         </p:nvSpPr>
         <p:spPr>
@@ -3890,7 +4011,7 @@
           </a:prstGeom>
         </p:spPr>
         <p:txBody>
-          <a:bodyPr anchorCtr="0" anchor="ctr" bIns="91425" lIns="91425" spcFirstLastPara="1" rIns="91425" wrap="square" tIns="91425">
+          <a:bodyPr spcFirstLastPara="1" wrap="square" lIns="91425" tIns="91425" rIns="91425" bIns="91425" anchor="ctr" anchorCtr="0">
             <a:normAutofit/>
           </a:bodyPr>
           <a:lstStyle>
@@ -3932,7 +4053,7 @@
             </a:lvl9pPr>
           </a:lstStyle>
           <a:p>
-            <a:pPr indent="0" lvl="0" marL="0" rtl="0" algn="r">
+            <a:pPr marL="0" lvl="0" indent="0" algn="r" rtl="0">
               <a:spcBef>
                 <a:spcPts val="0"/>
               </a:spcBef>
@@ -3958,11 +4079,11 @@
 </file>
 
 <file path=ppt/slideLayouts/slideLayout7.xml><?xml version="1.0" encoding="utf-8"?>
-<p:sldLayout xmlns:a="http://schemas.openxmlformats.org/drawingml/2006/main" xmlns:r="http://schemas.openxmlformats.org/officeDocument/2006/relationships" xmlns:mc="http://schemas.openxmlformats.org/markup-compatibility/2006" xmlns:mv="urn:schemas-microsoft-com:mac:vml" xmlns:p="http://schemas.openxmlformats.org/presentationml/2006/main" xmlns:c="http://schemas.openxmlformats.org/drawingml/2006/chart" xmlns:dgm="http://schemas.openxmlformats.org/drawingml/2006/diagram" xmlns:o="urn:schemas-microsoft-com:office:office" xmlns:v="urn:schemas-microsoft-com:vml" xmlns:pvml="urn:schemas-microsoft-com:office:powerpoint" xmlns:com="http://schemas.openxmlformats.org/drawingml/2006/compatibility" xmlns:p14="http://schemas.microsoft.com/office/powerpoint/2010/main" xmlns:p15="http://schemas.microsoft.com/office/powerpoint/2012/main" xmlns:ahyp="http://schemas.microsoft.com/office/drawing/2018/hyperlinkcolor" matchingName="Main point">
+<p:sldLayout xmlns:a="http://schemas.openxmlformats.org/drawingml/2006/main" xmlns:r="http://schemas.openxmlformats.org/officeDocument/2006/relationships" xmlns:p="http://schemas.openxmlformats.org/presentationml/2006/main" matchingName="Main point">
   <p:cSld name="MAIN_POINT">
     <p:spTree>
       <p:nvGrpSpPr>
-        <p:cNvPr id="32" name="Shape 32"/>
+        <p:cNvPr id="1" name="Shape 32"/>
         <p:cNvGrpSpPr/>
         <p:nvPr/>
       </p:nvGrpSpPr>
@@ -3977,7 +4098,9 @@
       <p:sp>
         <p:nvSpPr>
           <p:cNvPr id="33" name="Google Shape;33;p8"/>
-          <p:cNvSpPr txBox="1"/>
+          <p:cNvSpPr txBox="1">
+            <a:spLocks noGrp="1"/>
+          </p:cNvSpPr>
           <p:nvPr>
             <p:ph type="title"/>
           </p:nvPr>
@@ -3992,7 +4115,7 @@
           </a:prstGeom>
         </p:spPr>
         <p:txBody>
-          <a:bodyPr anchorCtr="0" anchor="ctr" bIns="91425" lIns="91425" spcFirstLastPara="1" rIns="91425" wrap="square" tIns="91425">
+          <a:bodyPr spcFirstLastPara="1" wrap="square" lIns="91425" tIns="91425" rIns="91425" bIns="91425" anchor="ctr" anchorCtr="0">
             <a:normAutofit/>
           </a:bodyPr>
           <a:lstStyle>
@@ -4096,15 +4219,19 @@
               <a:defRPr sz="4800"/>
             </a:lvl9pPr>
           </a:lstStyle>
-          <a:p/>
+          <a:p>
+            <a:endParaRPr/>
+          </a:p>
         </p:txBody>
       </p:sp>
       <p:sp>
         <p:nvSpPr>
           <p:cNvPr id="34" name="Google Shape;34;p8"/>
-          <p:cNvSpPr txBox="1"/>
+          <p:cNvSpPr txBox="1">
+            <a:spLocks noGrp="1"/>
+          </p:cNvSpPr>
           <p:nvPr>
-            <p:ph idx="12" type="sldNum"/>
+            <p:ph type="sldNum" idx="12"/>
           </p:nvPr>
         </p:nvSpPr>
         <p:spPr>
@@ -4117,7 +4244,7 @@
           </a:prstGeom>
         </p:spPr>
         <p:txBody>
-          <a:bodyPr anchorCtr="0" anchor="ctr" bIns="91425" lIns="91425" spcFirstLastPara="1" rIns="91425" wrap="square" tIns="91425">
+          <a:bodyPr spcFirstLastPara="1" wrap="square" lIns="91425" tIns="91425" rIns="91425" bIns="91425" anchor="ctr" anchorCtr="0">
             <a:normAutofit/>
           </a:bodyPr>
           <a:lstStyle>
@@ -4159,7 +4286,7 @@
             </a:lvl9pPr>
           </a:lstStyle>
           <a:p>
-            <a:pPr indent="0" lvl="0" marL="0" rtl="0" algn="r">
+            <a:pPr marL="0" lvl="0" indent="0" algn="r" rtl="0">
               <a:spcBef>
                 <a:spcPts val="0"/>
               </a:spcBef>
@@ -4185,11 +4312,11 @@
 </file>
 
 <file path=ppt/slideLayouts/slideLayout8.xml><?xml version="1.0" encoding="utf-8"?>
-<p:sldLayout xmlns:a="http://schemas.openxmlformats.org/drawingml/2006/main" xmlns:r="http://schemas.openxmlformats.org/officeDocument/2006/relationships" xmlns:mc="http://schemas.openxmlformats.org/markup-compatibility/2006" xmlns:mv="urn:schemas-microsoft-com:mac:vml" xmlns:p="http://schemas.openxmlformats.org/presentationml/2006/main" xmlns:c="http://schemas.openxmlformats.org/drawingml/2006/chart" xmlns:dgm="http://schemas.openxmlformats.org/drawingml/2006/diagram" xmlns:o="urn:schemas-microsoft-com:office:office" xmlns:v="urn:schemas-microsoft-com:vml" xmlns:pvml="urn:schemas-microsoft-com:office:powerpoint" xmlns:com="http://schemas.openxmlformats.org/drawingml/2006/compatibility" xmlns:p14="http://schemas.microsoft.com/office/powerpoint/2010/main" xmlns:p15="http://schemas.microsoft.com/office/powerpoint/2012/main" xmlns:ahyp="http://schemas.microsoft.com/office/drawing/2018/hyperlinkcolor" matchingName="Section title and description">
+<p:sldLayout xmlns:a="http://schemas.openxmlformats.org/drawingml/2006/main" xmlns:r="http://schemas.openxmlformats.org/officeDocument/2006/relationships" xmlns:p="http://schemas.openxmlformats.org/presentationml/2006/main" matchingName="Section title and description">
   <p:cSld name="SECTION_TITLE_AND_DESCRIPTION">
     <p:spTree>
       <p:nvGrpSpPr>
-        <p:cNvPr id="35" name="Shape 35"/>
+        <p:cNvPr id="1" name="Shape 35"/>
         <p:cNvGrpSpPr/>
         <p:nvPr/>
       </p:nvGrpSpPr>
@@ -4223,12 +4350,12 @@
           </a:ln>
         </p:spPr>
         <p:txBody>
-          <a:bodyPr anchorCtr="0" anchor="ctr" bIns="91425" lIns="91425" spcFirstLastPara="1" rIns="91425" wrap="square" tIns="91425">
+          <a:bodyPr spcFirstLastPara="1" wrap="square" lIns="91425" tIns="91425" rIns="91425" bIns="91425" anchor="ctr" anchorCtr="0">
             <a:noAutofit/>
           </a:bodyPr>
           <a:lstStyle/>
           <a:p>
-            <a:pPr indent="0" lvl="0" marL="0" rtl="0" algn="l">
+            <a:pPr marL="0" lvl="0" indent="0" algn="l" rtl="0">
               <a:spcBef>
                 <a:spcPts val="0"/>
               </a:spcBef>
@@ -4237,9 +4364,6 @@
               </a:spcAft>
               <a:buNone/>
             </a:pPr>
-            <a:r>
-              <a:t/>
-            </a:r>
             <a:endParaRPr/>
           </a:p>
         </p:txBody>
@@ -4247,7 +4371,9 @@
       <p:sp>
         <p:nvSpPr>
           <p:cNvPr id="37" name="Google Shape;37;p9"/>
-          <p:cNvSpPr txBox="1"/>
+          <p:cNvSpPr txBox="1">
+            <a:spLocks noGrp="1"/>
+          </p:cNvSpPr>
           <p:nvPr>
             <p:ph type="title"/>
           </p:nvPr>
@@ -4262,7 +4388,7 @@
           </a:prstGeom>
         </p:spPr>
         <p:txBody>
-          <a:bodyPr anchorCtr="0" anchor="b" bIns="91425" lIns="91425" spcFirstLastPara="1" rIns="91425" wrap="square" tIns="91425">
+          <a:bodyPr spcFirstLastPara="1" wrap="square" lIns="91425" tIns="91425" rIns="91425" bIns="91425" anchor="b" anchorCtr="0">
             <a:normAutofit/>
           </a:bodyPr>
           <a:lstStyle>
@@ -4366,15 +4492,19 @@
               <a:defRPr sz="4200"/>
             </a:lvl9pPr>
           </a:lstStyle>
-          <a:p/>
+          <a:p>
+            <a:endParaRPr/>
+          </a:p>
         </p:txBody>
       </p:sp>
       <p:sp>
         <p:nvSpPr>
           <p:cNvPr id="38" name="Google Shape;38;p9"/>
-          <p:cNvSpPr txBox="1"/>
+          <p:cNvSpPr txBox="1">
+            <a:spLocks noGrp="1"/>
+          </p:cNvSpPr>
           <p:nvPr>
-            <p:ph idx="1" type="subTitle"/>
+            <p:ph type="subTitle" idx="1"/>
           </p:nvPr>
         </p:nvSpPr>
         <p:spPr>
@@ -4387,7 +4517,7 @@
           </a:prstGeom>
         </p:spPr>
         <p:txBody>
-          <a:bodyPr anchorCtr="0" anchor="t" bIns="91425" lIns="91425" spcFirstLastPara="1" rIns="91425" wrap="square" tIns="91425">
+          <a:bodyPr spcFirstLastPara="1" wrap="square" lIns="91425" tIns="91425" rIns="91425" bIns="91425" anchor="t" anchorCtr="0">
             <a:normAutofit/>
           </a:bodyPr>
           <a:lstStyle>
@@ -4518,15 +4648,19 @@
               <a:defRPr sz="2100"/>
             </a:lvl9pPr>
           </a:lstStyle>
-          <a:p/>
+          <a:p>
+            <a:endParaRPr/>
+          </a:p>
         </p:txBody>
       </p:sp>
       <p:sp>
         <p:nvSpPr>
           <p:cNvPr id="39" name="Google Shape;39;p9"/>
-          <p:cNvSpPr txBox="1"/>
+          <p:cNvSpPr txBox="1">
+            <a:spLocks noGrp="1"/>
+          </p:cNvSpPr>
           <p:nvPr>
-            <p:ph idx="2" type="body"/>
+            <p:ph type="body" idx="2"/>
           </p:nvPr>
         </p:nvSpPr>
         <p:spPr>
@@ -4539,11 +4673,11 @@
           </a:prstGeom>
         </p:spPr>
         <p:txBody>
-          <a:bodyPr anchorCtr="0" anchor="ctr" bIns="91425" lIns="91425" spcFirstLastPara="1" rIns="91425" wrap="square" tIns="91425">
+          <a:bodyPr spcFirstLastPara="1" wrap="square" lIns="91425" tIns="91425" rIns="91425" bIns="91425" anchor="ctr" anchorCtr="0">
             <a:normAutofit/>
           </a:bodyPr>
           <a:lstStyle>
-            <a:lvl1pPr indent="-342900" lvl="0" marL="457200">
+            <a:lvl1pPr marL="457200" lvl="0" indent="-342900">
               <a:spcBef>
                 <a:spcPts val="0"/>
               </a:spcBef>
@@ -4554,7 +4688,7 @@
               <a:buChar char="●"/>
               <a:defRPr/>
             </a:lvl1pPr>
-            <a:lvl2pPr indent="-317500" lvl="1" marL="914400">
+            <a:lvl2pPr marL="914400" lvl="1" indent="-317500">
               <a:spcBef>
                 <a:spcPts val="0"/>
               </a:spcBef>
@@ -4565,7 +4699,7 @@
               <a:buChar char="○"/>
               <a:defRPr/>
             </a:lvl2pPr>
-            <a:lvl3pPr indent="-317500" lvl="2" marL="1371600">
+            <a:lvl3pPr marL="1371600" lvl="2" indent="-317500">
               <a:spcBef>
                 <a:spcPts val="0"/>
               </a:spcBef>
@@ -4576,7 +4710,7 @@
               <a:buChar char="■"/>
               <a:defRPr/>
             </a:lvl3pPr>
-            <a:lvl4pPr indent="-317500" lvl="3" marL="1828800">
+            <a:lvl4pPr marL="1828800" lvl="3" indent="-317500">
               <a:spcBef>
                 <a:spcPts val="0"/>
               </a:spcBef>
@@ -4587,7 +4721,7 @@
               <a:buChar char="●"/>
               <a:defRPr/>
             </a:lvl4pPr>
-            <a:lvl5pPr indent="-317500" lvl="4" marL="2286000">
+            <a:lvl5pPr marL="2286000" lvl="4" indent="-317500">
               <a:spcBef>
                 <a:spcPts val="0"/>
               </a:spcBef>
@@ -4598,7 +4732,7 @@
               <a:buChar char="○"/>
               <a:defRPr/>
             </a:lvl5pPr>
-            <a:lvl6pPr indent="-317500" lvl="5" marL="2743200">
+            <a:lvl6pPr marL="2743200" lvl="5" indent="-317500">
               <a:spcBef>
                 <a:spcPts val="0"/>
               </a:spcBef>
@@ -4609,7 +4743,7 @@
               <a:buChar char="■"/>
               <a:defRPr/>
             </a:lvl6pPr>
-            <a:lvl7pPr indent="-317500" lvl="6" marL="3200400">
+            <a:lvl7pPr marL="3200400" lvl="6" indent="-317500">
               <a:spcBef>
                 <a:spcPts val="0"/>
               </a:spcBef>
@@ -4620,7 +4754,7 @@
               <a:buChar char="●"/>
               <a:defRPr/>
             </a:lvl7pPr>
-            <a:lvl8pPr indent="-317500" lvl="7" marL="3657600">
+            <a:lvl8pPr marL="3657600" lvl="7" indent="-317500">
               <a:spcBef>
                 <a:spcPts val="0"/>
               </a:spcBef>
@@ -4631,7 +4765,7 @@
               <a:buChar char="○"/>
               <a:defRPr/>
             </a:lvl8pPr>
-            <a:lvl9pPr indent="-317500" lvl="8" marL="4114800">
+            <a:lvl9pPr marL="4114800" lvl="8" indent="-317500">
               <a:spcBef>
                 <a:spcPts val="0"/>
               </a:spcBef>
@@ -4643,15 +4777,19 @@
               <a:defRPr/>
             </a:lvl9pPr>
           </a:lstStyle>
-          <a:p/>
+          <a:p>
+            <a:endParaRPr/>
+          </a:p>
         </p:txBody>
       </p:sp>
       <p:sp>
         <p:nvSpPr>
           <p:cNvPr id="40" name="Google Shape;40;p9"/>
-          <p:cNvSpPr txBox="1"/>
+          <p:cNvSpPr txBox="1">
+            <a:spLocks noGrp="1"/>
+          </p:cNvSpPr>
           <p:nvPr>
-            <p:ph idx="12" type="sldNum"/>
+            <p:ph type="sldNum" idx="12"/>
           </p:nvPr>
         </p:nvSpPr>
         <p:spPr>
@@ -4664,7 +4802,7 @@
           </a:prstGeom>
         </p:spPr>
         <p:txBody>
-          <a:bodyPr anchorCtr="0" anchor="ctr" bIns="91425" lIns="91425" spcFirstLastPara="1" rIns="91425" wrap="square" tIns="91425">
+          <a:bodyPr spcFirstLastPara="1" wrap="square" lIns="91425" tIns="91425" rIns="91425" bIns="91425" anchor="ctr" anchorCtr="0">
             <a:normAutofit/>
           </a:bodyPr>
           <a:lstStyle>
@@ -4706,7 +4844,7 @@
             </a:lvl9pPr>
           </a:lstStyle>
           <a:p>
-            <a:pPr indent="0" lvl="0" marL="0" rtl="0" algn="r">
+            <a:pPr marL="0" lvl="0" indent="0" algn="r" rtl="0">
               <a:spcBef>
                 <a:spcPts val="0"/>
               </a:spcBef>
@@ -4732,11 +4870,11 @@
 </file>
 
 <file path=ppt/slideLayouts/slideLayout9.xml><?xml version="1.0" encoding="utf-8"?>
-<p:sldLayout xmlns:a="http://schemas.openxmlformats.org/drawingml/2006/main" xmlns:r="http://schemas.openxmlformats.org/officeDocument/2006/relationships" xmlns:mc="http://schemas.openxmlformats.org/markup-compatibility/2006" xmlns:mv="urn:schemas-microsoft-com:mac:vml" xmlns:p="http://schemas.openxmlformats.org/presentationml/2006/main" xmlns:c="http://schemas.openxmlformats.org/drawingml/2006/chart" xmlns:dgm="http://schemas.openxmlformats.org/drawingml/2006/diagram" xmlns:o="urn:schemas-microsoft-com:office:office" xmlns:v="urn:schemas-microsoft-com:vml" xmlns:pvml="urn:schemas-microsoft-com:office:powerpoint" xmlns:com="http://schemas.openxmlformats.org/drawingml/2006/compatibility" xmlns:p14="http://schemas.microsoft.com/office/powerpoint/2010/main" xmlns:p15="http://schemas.microsoft.com/office/powerpoint/2012/main" xmlns:ahyp="http://schemas.microsoft.com/office/drawing/2018/hyperlinkcolor" matchingName="Caption">
+<p:sldLayout xmlns:a="http://schemas.openxmlformats.org/drawingml/2006/main" xmlns:r="http://schemas.openxmlformats.org/officeDocument/2006/relationships" xmlns:p="http://schemas.openxmlformats.org/presentationml/2006/main" matchingName="Caption">
   <p:cSld name="CAPTION_ONLY">
     <p:spTree>
       <p:nvGrpSpPr>
-        <p:cNvPr id="41" name="Shape 41"/>
+        <p:cNvPr id="1" name="Shape 41"/>
         <p:cNvGrpSpPr/>
         <p:nvPr/>
       </p:nvGrpSpPr>
@@ -4751,9 +4889,11 @@
       <p:sp>
         <p:nvSpPr>
           <p:cNvPr id="42" name="Google Shape;42;p10"/>
-          <p:cNvSpPr txBox="1"/>
+          <p:cNvSpPr txBox="1">
+            <a:spLocks noGrp="1"/>
+          </p:cNvSpPr>
           <p:nvPr>
-            <p:ph idx="1" type="body"/>
+            <p:ph type="body" idx="1"/>
           </p:nvPr>
         </p:nvSpPr>
         <p:spPr>
@@ -4766,11 +4906,11 @@
           </a:prstGeom>
         </p:spPr>
         <p:txBody>
-          <a:bodyPr anchorCtr="0" anchor="ctr" bIns="91425" lIns="91425" spcFirstLastPara="1" rIns="91425" wrap="square" tIns="91425">
+          <a:bodyPr spcFirstLastPara="1" wrap="square" lIns="91425" tIns="91425" rIns="91425" bIns="91425" anchor="ctr" anchorCtr="0">
             <a:normAutofit/>
           </a:bodyPr>
           <a:lstStyle>
-            <a:lvl1pPr indent="-228600" lvl="0" marL="457200">
+            <a:lvl1pPr marL="457200" lvl="0" indent="-228600">
               <a:lnSpc>
                 <a:spcPct val="100000"/>
               </a:lnSpc>
@@ -4785,15 +4925,19 @@
               <a:defRPr/>
             </a:lvl1pPr>
           </a:lstStyle>
-          <a:p/>
+          <a:p>
+            <a:endParaRPr/>
+          </a:p>
         </p:txBody>
       </p:sp>
       <p:sp>
         <p:nvSpPr>
           <p:cNvPr id="43" name="Google Shape;43;p10"/>
-          <p:cNvSpPr txBox="1"/>
+          <p:cNvSpPr txBox="1">
+            <a:spLocks noGrp="1"/>
+          </p:cNvSpPr>
           <p:nvPr>
-            <p:ph idx="12" type="sldNum"/>
+            <p:ph type="sldNum" idx="12"/>
           </p:nvPr>
         </p:nvSpPr>
         <p:spPr>
@@ -4806,7 +4950,7 @@
           </a:prstGeom>
         </p:spPr>
         <p:txBody>
-          <a:bodyPr anchorCtr="0" anchor="ctr" bIns="91425" lIns="91425" spcFirstLastPara="1" rIns="91425" wrap="square" tIns="91425">
+          <a:bodyPr spcFirstLastPara="1" wrap="square" lIns="91425" tIns="91425" rIns="91425" bIns="91425" anchor="ctr" anchorCtr="0">
             <a:normAutofit/>
           </a:bodyPr>
           <a:lstStyle>
@@ -4848,7 +4992,7 @@
             </a:lvl9pPr>
           </a:lstStyle>
           <a:p>
-            <a:pPr indent="0" lvl="0" marL="0" rtl="0" algn="r">
+            <a:pPr marL="0" lvl="0" indent="0" algn="r" rtl="0">
               <a:spcBef>
                 <a:spcPts val="0"/>
               </a:spcBef>
@@ -4874,18 +5018,19 @@
 </file>
 
 <file path=ppt/slideMasters/slideMaster1.xml><?xml version="1.0" encoding="utf-8"?>
-<p:sldMaster xmlns:a="http://schemas.openxmlformats.org/drawingml/2006/main" xmlns:r="http://schemas.openxmlformats.org/officeDocument/2006/relationships" xmlns:mc="http://schemas.openxmlformats.org/markup-compatibility/2006" xmlns:mv="urn:schemas-microsoft-com:mac:vml" xmlns:p="http://schemas.openxmlformats.org/presentationml/2006/main" xmlns:c="http://schemas.openxmlformats.org/drawingml/2006/chart" xmlns:dgm="http://schemas.openxmlformats.org/drawingml/2006/diagram" xmlns:o="urn:schemas-microsoft-com:office:office" xmlns:v="urn:schemas-microsoft-com:vml" xmlns:pvml="urn:schemas-microsoft-com:office:powerpoint" xmlns:com="http://schemas.openxmlformats.org/drawingml/2006/compatibility" xmlns:p14="http://schemas.microsoft.com/office/powerpoint/2010/main" xmlns:p15="http://schemas.microsoft.com/office/powerpoint/2012/main" xmlns:ahyp="http://schemas.microsoft.com/office/drawing/2018/hyperlinkcolor">
+<p:sldMaster xmlns:a="http://schemas.openxmlformats.org/drawingml/2006/main" xmlns:r="http://schemas.openxmlformats.org/officeDocument/2006/relationships" xmlns:p="http://schemas.openxmlformats.org/presentationml/2006/main">
   <p:cSld name="simple-light-2">
     <p:bg>
       <p:bgPr>
         <a:solidFill>
           <a:schemeClr val="lt1"/>
         </a:solidFill>
+        <a:effectLst/>
       </p:bgPr>
     </p:bg>
     <p:spTree>
       <p:nvGrpSpPr>
-        <p:cNvPr id="5" name="Shape 5"/>
+        <p:cNvPr id="1" name="Shape 5"/>
         <p:cNvGrpSpPr/>
         <p:nvPr/>
       </p:nvGrpSpPr>
@@ -4900,7 +5045,9 @@
       <p:sp>
         <p:nvSpPr>
           <p:cNvPr id="6" name="Google Shape;6;p1"/>
-          <p:cNvSpPr txBox="1"/>
+          <p:cNvSpPr txBox="1">
+            <a:spLocks noGrp="1"/>
+          </p:cNvSpPr>
           <p:nvPr>
             <p:ph type="title"/>
           </p:nvPr>
@@ -4919,7 +5066,7 @@
           </a:ln>
         </p:spPr>
         <p:txBody>
-          <a:bodyPr anchorCtr="0" anchor="t" bIns="91425" lIns="91425" spcFirstLastPara="1" rIns="91425" wrap="square" tIns="91425">
+          <a:bodyPr spcFirstLastPara="1" wrap="square" lIns="91425" tIns="91425" rIns="91425" bIns="91425" anchor="t" anchorCtr="0">
             <a:normAutofit/>
           </a:bodyPr>
           <a:lstStyle>
@@ -5086,15 +5233,19 @@
               </a:defRPr>
             </a:lvl9pPr>
           </a:lstStyle>
-          <a:p/>
+          <a:p>
+            <a:endParaRPr/>
+          </a:p>
         </p:txBody>
       </p:sp>
       <p:sp>
         <p:nvSpPr>
           <p:cNvPr id="7" name="Google Shape;7;p1"/>
-          <p:cNvSpPr txBox="1"/>
+          <p:cNvSpPr txBox="1">
+            <a:spLocks noGrp="1"/>
+          </p:cNvSpPr>
           <p:nvPr>
-            <p:ph idx="1" type="body"/>
+            <p:ph type="body" idx="1"/>
           </p:nvPr>
         </p:nvSpPr>
         <p:spPr>
@@ -5111,11 +5262,11 @@
           </a:ln>
         </p:spPr>
         <p:txBody>
-          <a:bodyPr anchorCtr="0" anchor="t" bIns="91425" lIns="91425" spcFirstLastPara="1" rIns="91425" wrap="square" tIns="91425">
+          <a:bodyPr spcFirstLastPara="1" wrap="square" lIns="91425" tIns="91425" rIns="91425" bIns="91425" anchor="t" anchorCtr="0">
             <a:normAutofit/>
           </a:bodyPr>
           <a:lstStyle>
-            <a:lvl1pPr indent="-342900" lvl="0" marL="457200">
+            <a:lvl1pPr marL="457200" lvl="0" indent="-342900">
               <a:lnSpc>
                 <a:spcPct val="115000"/>
               </a:lnSpc>
@@ -5136,7 +5287,7 @@
                 </a:solidFill>
               </a:defRPr>
             </a:lvl1pPr>
-            <a:lvl2pPr indent="-317500" lvl="1" marL="914400">
+            <a:lvl2pPr marL="914400" lvl="1" indent="-317500">
               <a:lnSpc>
                 <a:spcPct val="115000"/>
               </a:lnSpc>
@@ -5157,7 +5308,7 @@
                 </a:solidFill>
               </a:defRPr>
             </a:lvl2pPr>
-            <a:lvl3pPr indent="-317500" lvl="2" marL="1371600">
+            <a:lvl3pPr marL="1371600" lvl="2" indent="-317500">
               <a:lnSpc>
                 <a:spcPct val="115000"/>
               </a:lnSpc>
@@ -5178,7 +5329,7 @@
                 </a:solidFill>
               </a:defRPr>
             </a:lvl3pPr>
-            <a:lvl4pPr indent="-317500" lvl="3" marL="1828800">
+            <a:lvl4pPr marL="1828800" lvl="3" indent="-317500">
               <a:lnSpc>
                 <a:spcPct val="115000"/>
               </a:lnSpc>
@@ -5199,7 +5350,7 @@
                 </a:solidFill>
               </a:defRPr>
             </a:lvl4pPr>
-            <a:lvl5pPr indent="-317500" lvl="4" marL="2286000">
+            <a:lvl5pPr marL="2286000" lvl="4" indent="-317500">
               <a:lnSpc>
                 <a:spcPct val="115000"/>
               </a:lnSpc>
@@ -5220,7 +5371,7 @@
                 </a:solidFill>
               </a:defRPr>
             </a:lvl5pPr>
-            <a:lvl6pPr indent="-317500" lvl="5" marL="2743200">
+            <a:lvl6pPr marL="2743200" lvl="5" indent="-317500">
               <a:lnSpc>
                 <a:spcPct val="115000"/>
               </a:lnSpc>
@@ -5241,7 +5392,7 @@
                 </a:solidFill>
               </a:defRPr>
             </a:lvl6pPr>
-            <a:lvl7pPr indent="-317500" lvl="6" marL="3200400">
+            <a:lvl7pPr marL="3200400" lvl="6" indent="-317500">
               <a:lnSpc>
                 <a:spcPct val="115000"/>
               </a:lnSpc>
@@ -5262,7 +5413,7 @@
                 </a:solidFill>
               </a:defRPr>
             </a:lvl7pPr>
-            <a:lvl8pPr indent="-317500" lvl="7" marL="3657600">
+            <a:lvl8pPr marL="3657600" lvl="7" indent="-317500">
               <a:lnSpc>
                 <a:spcPct val="115000"/>
               </a:lnSpc>
@@ -5283,7 +5434,7 @@
                 </a:solidFill>
               </a:defRPr>
             </a:lvl8pPr>
-            <a:lvl9pPr indent="-317500" lvl="8" marL="4114800">
+            <a:lvl9pPr marL="4114800" lvl="8" indent="-317500">
               <a:lnSpc>
                 <a:spcPct val="115000"/>
               </a:lnSpc>
@@ -5305,15 +5456,19 @@
               </a:defRPr>
             </a:lvl9pPr>
           </a:lstStyle>
-          <a:p/>
+          <a:p>
+            <a:endParaRPr/>
+          </a:p>
         </p:txBody>
       </p:sp>
       <p:sp>
         <p:nvSpPr>
           <p:cNvPr id="8" name="Google Shape;8;p1"/>
-          <p:cNvSpPr txBox="1"/>
+          <p:cNvSpPr txBox="1">
+            <a:spLocks noGrp="1"/>
+          </p:cNvSpPr>
           <p:nvPr>
-            <p:ph idx="12" type="sldNum"/>
+            <p:ph type="sldNum" idx="12"/>
           </p:nvPr>
         </p:nvSpPr>
         <p:spPr>
@@ -5330,7 +5485,7 @@
           </a:ln>
         </p:spPr>
         <p:txBody>
-          <a:bodyPr anchorCtr="0" anchor="ctr" bIns="91425" lIns="91425" spcFirstLastPara="1" rIns="91425" wrap="square" tIns="91425">
+          <a:bodyPr spcFirstLastPara="1" wrap="square" lIns="91425" tIns="91425" rIns="91425" bIns="91425" anchor="ctr" anchorCtr="0">
             <a:normAutofit/>
           </a:bodyPr>
           <a:lstStyle>
@@ -5408,7 +5563,7 @@
             </a:lvl9pPr>
           </a:lstStyle>
           <a:p>
-            <a:pPr indent="0" lvl="0" marL="0" rtl="0" algn="r">
+            <a:pPr marL="0" lvl="0" indent="0" algn="r" rtl="0">
               <a:spcBef>
                 <a:spcPts val="0"/>
               </a:spcBef>
@@ -5427,7 +5582,7 @@
       </p:sp>
     </p:spTree>
   </p:cSld>
-  <p:clrMap accent1="accent1" accent2="accent2" accent3="accent3" accent4="accent4" accent5="accent5" accent6="accent6" bg1="lt1" bg2="dk2" tx1="dk1" tx2="lt2" folHlink="folHlink" hlink="hlink"/>
+  <p:clrMap bg1="lt1" tx1="dk1" bg2="dk2" tx2="lt2" accent1="accent1" accent2="accent2" accent3="accent3" accent4="accent4" accent5="accent5" accent6="accent6" hlink="hlink" folHlink="folHlink"/>
   <p:sldLayoutIdLst>
     <p:sldLayoutId id="2147483648" r:id="rId1"/>
     <p:sldLayoutId id="2147483649" r:id="rId2"/>
@@ -5441,10 +5596,10 @@
     <p:sldLayoutId id="2147483657" r:id="rId10"/>
     <p:sldLayoutId id="2147483658" r:id="rId11"/>
   </p:sldLayoutIdLst>
-  <p:hf dt="0" ftr="0" hdr="0" sldNum="0"/>
+  <p:hf sldNum="0" hdr="0" ftr="0" dt="0"/>
   <p:txStyles>
     <p:titleStyle>
-      <a:defPPr lvl="0" marR="0" rtl="0" algn="l">
+      <a:defPPr marR="0" lvl="0" algn="l" rtl="0">
         <a:lnSpc>
           <a:spcPct val="100000"/>
         </a:lnSpc>
@@ -5455,7 +5610,7 @@
           <a:spcPts val="0"/>
         </a:spcAft>
       </a:defPPr>
-      <a:lvl1pPr lvl="0" marR="0" rtl="0" algn="l">
+      <a:lvl1pPr marR="0" lvl="0" algn="l" rtl="0">
         <a:lnSpc>
           <a:spcPct val="100000"/>
         </a:lnSpc>
@@ -5469,7 +5624,7 @@
           <a:srgbClr val="000000"/>
         </a:buClr>
         <a:buFont typeface="Arial"/>
-        <a:defRPr b="0" i="0" sz="1400" u="none" cap="none" strike="noStrike">
+        <a:defRPr sz="1400" b="0" i="0" u="none" strike="noStrike" cap="none">
           <a:solidFill>
             <a:srgbClr val="000000"/>
           </a:solidFill>
@@ -5479,7 +5634,7 @@
           <a:sym typeface="Arial"/>
         </a:defRPr>
       </a:lvl1pPr>
-      <a:lvl2pPr lvl="1" marR="0" rtl="0" algn="l">
+      <a:lvl2pPr marR="0" lvl="1" algn="l" rtl="0">
         <a:lnSpc>
           <a:spcPct val="100000"/>
         </a:lnSpc>
@@ -5493,7 +5648,7 @@
           <a:srgbClr val="000000"/>
         </a:buClr>
         <a:buFont typeface="Arial"/>
-        <a:defRPr b="0" i="0" sz="1400" u="none" cap="none" strike="noStrike">
+        <a:defRPr sz="1400" b="0" i="0" u="none" strike="noStrike" cap="none">
           <a:solidFill>
             <a:srgbClr val="000000"/>
           </a:solidFill>
@@ -5503,7 +5658,7 @@
           <a:sym typeface="Arial"/>
         </a:defRPr>
       </a:lvl2pPr>
-      <a:lvl3pPr lvl="2" marR="0" rtl="0" algn="l">
+      <a:lvl3pPr marR="0" lvl="2" algn="l" rtl="0">
         <a:lnSpc>
           <a:spcPct val="100000"/>
         </a:lnSpc>
@@ -5517,7 +5672,7 @@
           <a:srgbClr val="000000"/>
         </a:buClr>
         <a:buFont typeface="Arial"/>
-        <a:defRPr b="0" i="0" sz="1400" u="none" cap="none" strike="noStrike">
+        <a:defRPr sz="1400" b="0" i="0" u="none" strike="noStrike" cap="none">
           <a:solidFill>
             <a:srgbClr val="000000"/>
           </a:solidFill>
@@ -5527,7 +5682,7 @@
           <a:sym typeface="Arial"/>
         </a:defRPr>
       </a:lvl3pPr>
-      <a:lvl4pPr lvl="3" marR="0" rtl="0" algn="l">
+      <a:lvl4pPr marR="0" lvl="3" algn="l" rtl="0">
         <a:lnSpc>
           <a:spcPct val="100000"/>
         </a:lnSpc>
@@ -5541,7 +5696,7 @@
           <a:srgbClr val="000000"/>
         </a:buClr>
         <a:buFont typeface="Arial"/>
-        <a:defRPr b="0" i="0" sz="1400" u="none" cap="none" strike="noStrike">
+        <a:defRPr sz="1400" b="0" i="0" u="none" strike="noStrike" cap="none">
           <a:solidFill>
             <a:srgbClr val="000000"/>
           </a:solidFill>
@@ -5551,7 +5706,7 @@
           <a:sym typeface="Arial"/>
         </a:defRPr>
       </a:lvl4pPr>
-      <a:lvl5pPr lvl="4" marR="0" rtl="0" algn="l">
+      <a:lvl5pPr marR="0" lvl="4" algn="l" rtl="0">
         <a:lnSpc>
           <a:spcPct val="100000"/>
         </a:lnSpc>
@@ -5565,7 +5720,7 @@
           <a:srgbClr val="000000"/>
         </a:buClr>
         <a:buFont typeface="Arial"/>
-        <a:defRPr b="0" i="0" sz="1400" u="none" cap="none" strike="noStrike">
+        <a:defRPr sz="1400" b="0" i="0" u="none" strike="noStrike" cap="none">
           <a:solidFill>
             <a:srgbClr val="000000"/>
           </a:solidFill>
@@ -5575,7 +5730,7 @@
           <a:sym typeface="Arial"/>
         </a:defRPr>
       </a:lvl5pPr>
-      <a:lvl6pPr lvl="5" marR="0" rtl="0" algn="l">
+      <a:lvl6pPr marR="0" lvl="5" algn="l" rtl="0">
         <a:lnSpc>
           <a:spcPct val="100000"/>
         </a:lnSpc>
@@ -5589,7 +5744,7 @@
           <a:srgbClr val="000000"/>
         </a:buClr>
         <a:buFont typeface="Arial"/>
-        <a:defRPr b="0" i="0" sz="1400" u="none" cap="none" strike="noStrike">
+        <a:defRPr sz="1400" b="0" i="0" u="none" strike="noStrike" cap="none">
           <a:solidFill>
             <a:srgbClr val="000000"/>
           </a:solidFill>
@@ -5599,7 +5754,7 @@
           <a:sym typeface="Arial"/>
         </a:defRPr>
       </a:lvl6pPr>
-      <a:lvl7pPr lvl="6" marR="0" rtl="0" algn="l">
+      <a:lvl7pPr marR="0" lvl="6" algn="l" rtl="0">
         <a:lnSpc>
           <a:spcPct val="100000"/>
         </a:lnSpc>
@@ -5613,7 +5768,7 @@
           <a:srgbClr val="000000"/>
         </a:buClr>
         <a:buFont typeface="Arial"/>
-        <a:defRPr b="0" i="0" sz="1400" u="none" cap="none" strike="noStrike">
+        <a:defRPr sz="1400" b="0" i="0" u="none" strike="noStrike" cap="none">
           <a:solidFill>
             <a:srgbClr val="000000"/>
           </a:solidFill>
@@ -5623,7 +5778,7 @@
           <a:sym typeface="Arial"/>
         </a:defRPr>
       </a:lvl7pPr>
-      <a:lvl8pPr lvl="7" marR="0" rtl="0" algn="l">
+      <a:lvl8pPr marR="0" lvl="7" algn="l" rtl="0">
         <a:lnSpc>
           <a:spcPct val="100000"/>
         </a:lnSpc>
@@ -5637,7 +5792,7 @@
           <a:srgbClr val="000000"/>
         </a:buClr>
         <a:buFont typeface="Arial"/>
-        <a:defRPr b="0" i="0" sz="1400" u="none" cap="none" strike="noStrike">
+        <a:defRPr sz="1400" b="0" i="0" u="none" strike="noStrike" cap="none">
           <a:solidFill>
             <a:srgbClr val="000000"/>
           </a:solidFill>
@@ -5647,7 +5802,7 @@
           <a:sym typeface="Arial"/>
         </a:defRPr>
       </a:lvl8pPr>
-      <a:lvl9pPr lvl="8" marR="0" rtl="0" algn="l">
+      <a:lvl9pPr marR="0" lvl="8" algn="l" rtl="0">
         <a:lnSpc>
           <a:spcPct val="100000"/>
         </a:lnSpc>
@@ -5661,7 +5816,7 @@
           <a:srgbClr val="000000"/>
         </a:buClr>
         <a:buFont typeface="Arial"/>
-        <a:defRPr b="0" i="0" sz="1400" u="none" cap="none" strike="noStrike">
+        <a:defRPr sz="1400" b="0" i="0" u="none" strike="noStrike" cap="none">
           <a:solidFill>
             <a:srgbClr val="000000"/>
           </a:solidFill>
@@ -5673,7 +5828,7 @@
       </a:lvl9pPr>
     </p:titleStyle>
     <p:bodyStyle>
-      <a:defPPr lvl="0" marR="0" rtl="0" algn="l">
+      <a:defPPr marR="0" lvl="0" algn="l" rtl="0">
         <a:lnSpc>
           <a:spcPct val="100000"/>
         </a:lnSpc>
@@ -5684,7 +5839,7 @@
           <a:spcPts val="0"/>
         </a:spcAft>
       </a:defPPr>
-      <a:lvl1pPr lvl="0" marR="0" rtl="0" algn="l">
+      <a:lvl1pPr marR="0" lvl="0" algn="l" rtl="0">
         <a:lnSpc>
           <a:spcPct val="100000"/>
         </a:lnSpc>
@@ -5698,7 +5853,7 @@
           <a:srgbClr val="000000"/>
         </a:buClr>
         <a:buFont typeface="Arial"/>
-        <a:defRPr b="0" i="0" sz="1400" u="none" cap="none" strike="noStrike">
+        <a:defRPr sz="1400" b="0" i="0" u="none" strike="noStrike" cap="none">
           <a:solidFill>
             <a:srgbClr val="000000"/>
           </a:solidFill>
@@ -5708,7 +5863,7 @@
           <a:sym typeface="Arial"/>
         </a:defRPr>
       </a:lvl1pPr>
-      <a:lvl2pPr lvl="1" marR="0" rtl="0" algn="l">
+      <a:lvl2pPr marR="0" lvl="1" algn="l" rtl="0">
         <a:lnSpc>
           <a:spcPct val="100000"/>
         </a:lnSpc>
@@ -5722,7 +5877,7 @@
           <a:srgbClr val="000000"/>
         </a:buClr>
         <a:buFont typeface="Arial"/>
-        <a:defRPr b="0" i="0" sz="1400" u="none" cap="none" strike="noStrike">
+        <a:defRPr sz="1400" b="0" i="0" u="none" strike="noStrike" cap="none">
           <a:solidFill>
             <a:srgbClr val="000000"/>
           </a:solidFill>
@@ -5732,7 +5887,7 @@
           <a:sym typeface="Arial"/>
         </a:defRPr>
       </a:lvl2pPr>
-      <a:lvl3pPr lvl="2" marR="0" rtl="0" algn="l">
+      <a:lvl3pPr marR="0" lvl="2" algn="l" rtl="0">
         <a:lnSpc>
           <a:spcPct val="100000"/>
         </a:lnSpc>
@@ -5746,7 +5901,7 @@
           <a:srgbClr val="000000"/>
         </a:buClr>
         <a:buFont typeface="Arial"/>
-        <a:defRPr b="0" i="0" sz="1400" u="none" cap="none" strike="noStrike">
+        <a:defRPr sz="1400" b="0" i="0" u="none" strike="noStrike" cap="none">
           <a:solidFill>
             <a:srgbClr val="000000"/>
           </a:solidFill>
@@ -5756,7 +5911,7 @@
           <a:sym typeface="Arial"/>
         </a:defRPr>
       </a:lvl3pPr>
-      <a:lvl4pPr lvl="3" marR="0" rtl="0" algn="l">
+      <a:lvl4pPr marR="0" lvl="3" algn="l" rtl="0">
         <a:lnSpc>
           <a:spcPct val="100000"/>
         </a:lnSpc>
@@ -5770,7 +5925,7 @@
           <a:srgbClr val="000000"/>
         </a:buClr>
         <a:buFont typeface="Arial"/>
-        <a:defRPr b="0" i="0" sz="1400" u="none" cap="none" strike="noStrike">
+        <a:defRPr sz="1400" b="0" i="0" u="none" strike="noStrike" cap="none">
           <a:solidFill>
             <a:srgbClr val="000000"/>
           </a:solidFill>
@@ -5780,7 +5935,7 @@
           <a:sym typeface="Arial"/>
         </a:defRPr>
       </a:lvl4pPr>
-      <a:lvl5pPr lvl="4" marR="0" rtl="0" algn="l">
+      <a:lvl5pPr marR="0" lvl="4" algn="l" rtl="0">
         <a:lnSpc>
           <a:spcPct val="100000"/>
         </a:lnSpc>
@@ -5794,7 +5949,7 @@
           <a:srgbClr val="000000"/>
         </a:buClr>
         <a:buFont typeface="Arial"/>
-        <a:defRPr b="0" i="0" sz="1400" u="none" cap="none" strike="noStrike">
+        <a:defRPr sz="1400" b="0" i="0" u="none" strike="noStrike" cap="none">
           <a:solidFill>
             <a:srgbClr val="000000"/>
           </a:solidFill>
@@ -5804,7 +5959,7 @@
           <a:sym typeface="Arial"/>
         </a:defRPr>
       </a:lvl5pPr>
-      <a:lvl6pPr lvl="5" marR="0" rtl="0" algn="l">
+      <a:lvl6pPr marR="0" lvl="5" algn="l" rtl="0">
         <a:lnSpc>
           <a:spcPct val="100000"/>
         </a:lnSpc>
@@ -5818,7 +5973,7 @@
           <a:srgbClr val="000000"/>
         </a:buClr>
         <a:buFont typeface="Arial"/>
-        <a:defRPr b="0" i="0" sz="1400" u="none" cap="none" strike="noStrike">
+        <a:defRPr sz="1400" b="0" i="0" u="none" strike="noStrike" cap="none">
           <a:solidFill>
             <a:srgbClr val="000000"/>
           </a:solidFill>
@@ -5828,7 +5983,7 @@
           <a:sym typeface="Arial"/>
         </a:defRPr>
       </a:lvl6pPr>
-      <a:lvl7pPr lvl="6" marR="0" rtl="0" algn="l">
+      <a:lvl7pPr marR="0" lvl="6" algn="l" rtl="0">
         <a:lnSpc>
           <a:spcPct val="100000"/>
         </a:lnSpc>
@@ -5842,7 +5997,7 @@
           <a:srgbClr val="000000"/>
         </a:buClr>
         <a:buFont typeface="Arial"/>
-        <a:defRPr b="0" i="0" sz="1400" u="none" cap="none" strike="noStrike">
+        <a:defRPr sz="1400" b="0" i="0" u="none" strike="noStrike" cap="none">
           <a:solidFill>
             <a:srgbClr val="000000"/>
           </a:solidFill>
@@ -5852,7 +6007,7 @@
           <a:sym typeface="Arial"/>
         </a:defRPr>
       </a:lvl7pPr>
-      <a:lvl8pPr lvl="7" marR="0" rtl="0" algn="l">
+      <a:lvl8pPr marR="0" lvl="7" algn="l" rtl="0">
         <a:lnSpc>
           <a:spcPct val="100000"/>
         </a:lnSpc>
@@ -5866,7 +6021,7 @@
           <a:srgbClr val="000000"/>
         </a:buClr>
         <a:buFont typeface="Arial"/>
-        <a:defRPr b="0" i="0" sz="1400" u="none" cap="none" strike="noStrike">
+        <a:defRPr sz="1400" b="0" i="0" u="none" strike="noStrike" cap="none">
           <a:solidFill>
             <a:srgbClr val="000000"/>
           </a:solidFill>
@@ -5876,7 +6031,7 @@
           <a:sym typeface="Arial"/>
         </a:defRPr>
       </a:lvl8pPr>
-      <a:lvl9pPr lvl="8" marR="0" rtl="0" algn="l">
+      <a:lvl9pPr marR="0" lvl="8" algn="l" rtl="0">
         <a:lnSpc>
           <a:spcPct val="100000"/>
         </a:lnSpc>
@@ -5890,7 +6045,7 @@
           <a:srgbClr val="000000"/>
         </a:buClr>
         <a:buFont typeface="Arial"/>
-        <a:defRPr b="0" i="0" sz="1400" u="none" cap="none" strike="noStrike">
+        <a:defRPr sz="1400" b="0" i="0" u="none" strike="noStrike" cap="none">
           <a:solidFill>
             <a:srgbClr val="000000"/>
           </a:solidFill>
@@ -5902,7 +6057,7 @@
       </a:lvl9pPr>
     </p:bodyStyle>
     <p:otherStyle>
-      <a:defPPr lvl="0" marR="0" rtl="0" algn="l">
+      <a:defPPr marR="0" lvl="0" algn="l" rtl="0">
         <a:lnSpc>
           <a:spcPct val="100000"/>
         </a:lnSpc>
@@ -5913,7 +6068,7 @@
           <a:spcPts val="0"/>
         </a:spcAft>
       </a:defPPr>
-      <a:lvl1pPr lvl="0" marR="0" rtl="0" algn="l">
+      <a:lvl1pPr marR="0" lvl="0" algn="l" rtl="0">
         <a:lnSpc>
           <a:spcPct val="100000"/>
         </a:lnSpc>
@@ -5927,7 +6082,7 @@
           <a:srgbClr val="000000"/>
         </a:buClr>
         <a:buFont typeface="Arial"/>
-        <a:defRPr b="0" i="0" sz="1400" u="none" cap="none" strike="noStrike">
+        <a:defRPr sz="1400" b="0" i="0" u="none" strike="noStrike" cap="none">
           <a:solidFill>
             <a:srgbClr val="000000"/>
           </a:solidFill>
@@ -5937,7 +6092,7 @@
           <a:sym typeface="Arial"/>
         </a:defRPr>
       </a:lvl1pPr>
-      <a:lvl2pPr lvl="1" marR="0" rtl="0" algn="l">
+      <a:lvl2pPr marR="0" lvl="1" algn="l" rtl="0">
         <a:lnSpc>
           <a:spcPct val="100000"/>
         </a:lnSpc>
@@ -5951,7 +6106,7 @@
           <a:srgbClr val="000000"/>
         </a:buClr>
         <a:buFont typeface="Arial"/>
-        <a:defRPr b="0" i="0" sz="1400" u="none" cap="none" strike="noStrike">
+        <a:defRPr sz="1400" b="0" i="0" u="none" strike="noStrike" cap="none">
           <a:solidFill>
             <a:srgbClr val="000000"/>
           </a:solidFill>
@@ -5961,7 +6116,7 @@
           <a:sym typeface="Arial"/>
         </a:defRPr>
       </a:lvl2pPr>
-      <a:lvl3pPr lvl="2" marR="0" rtl="0" algn="l">
+      <a:lvl3pPr marR="0" lvl="2" algn="l" rtl="0">
         <a:lnSpc>
           <a:spcPct val="100000"/>
         </a:lnSpc>
@@ -5975,7 +6130,7 @@
           <a:srgbClr val="000000"/>
         </a:buClr>
         <a:buFont typeface="Arial"/>
-        <a:defRPr b="0" i="0" sz="1400" u="none" cap="none" strike="noStrike">
+        <a:defRPr sz="1400" b="0" i="0" u="none" strike="noStrike" cap="none">
           <a:solidFill>
             <a:srgbClr val="000000"/>
           </a:solidFill>
@@ -5985,7 +6140,7 @@
           <a:sym typeface="Arial"/>
         </a:defRPr>
       </a:lvl3pPr>
-      <a:lvl4pPr lvl="3" marR="0" rtl="0" algn="l">
+      <a:lvl4pPr marR="0" lvl="3" algn="l" rtl="0">
         <a:lnSpc>
           <a:spcPct val="100000"/>
         </a:lnSpc>
@@ -5999,7 +6154,7 @@
           <a:srgbClr val="000000"/>
         </a:buClr>
         <a:buFont typeface="Arial"/>
-        <a:defRPr b="0" i="0" sz="1400" u="none" cap="none" strike="noStrike">
+        <a:defRPr sz="1400" b="0" i="0" u="none" strike="noStrike" cap="none">
           <a:solidFill>
             <a:srgbClr val="000000"/>
           </a:solidFill>
@@ -6009,7 +6164,7 @@
           <a:sym typeface="Arial"/>
         </a:defRPr>
       </a:lvl4pPr>
-      <a:lvl5pPr lvl="4" marR="0" rtl="0" algn="l">
+      <a:lvl5pPr marR="0" lvl="4" algn="l" rtl="0">
         <a:lnSpc>
           <a:spcPct val="100000"/>
         </a:lnSpc>
@@ -6023,7 +6178,7 @@
           <a:srgbClr val="000000"/>
         </a:buClr>
         <a:buFont typeface="Arial"/>
-        <a:defRPr b="0" i="0" sz="1400" u="none" cap="none" strike="noStrike">
+        <a:defRPr sz="1400" b="0" i="0" u="none" strike="noStrike" cap="none">
           <a:solidFill>
             <a:srgbClr val="000000"/>
           </a:solidFill>
@@ -6033,7 +6188,7 @@
           <a:sym typeface="Arial"/>
         </a:defRPr>
       </a:lvl5pPr>
-      <a:lvl6pPr lvl="5" marR="0" rtl="0" algn="l">
+      <a:lvl6pPr marR="0" lvl="5" algn="l" rtl="0">
         <a:lnSpc>
           <a:spcPct val="100000"/>
         </a:lnSpc>
@@ -6047,7 +6202,7 @@
           <a:srgbClr val="000000"/>
         </a:buClr>
         <a:buFont typeface="Arial"/>
-        <a:defRPr b="0" i="0" sz="1400" u="none" cap="none" strike="noStrike">
+        <a:defRPr sz="1400" b="0" i="0" u="none" strike="noStrike" cap="none">
           <a:solidFill>
             <a:srgbClr val="000000"/>
           </a:solidFill>
@@ -6057,7 +6212,7 @@
           <a:sym typeface="Arial"/>
         </a:defRPr>
       </a:lvl6pPr>
-      <a:lvl7pPr lvl="6" marR="0" rtl="0" algn="l">
+      <a:lvl7pPr marR="0" lvl="6" algn="l" rtl="0">
         <a:lnSpc>
           <a:spcPct val="100000"/>
         </a:lnSpc>
@@ -6071,7 +6226,7 @@
           <a:srgbClr val="000000"/>
         </a:buClr>
         <a:buFont typeface="Arial"/>
-        <a:defRPr b="0" i="0" sz="1400" u="none" cap="none" strike="noStrike">
+        <a:defRPr sz="1400" b="0" i="0" u="none" strike="noStrike" cap="none">
           <a:solidFill>
             <a:srgbClr val="000000"/>
           </a:solidFill>
@@ -6081,7 +6236,7 @@
           <a:sym typeface="Arial"/>
         </a:defRPr>
       </a:lvl7pPr>
-      <a:lvl8pPr lvl="7" marR="0" rtl="0" algn="l">
+      <a:lvl8pPr marR="0" lvl="7" algn="l" rtl="0">
         <a:lnSpc>
           <a:spcPct val="100000"/>
         </a:lnSpc>
@@ -6095,7 +6250,7 @@
           <a:srgbClr val="000000"/>
         </a:buClr>
         <a:buFont typeface="Arial"/>
-        <a:defRPr b="0" i="0" sz="1400" u="none" cap="none" strike="noStrike">
+        <a:defRPr sz="1400" b="0" i="0" u="none" strike="noStrike" cap="none">
           <a:solidFill>
             <a:srgbClr val="000000"/>
           </a:solidFill>
@@ -6105,7 +6260,7 @@
           <a:sym typeface="Arial"/>
         </a:defRPr>
       </a:lvl8pPr>
-      <a:lvl9pPr lvl="8" marR="0" rtl="0" algn="l">
+      <a:lvl9pPr marR="0" lvl="8" algn="l" rtl="0">
         <a:lnSpc>
           <a:spcPct val="100000"/>
         </a:lnSpc>
@@ -6119,7 +6274,7 @@
           <a:srgbClr val="000000"/>
         </a:buClr>
         <a:buFont typeface="Arial"/>
-        <a:defRPr b="0" i="0" sz="1400" u="none" cap="none" strike="noStrike">
+        <a:defRPr sz="1400" b="0" i="0" u="none" strike="noStrike" cap="none">
           <a:solidFill>
             <a:srgbClr val="000000"/>
           </a:solidFill>
@@ -6135,11 +6290,11 @@
 </file>
 
 <file path=ppt/slides/slide1.xml><?xml version="1.0" encoding="utf-8"?>
-<p:sld xmlns:a="http://schemas.openxmlformats.org/drawingml/2006/main" xmlns:r="http://schemas.openxmlformats.org/officeDocument/2006/relationships" xmlns:mc="http://schemas.openxmlformats.org/markup-compatibility/2006" xmlns:mv="urn:schemas-microsoft-com:mac:vml" xmlns:p="http://schemas.openxmlformats.org/presentationml/2006/main" xmlns:c="http://schemas.openxmlformats.org/drawingml/2006/chart" xmlns:dgm="http://schemas.openxmlformats.org/drawingml/2006/diagram" xmlns:o="urn:schemas-microsoft-com:office:office" xmlns:v="urn:schemas-microsoft-com:vml" xmlns:pvml="urn:schemas-microsoft-com:office:powerpoint" xmlns:com="http://schemas.openxmlformats.org/drawingml/2006/compatibility" xmlns:p14="http://schemas.microsoft.com/office/powerpoint/2010/main" xmlns:p15="http://schemas.microsoft.com/office/powerpoint/2012/main" xmlns:ahyp="http://schemas.microsoft.com/office/drawing/2018/hyperlinkcolor">
+<p:sld xmlns:a="http://schemas.openxmlformats.org/drawingml/2006/main" xmlns:r="http://schemas.openxmlformats.org/officeDocument/2006/relationships" xmlns:p="http://schemas.openxmlformats.org/presentationml/2006/main">
   <p:cSld>
     <p:spTree>
       <p:nvGrpSpPr>
-        <p:cNvPr id="53" name="Shape 53"/>
+        <p:cNvPr id="1" name="Shape 53"/>
         <p:cNvGrpSpPr/>
         <p:nvPr/>
       </p:nvGrpSpPr>
@@ -6154,7 +6309,9 @@
       <p:sp>
         <p:nvSpPr>
           <p:cNvPr id="54" name="Google Shape;54;p13"/>
-          <p:cNvSpPr txBox="1"/>
+          <p:cNvSpPr txBox="1">
+            <a:spLocks noGrp="1"/>
+          </p:cNvSpPr>
           <p:nvPr>
             <p:ph type="ctrTitle"/>
           </p:nvPr>
@@ -6169,12 +6326,12 @@
           </a:prstGeom>
         </p:spPr>
         <p:txBody>
-          <a:bodyPr anchorCtr="0" anchor="b" bIns="91425" lIns="91425" spcFirstLastPara="1" rIns="91425" wrap="square" tIns="91425">
+          <a:bodyPr spcFirstLastPara="1" wrap="square" lIns="91425" tIns="91425" rIns="91425" bIns="91425" anchor="b" anchorCtr="0">
             <a:normAutofit fontScale="90000"/>
           </a:bodyPr>
           <a:lstStyle/>
           <a:p>
-            <a:pPr indent="0" lvl="0" marL="0" marR="2519932" rtl="0" algn="ctr">
+            <a:pPr marL="0" marR="2519932" lvl="0" indent="0" algn="ctr" rtl="0">
               <a:spcBef>
                 <a:spcPts val="878"/>
               </a:spcBef>
@@ -6184,7 +6341,7 @@
               <a:buNone/>
             </a:pPr>
             <a:r>
-              <a:rPr b="1" lang="es" sz="4058">
+              <a:rPr lang="es" sz="4058" b="1">
                 <a:latin typeface="Verdana"/>
                 <a:ea typeface="Verdana"/>
                 <a:cs typeface="Verdana"/>
@@ -6192,7 +6349,7 @@
               </a:rPr>
               <a:t>        </a:t>
             </a:r>
-            <a:endParaRPr b="1" sz="4058">
+            <a:endParaRPr sz="4058" b="1">
               <a:latin typeface="Verdana"/>
               <a:ea typeface="Verdana"/>
               <a:cs typeface="Verdana"/>
@@ -6200,7 +6357,7 @@
             </a:endParaRPr>
           </a:p>
           <a:p>
-            <a:pPr indent="0" lvl="0" marL="0" marR="2519932" rtl="0" algn="ctr">
+            <a:pPr marL="0" marR="2519932" lvl="0" indent="0" algn="ctr" rtl="0">
               <a:spcBef>
                 <a:spcPts val="878"/>
               </a:spcBef>
@@ -6209,10 +6366,7 @@
               </a:spcAft>
               <a:buNone/>
             </a:pPr>
-            <a:r>
-              <a:t/>
-            </a:r>
-            <a:endParaRPr b="1" sz="4058">
+            <a:endParaRPr sz="4058" b="1">
               <a:latin typeface="Verdana"/>
               <a:ea typeface="Verdana"/>
               <a:cs typeface="Verdana"/>
@@ -6220,7 +6374,7 @@
             </a:endParaRPr>
           </a:p>
           <a:p>
-            <a:pPr indent="0" lvl="0" marL="0" marR="2519932" rtl="0" algn="ctr">
+            <a:pPr marL="0" marR="2519932" lvl="0" indent="0" algn="ctr" rtl="0">
               <a:spcBef>
                 <a:spcPts val="878"/>
               </a:spcBef>
@@ -6229,10 +6383,7 @@
               </a:spcAft>
               <a:buNone/>
             </a:pPr>
-            <a:r>
-              <a:t/>
-            </a:r>
-            <a:endParaRPr b="1" sz="4058">
+            <a:endParaRPr sz="4058" b="1">
               <a:latin typeface="Verdana"/>
               <a:ea typeface="Verdana"/>
               <a:cs typeface="Verdana"/>
@@ -6240,7 +6391,7 @@
             </a:endParaRPr>
           </a:p>
           <a:p>
-            <a:pPr indent="0" lvl="0" marL="0" marR="2519932" rtl="0" algn="ctr">
+            <a:pPr marL="0" marR="2519932" lvl="0" indent="0" algn="ctr" rtl="0">
               <a:spcBef>
                 <a:spcPts val="878"/>
               </a:spcBef>
@@ -6249,10 +6400,7 @@
               </a:spcAft>
               <a:buNone/>
             </a:pPr>
-            <a:r>
-              <a:t/>
-            </a:r>
-            <a:endParaRPr b="1" sz="4058">
+            <a:endParaRPr sz="4058" b="1">
               <a:latin typeface="Verdana"/>
               <a:ea typeface="Verdana"/>
               <a:cs typeface="Verdana"/>
@@ -6260,7 +6408,7 @@
             </a:endParaRPr>
           </a:p>
           <a:p>
-            <a:pPr indent="0" lvl="0" marL="0" marR="2519932" rtl="0" algn="ctr">
+            <a:pPr marL="0" marR="2519932" lvl="0" indent="0" algn="ctr" rtl="0">
               <a:spcBef>
                 <a:spcPts val="878"/>
               </a:spcBef>
@@ -6269,10 +6417,7 @@
               </a:spcAft>
               <a:buNone/>
             </a:pPr>
-            <a:r>
-              <a:t/>
-            </a:r>
-            <a:endParaRPr b="1" sz="4058">
+            <a:endParaRPr sz="4058" b="1">
               <a:latin typeface="Verdana"/>
               <a:ea typeface="Verdana"/>
               <a:cs typeface="Verdana"/>
@@ -6280,7 +6425,7 @@
             </a:endParaRPr>
           </a:p>
           <a:p>
-            <a:pPr indent="0" lvl="0" marL="0" marR="2519932" rtl="0" algn="l">
+            <a:pPr marL="0" marR="2519932" lvl="0" indent="0" algn="l" rtl="0">
               <a:spcBef>
                 <a:spcPts val="878"/>
               </a:spcBef>
@@ -6295,7 +6440,7 @@
               <a:buNone/>
             </a:pPr>
             <a:r>
-              <a:rPr b="1" lang="es" sz="2725">
+              <a:rPr lang="es" sz="2725" b="1">
                 <a:latin typeface="Verdana"/>
                 <a:ea typeface="Verdana"/>
                 <a:cs typeface="Verdana"/>
@@ -6303,20 +6448,22 @@
               </a:rPr>
               <a:t>Seguridad en las Operaciones</a:t>
             </a:r>
-            <a:endParaRPr b="1" sz="3866"/>
+            <a:endParaRPr sz="3866" b="1"/>
           </a:p>
         </p:txBody>
       </p:sp>
       <p:sp>
         <p:nvSpPr>
           <p:cNvPr id="55" name="Google Shape;55;p13"/>
-          <p:cNvSpPr txBox="1"/>
+          <p:cNvSpPr txBox="1">
+            <a:spLocks noGrp="1"/>
+          </p:cNvSpPr>
           <p:nvPr>
-            <p:ph idx="1" type="subTitle"/>
+            <p:ph type="subTitle" idx="1"/>
           </p:nvPr>
         </p:nvSpPr>
         <p:spPr>
-          <a:xfrm flipH="1" rot="10800000">
+          <a:xfrm rot="10800000" flipH="1">
             <a:off x="311700" y="4324150"/>
             <a:ext cx="8520600" cy="27000"/>
           </a:xfrm>
@@ -6325,12 +6472,12 @@
           </a:prstGeom>
         </p:spPr>
         <p:txBody>
-          <a:bodyPr anchorCtr="0" anchor="t" bIns="91425" lIns="91425" spcFirstLastPara="1" rIns="91425" wrap="square" tIns="91425">
+          <a:bodyPr spcFirstLastPara="1" wrap="square" lIns="91425" tIns="91425" rIns="91425" bIns="91425" anchor="t" anchorCtr="0">
             <a:normAutofit fontScale="25000" lnSpcReduction="20000"/>
           </a:bodyPr>
           <a:lstStyle/>
           <a:p>
-            <a:pPr indent="0" lvl="0" marL="0" rtl="0" algn="ctr">
+            <a:pPr marL="0" lvl="0" indent="0" algn="ctr" rtl="0">
               <a:spcBef>
                 <a:spcPts val="0"/>
               </a:spcBef>
@@ -6346,7 +6493,7 @@
             <a:endParaRPr/>
           </a:p>
           <a:p>
-            <a:pPr indent="0" lvl="0" marL="0" rtl="0" algn="ctr">
+            <a:pPr marL="0" lvl="0" indent="0" algn="ctr" rtl="0">
               <a:spcBef>
                 <a:spcPts val="0"/>
               </a:spcBef>
@@ -6355,9 +6502,6 @@
               </a:spcAft>
               <a:buNone/>
             </a:pPr>
-            <a:r>
-              <a:t/>
-            </a:r>
             <a:endParaRPr/>
           </a:p>
         </p:txBody>
@@ -6371,11 +6515,11 @@
 </file>
 
 <file path=ppt/slides/slide2.xml><?xml version="1.0" encoding="utf-8"?>
-<p:sld xmlns:a="http://schemas.openxmlformats.org/drawingml/2006/main" xmlns:r="http://schemas.openxmlformats.org/officeDocument/2006/relationships" xmlns:mc="http://schemas.openxmlformats.org/markup-compatibility/2006" xmlns:mv="urn:schemas-microsoft-com:mac:vml" xmlns:p="http://schemas.openxmlformats.org/presentationml/2006/main" xmlns:c="http://schemas.openxmlformats.org/drawingml/2006/chart" xmlns:dgm="http://schemas.openxmlformats.org/drawingml/2006/diagram" xmlns:o="urn:schemas-microsoft-com:office:office" xmlns:v="urn:schemas-microsoft-com:vml" xmlns:pvml="urn:schemas-microsoft-com:office:powerpoint" xmlns:com="http://schemas.openxmlformats.org/drawingml/2006/compatibility" xmlns:p14="http://schemas.microsoft.com/office/powerpoint/2010/main" xmlns:p15="http://schemas.microsoft.com/office/powerpoint/2012/main" xmlns:ahyp="http://schemas.microsoft.com/office/drawing/2018/hyperlinkcolor">
+<p:sld xmlns:a="http://schemas.openxmlformats.org/drawingml/2006/main" xmlns:r="http://schemas.openxmlformats.org/officeDocument/2006/relationships" xmlns:p="http://schemas.openxmlformats.org/presentationml/2006/main">
   <p:cSld>
     <p:spTree>
       <p:nvGrpSpPr>
-        <p:cNvPr id="59" name="Shape 59"/>
+        <p:cNvPr id="1" name="Shape 59"/>
         <p:cNvGrpSpPr/>
         <p:nvPr/>
       </p:nvGrpSpPr>
@@ -6390,7 +6534,9 @@
       <p:sp>
         <p:nvSpPr>
           <p:cNvPr id="60" name="Google Shape;60;p14"/>
-          <p:cNvSpPr txBox="1"/>
+          <p:cNvSpPr txBox="1">
+            <a:spLocks noGrp="1"/>
+          </p:cNvSpPr>
           <p:nvPr>
             <p:ph type="ctrTitle"/>
           </p:nvPr>
@@ -6405,12 +6551,12 @@
           </a:prstGeom>
         </p:spPr>
         <p:txBody>
-          <a:bodyPr anchorCtr="0" anchor="b" bIns="91425" lIns="91425" spcFirstLastPara="1" rIns="91425" wrap="square" tIns="91425">
+          <a:bodyPr spcFirstLastPara="1" wrap="square" lIns="91425" tIns="91425" rIns="91425" bIns="91425" anchor="b" anchorCtr="0">
             <a:normAutofit/>
           </a:bodyPr>
           <a:lstStyle/>
           <a:p>
-            <a:pPr indent="0" lvl="0" marL="0" rtl="0" algn="ctr">
+            <a:pPr marL="0" lvl="0" indent="0" algn="ctr" rtl="0">
               <a:spcBef>
                 <a:spcPts val="0"/>
               </a:spcBef>
@@ -6430,9 +6576,11 @@
       <p:sp>
         <p:nvSpPr>
           <p:cNvPr id="61" name="Google Shape;61;p14"/>
-          <p:cNvSpPr txBox="1"/>
+          <p:cNvSpPr txBox="1">
+            <a:spLocks noGrp="1"/>
+          </p:cNvSpPr>
           <p:nvPr>
-            <p:ph idx="1" type="subTitle"/>
+            <p:ph type="subTitle" idx="1"/>
           </p:nvPr>
         </p:nvSpPr>
         <p:spPr>
@@ -6445,12 +6593,12 @@
           </a:prstGeom>
         </p:spPr>
         <p:txBody>
-          <a:bodyPr anchorCtr="0" anchor="t" bIns="91425" lIns="91425" spcFirstLastPara="1" rIns="91425" wrap="square" tIns="91425">
+          <a:bodyPr spcFirstLastPara="1" wrap="square" lIns="91425" tIns="91425" rIns="91425" bIns="91425" anchor="t" anchorCtr="0">
             <a:normAutofit fontScale="25000" lnSpcReduction="20000"/>
           </a:bodyPr>
           <a:lstStyle/>
           <a:p>
-            <a:pPr indent="0" lvl="0" marL="0" rtl="0" algn="ctr">
+            <a:pPr marL="0" lvl="0" indent="0" algn="ctr" rtl="0">
               <a:spcBef>
                 <a:spcPts val="0"/>
               </a:spcBef>
@@ -6504,11 +6652,11 @@
 </file>
 
 <file path=ppt/slides/slide3.xml><?xml version="1.0" encoding="utf-8"?>
-<p:sld xmlns:a="http://schemas.openxmlformats.org/drawingml/2006/main" xmlns:r="http://schemas.openxmlformats.org/officeDocument/2006/relationships" xmlns:mc="http://schemas.openxmlformats.org/markup-compatibility/2006" xmlns:mv="urn:schemas-microsoft-com:mac:vml" xmlns:p="http://schemas.openxmlformats.org/presentationml/2006/main" xmlns:c="http://schemas.openxmlformats.org/drawingml/2006/chart" xmlns:dgm="http://schemas.openxmlformats.org/drawingml/2006/diagram" xmlns:o="urn:schemas-microsoft-com:office:office" xmlns:v="urn:schemas-microsoft-com:vml" xmlns:pvml="urn:schemas-microsoft-com:office:powerpoint" xmlns:com="http://schemas.openxmlformats.org/drawingml/2006/compatibility" xmlns:p14="http://schemas.microsoft.com/office/powerpoint/2010/main" xmlns:p15="http://schemas.microsoft.com/office/powerpoint/2012/main" xmlns:ahyp="http://schemas.microsoft.com/office/drawing/2018/hyperlinkcolor">
+<p:sld xmlns:a="http://schemas.openxmlformats.org/drawingml/2006/main" xmlns:r="http://schemas.openxmlformats.org/officeDocument/2006/relationships" xmlns:p="http://schemas.openxmlformats.org/presentationml/2006/main">
   <p:cSld>
     <p:spTree>
       <p:nvGrpSpPr>
-        <p:cNvPr id="66" name="Shape 66"/>
+        <p:cNvPr id="1" name="Shape 66"/>
         <p:cNvGrpSpPr/>
         <p:nvPr/>
       </p:nvGrpSpPr>
@@ -6523,7 +6671,9 @@
       <p:sp>
         <p:nvSpPr>
           <p:cNvPr id="67" name="Google Shape;67;p15"/>
-          <p:cNvSpPr txBox="1"/>
+          <p:cNvSpPr txBox="1">
+            <a:spLocks noGrp="1"/>
+          </p:cNvSpPr>
           <p:nvPr>
             <p:ph type="ctrTitle"/>
           </p:nvPr>
@@ -6538,12 +6688,12 @@
           </a:prstGeom>
         </p:spPr>
         <p:txBody>
-          <a:bodyPr anchorCtr="0" anchor="b" bIns="91425" lIns="91425" spcFirstLastPara="1" rIns="91425" wrap="square" tIns="91425">
+          <a:bodyPr spcFirstLastPara="1" wrap="square" lIns="91425" tIns="91425" rIns="91425" bIns="91425" anchor="b" anchorCtr="0">
             <a:normAutofit/>
           </a:bodyPr>
           <a:lstStyle/>
           <a:p>
-            <a:pPr indent="0" lvl="0" marL="0" rtl="0" algn="ctr">
+            <a:pPr marL="0" lvl="0" indent="0" algn="ctr" rtl="0">
               <a:spcBef>
                 <a:spcPts val="0"/>
               </a:spcBef>
@@ -6559,7 +6709,7 @@
             <a:endParaRPr/>
           </a:p>
           <a:p>
-            <a:pPr indent="0" lvl="0" marL="0" rtl="0" algn="ctr">
+            <a:pPr marL="0" lvl="0" indent="0" algn="ctr" rtl="0">
               <a:spcBef>
                 <a:spcPts val="0"/>
               </a:spcBef>
@@ -6568,9 +6718,6 @@
               </a:spcAft>
               <a:buNone/>
             </a:pPr>
-            <a:r>
-              <a:t/>
-            </a:r>
             <a:endParaRPr/>
           </a:p>
         </p:txBody>
@@ -6578,9 +6725,11 @@
       <p:sp>
         <p:nvSpPr>
           <p:cNvPr id="68" name="Google Shape;68;p15"/>
-          <p:cNvSpPr txBox="1"/>
+          <p:cNvSpPr txBox="1">
+            <a:spLocks noGrp="1"/>
+          </p:cNvSpPr>
           <p:nvPr>
-            <p:ph idx="1" type="subTitle"/>
+            <p:ph type="subTitle" idx="1"/>
           </p:nvPr>
         </p:nvSpPr>
         <p:spPr>
@@ -6593,12 +6742,12 @@
           </a:prstGeom>
         </p:spPr>
         <p:txBody>
-          <a:bodyPr anchorCtr="0" anchor="t" bIns="91425" lIns="91425" spcFirstLastPara="1" rIns="91425" wrap="square" tIns="91425">
+          <a:bodyPr spcFirstLastPara="1" wrap="square" lIns="91425" tIns="91425" rIns="91425" bIns="91425" anchor="t" anchorCtr="0">
             <a:normAutofit fontScale="85000" lnSpcReduction="20000"/>
           </a:bodyPr>
           <a:lstStyle/>
           <a:p>
-            <a:pPr indent="0" lvl="0" marL="0" rtl="0" algn="ctr">
+            <a:pPr marL="0" lvl="0" indent="0" algn="ctr" rtl="0">
               <a:spcBef>
                 <a:spcPts val="0"/>
               </a:spcBef>
@@ -6614,7 +6763,7 @@
             <a:endParaRPr/>
           </a:p>
           <a:p>
-            <a:pPr indent="0" lvl="0" marL="0" rtl="0" algn="ctr">
+            <a:pPr marL="0" lvl="0" indent="0" algn="ctr" rtl="0">
               <a:spcBef>
                 <a:spcPts val="0"/>
               </a:spcBef>
@@ -6623,9 +6772,6 @@
               </a:spcAft>
               <a:buNone/>
             </a:pPr>
-            <a:r>
-              <a:t/>
-            </a:r>
             <a:endParaRPr/>
           </a:p>
         </p:txBody>
@@ -6667,11 +6813,11 @@
 </file>
 
 <file path=ppt/slides/slide4.xml><?xml version="1.0" encoding="utf-8"?>
-<p:sld xmlns:a="http://schemas.openxmlformats.org/drawingml/2006/main" xmlns:r="http://schemas.openxmlformats.org/officeDocument/2006/relationships" xmlns:mc="http://schemas.openxmlformats.org/markup-compatibility/2006" xmlns:mv="urn:schemas-microsoft-com:mac:vml" xmlns:p="http://schemas.openxmlformats.org/presentationml/2006/main" xmlns:c="http://schemas.openxmlformats.org/drawingml/2006/chart" xmlns:dgm="http://schemas.openxmlformats.org/drawingml/2006/diagram" xmlns:o="urn:schemas-microsoft-com:office:office" xmlns:v="urn:schemas-microsoft-com:vml" xmlns:pvml="urn:schemas-microsoft-com:office:powerpoint" xmlns:com="http://schemas.openxmlformats.org/drawingml/2006/compatibility" xmlns:p14="http://schemas.microsoft.com/office/powerpoint/2010/main" xmlns:p15="http://schemas.microsoft.com/office/powerpoint/2012/main" xmlns:ahyp="http://schemas.microsoft.com/office/drawing/2018/hyperlinkcolor">
+<p:sld xmlns:a="http://schemas.openxmlformats.org/drawingml/2006/main" xmlns:r="http://schemas.openxmlformats.org/officeDocument/2006/relationships" xmlns:p="http://schemas.openxmlformats.org/presentationml/2006/main">
   <p:cSld>
     <p:spTree>
       <p:nvGrpSpPr>
-        <p:cNvPr id="73" name="Shape 73"/>
+        <p:cNvPr id="1" name="Shape 73"/>
         <p:cNvGrpSpPr/>
         <p:nvPr/>
       </p:nvGrpSpPr>
@@ -6686,7 +6832,9 @@
       <p:sp>
         <p:nvSpPr>
           <p:cNvPr id="74" name="Google Shape;74;p16"/>
-          <p:cNvSpPr txBox="1"/>
+          <p:cNvSpPr txBox="1">
+            <a:spLocks noGrp="1"/>
+          </p:cNvSpPr>
           <p:nvPr>
             <p:ph type="title"/>
           </p:nvPr>
@@ -6701,12 +6849,12 @@
           </a:prstGeom>
         </p:spPr>
         <p:txBody>
-          <a:bodyPr anchorCtr="0" anchor="t" bIns="91425" lIns="91425" spcFirstLastPara="1" rIns="91425" wrap="square" tIns="91425">
+          <a:bodyPr spcFirstLastPara="1" wrap="square" lIns="91425" tIns="91425" rIns="91425" bIns="91425" anchor="t" anchorCtr="0">
             <a:normAutofit fontScale="90000"/>
           </a:bodyPr>
           <a:lstStyle/>
           <a:p>
-            <a:pPr indent="0" lvl="0" marL="0" rtl="0" algn="l">
+            <a:pPr marL="0" lvl="0" indent="0" algn="l" rtl="0">
               <a:spcBef>
                 <a:spcPts val="0"/>
               </a:spcBef>
@@ -6722,7 +6870,7 @@
             <a:endParaRPr/>
           </a:p>
           <a:p>
-            <a:pPr indent="0" lvl="0" marL="0" rtl="0" algn="l">
+            <a:pPr marL="0" lvl="0" indent="0" algn="l" rtl="0">
               <a:spcBef>
                 <a:spcPts val="0"/>
               </a:spcBef>
@@ -6731,9 +6879,6 @@
               </a:spcAft>
               <a:buNone/>
             </a:pPr>
-            <a:r>
-              <a:t/>
-            </a:r>
             <a:endParaRPr/>
           </a:p>
         </p:txBody>
@@ -6741,9 +6886,11 @@
       <p:sp>
         <p:nvSpPr>
           <p:cNvPr id="75" name="Google Shape;75;p16"/>
-          <p:cNvSpPr txBox="1"/>
+          <p:cNvSpPr txBox="1">
+            <a:spLocks noGrp="1"/>
+          </p:cNvSpPr>
           <p:nvPr>
-            <p:ph idx="1" type="body"/>
+            <p:ph type="body" idx="1"/>
           </p:nvPr>
         </p:nvSpPr>
         <p:spPr>
@@ -6756,12 +6903,12 @@
           </a:prstGeom>
         </p:spPr>
         <p:txBody>
-          <a:bodyPr anchorCtr="0" anchor="t" bIns="91425" lIns="91425" spcFirstLastPara="1" rIns="91425" wrap="square" tIns="91425">
+          <a:bodyPr spcFirstLastPara="1" wrap="square" lIns="91425" tIns="91425" rIns="91425" bIns="91425" anchor="t" anchorCtr="0">
             <a:noAutofit/>
           </a:bodyPr>
           <a:lstStyle/>
           <a:p>
-            <a:pPr indent="0" lvl="0" marL="0" rtl="0" algn="l">
+            <a:pPr marL="0" lvl="0" indent="0" algn="l" rtl="0">
               <a:spcBef>
                 <a:spcPts val="0"/>
               </a:spcBef>
@@ -6772,15 +6919,15 @@
               <a:buNone/>
             </a:pPr>
             <a:r>
-              <a:rPr lang="es" sz="950"/>
+              <a:rPr lang="es" sz="950" dirty="0"/>
               <a:t>  </a:t>
             </a:r>
             <a:r>
-              <a:rPr lang="es" sz="1266"/>
+              <a:rPr lang="es" sz="1266" dirty="0"/>
               <a:t> </a:t>
             </a:r>
             <a:r>
-              <a:rPr lang="es" sz="1266">
+              <a:rPr lang="es" sz="1266" dirty="0">
                 <a:solidFill>
                   <a:srgbClr val="000000"/>
                 </a:solidFill>
@@ -6788,7 +6935,7 @@
               <a:t>La proliferación de software malicioso, como virus, troyanos, etc., hace necesario que se adopten medidas de prevención, a efectos de evitar la ocurrencia de tales amenazas.  Es conveniente separar los ambientes de desarrollo, prueba y operaciones de los sistemas del Organismo</a:t>
             </a:r>
             <a:r>
-              <a:rPr b="1" lang="es" sz="1266">
+              <a:rPr lang="es" sz="1266" b="1" dirty="0">
                 <a:solidFill>
                   <a:srgbClr val="000000"/>
                 </a:solidFill>
@@ -6796,7 +6943,7 @@
               <a:t>, estableciendo procedimientos que aseguren la calidad de los procesos </a:t>
             </a:r>
             <a:r>
-              <a:rPr lang="es" sz="1266">
+              <a:rPr lang="es" sz="1266" dirty="0">
                 <a:solidFill>
                   <a:srgbClr val="000000"/>
                 </a:solidFill>
@@ -6804,7 +6951,7 @@
               <a:t>que se implementen en el ámbito operativo, a </a:t>
             </a:r>
             <a:r>
-              <a:rPr b="1" lang="es" sz="1266">
+              <a:rPr lang="es" sz="1266" b="1" dirty="0">
                 <a:solidFill>
                   <a:srgbClr val="000000"/>
                 </a:solidFill>
@@ -6812,7 +6959,7 @@
               <a:t>fin de minimizar los riesgos de incidentes producidos por la manipulación de información operativa.                         </a:t>
             </a:r>
             <a:r>
-              <a:rPr lang="es" sz="1266">
+              <a:rPr lang="es" sz="1266" dirty="0">
                 <a:solidFill>
                   <a:srgbClr val="000000"/>
                 </a:solidFill>
@@ -6820,7 +6967,7 @@
               <a:t>                                                              </a:t>
             </a:r>
             <a:r>
-              <a:rPr b="1" lang="es" sz="1266">
+              <a:rPr lang="es" sz="1266" b="1" dirty="0">
                 <a:solidFill>
                   <a:srgbClr val="000000"/>
                 </a:solidFill>
@@ -6828,7 +6975,7 @@
               <a:t>Objetivo</a:t>
             </a:r>
             <a:r>
-              <a:rPr lang="es" sz="1266">
+              <a:rPr lang="es" sz="1266" dirty="0">
                 <a:solidFill>
                   <a:srgbClr val="000000"/>
                 </a:solidFill>
@@ -6836,21 +6983,21 @@
               <a:t>  </a:t>
             </a:r>
             <a:r>
-              <a:rPr b="1" lang="es" sz="1266">
+              <a:rPr lang="es" sz="1266" b="1" dirty="0">
                 <a:solidFill>
                   <a:srgbClr val="000000"/>
                 </a:solidFill>
               </a:rPr>
               <a:t>Garantizar el funcionamiento correcto y seguro de las instalaciones de procesamiento </a:t>
             </a:r>
-            <a:endParaRPr b="1" sz="1266">
+            <a:endParaRPr sz="1266" b="1" dirty="0">
               <a:solidFill>
                 <a:srgbClr val="000000"/>
               </a:solidFill>
             </a:endParaRPr>
           </a:p>
           <a:p>
-            <a:pPr indent="0" lvl="0" marL="0" rtl="0" algn="l">
+            <a:pPr marL="0" lvl="0" indent="0" algn="l" rtl="0">
               <a:spcBef>
                 <a:spcPts val="1200"/>
               </a:spcBef>
@@ -6861,7 +7008,7 @@
               <a:buNone/>
             </a:pPr>
             <a:r>
-              <a:rPr b="1" lang="es" sz="1266">
+              <a:rPr lang="es" sz="1266" b="1" dirty="0">
                 <a:solidFill>
                   <a:srgbClr val="000000"/>
                 </a:solidFill>
@@ -6869,21 +7016,21 @@
               <a:t>Alcance </a:t>
             </a:r>
             <a:r>
-              <a:rPr lang="es" sz="1266">
+              <a:rPr lang="es" sz="1266" dirty="0">
                 <a:solidFill>
                   <a:srgbClr val="000000"/>
                 </a:solidFill>
               </a:rPr>
               <a:t>Todas las instalaciones de procesamiento de información del Organismo. </a:t>
             </a:r>
-            <a:endParaRPr sz="1266">
+            <a:endParaRPr sz="1266" dirty="0">
               <a:solidFill>
                 <a:srgbClr val="000000"/>
               </a:solidFill>
             </a:endParaRPr>
           </a:p>
           <a:p>
-            <a:pPr indent="0" lvl="0" marL="0" rtl="0" algn="l">
+            <a:pPr marL="0" lvl="0" indent="0" algn="l" rtl="0">
               <a:spcBef>
                 <a:spcPts val="1200"/>
               </a:spcBef>
@@ -6894,7 +7041,7 @@
               <a:buNone/>
             </a:pPr>
             <a:r>
-              <a:rPr b="1" lang="es" sz="1266">
+              <a:rPr lang="es" sz="1266" b="1" dirty="0">
                 <a:solidFill>
                   <a:srgbClr val="000000"/>
                 </a:solidFill>
@@ -6902,21 +7049,21 @@
               <a:t>El Responsable de Seguridad de la información tendrá a su carg</a:t>
             </a:r>
             <a:r>
-              <a:rPr lang="es" sz="1266">
+              <a:rPr lang="es" sz="1266" dirty="0">
                 <a:solidFill>
                   <a:srgbClr val="000000"/>
                 </a:solidFill>
               </a:rPr>
               <a:t>o, entre otros: </a:t>
             </a:r>
-            <a:endParaRPr sz="1266">
+            <a:endParaRPr sz="1266" dirty="0">
               <a:solidFill>
                 <a:srgbClr val="000000"/>
               </a:solidFill>
             </a:endParaRPr>
           </a:p>
           <a:p>
-            <a:pPr indent="0" lvl="0" marL="0" rtl="0" algn="l">
+            <a:pPr marL="0" lvl="0" indent="0" algn="l" rtl="0">
               <a:spcBef>
                 <a:spcPts val="1200"/>
               </a:spcBef>
@@ -6927,7 +7074,7 @@
               <a:buNone/>
             </a:pPr>
             <a:r>
-              <a:rPr lang="es" sz="1266">
+              <a:rPr lang="es" sz="1266" dirty="0">
                 <a:solidFill>
                   <a:srgbClr val="000000"/>
                 </a:solidFill>
@@ -6935,7 +7082,7 @@
               <a:t>• </a:t>
             </a:r>
             <a:r>
-              <a:rPr b="1" lang="es" sz="1266">
+              <a:rPr lang="es" sz="1266" b="1" dirty="0">
                 <a:solidFill>
                   <a:srgbClr val="000000"/>
                 </a:solidFill>
@@ -6943,21 +7090,21 @@
               <a:t>Definir procedimientos para el control de cambios </a:t>
             </a:r>
             <a:r>
-              <a:rPr lang="es" sz="1266">
+              <a:rPr lang="es" sz="1266" dirty="0">
                 <a:solidFill>
                   <a:srgbClr val="000000"/>
                 </a:solidFill>
               </a:rPr>
-              <a:t>a los procesos operativos documentados, los sistemas e instalaciones de procesamiento de información, y verificar su cumplimiento, de manera que no afecten la seguridad de la información. </a:t>
+              <a:t>a los procesos operativos documentados, los sistemas e instalaciones de procesamiento de información, y verificar su cumplimiento, de manera que no afecten la seguridad de la información. (manejo de versiones)</a:t>
             </a:r>
-            <a:endParaRPr sz="1266">
+            <a:endParaRPr sz="1266" dirty="0">
               <a:solidFill>
                 <a:srgbClr val="000000"/>
               </a:solidFill>
             </a:endParaRPr>
           </a:p>
           <a:p>
-            <a:pPr indent="0" lvl="0" marL="0" rtl="0" algn="l">
+            <a:pPr marL="0" lvl="0" indent="0" algn="l" rtl="0">
               <a:spcBef>
                 <a:spcPts val="1200"/>
               </a:spcBef>
@@ -6972,7 +7119,7 @@
               <a:buNone/>
             </a:pPr>
             <a:r>
-              <a:rPr lang="es" sz="1266">
+              <a:rPr lang="es" sz="1266" dirty="0">
                 <a:solidFill>
                   <a:srgbClr val="000000"/>
                 </a:solidFill>
@@ -6980,7 +7127,7 @@
               <a:t>• </a:t>
             </a:r>
             <a:r>
-              <a:rPr b="1" lang="es" sz="1266">
+              <a:rPr lang="es" sz="1266" b="1" dirty="0">
                 <a:solidFill>
                   <a:srgbClr val="000000"/>
                 </a:solidFill>
@@ -6988,7 +7135,7 @@
               <a:t>Establecer criterios de aprobación para nuevos sistemas de información, </a:t>
             </a:r>
             <a:r>
-              <a:rPr lang="es" sz="1266">
+              <a:rPr lang="es" sz="1266" dirty="0">
                 <a:solidFill>
                   <a:srgbClr val="000000"/>
                 </a:solidFill>
@@ -6996,7 +7143,7 @@
               <a:t>actualizaciones y nuevas versiones, contemplando la realización de las pruebas necesarias antes de su aprobación definitiva.                                            • </a:t>
             </a:r>
             <a:r>
-              <a:rPr b="1" lang="es" sz="1266">
+              <a:rPr lang="es" sz="1266" b="1" dirty="0">
                 <a:solidFill>
                   <a:srgbClr val="000000"/>
                 </a:solidFill>
@@ -7004,15 +7151,15 @@
               <a:t>Definir procedimientos para el manejo de incidentes de seguridad </a:t>
             </a:r>
             <a:r>
-              <a:rPr lang="es" sz="1266">
+              <a:rPr lang="es" sz="1266" dirty="0">
                 <a:solidFill>
                   <a:srgbClr val="000000"/>
                 </a:solidFill>
               </a:rPr>
-              <a:t>y para la administración de los medios de almacenamiento.                                                                                                                                                               • </a:t>
+              <a:t>y para la administración de los medios de almacenamiento. (consejos para proteger el momento, obtener datos y poder hacer la denuncia)                                                                                                                                                               • </a:t>
             </a:r>
             <a:r>
-              <a:rPr b="1" lang="es" sz="1266">
+              <a:rPr lang="es" sz="1266" b="1" dirty="0">
                 <a:solidFill>
                   <a:srgbClr val="000000"/>
                 </a:solidFill>
@@ -7020,7 +7167,7 @@
               <a:t>Definir y documentar controles para la detección y prevención del acceso no autorizado,</a:t>
             </a:r>
             <a:r>
-              <a:rPr lang="es" sz="1266">
+              <a:rPr lang="es" sz="1266" dirty="0">
                 <a:solidFill>
                   <a:srgbClr val="000000"/>
                 </a:solidFill>
@@ -7028,7 +7175,7 @@
               <a:t> la protección contra software malicioso y para garantizar la seguridad de los datos y los servicios conectados en las redes                        • Desarrollar procedimientos adecuados de</a:t>
             </a:r>
             <a:r>
-              <a:rPr b="1" lang="es" sz="1266">
+              <a:rPr lang="es" sz="1266" b="1" dirty="0">
                 <a:solidFill>
                   <a:srgbClr val="000000"/>
                 </a:solidFill>
@@ -7036,14 +7183,14 @@
               <a:t> concientización de usuarios</a:t>
             </a:r>
             <a:r>
-              <a:rPr lang="es" sz="1266">
+              <a:rPr lang="es" sz="1266" dirty="0">
                 <a:solidFill>
                   <a:srgbClr val="000000"/>
                 </a:solidFill>
               </a:rPr>
               <a:t> en materia de seguridad, controles de acceso al sistema y administración de cambios.</a:t>
             </a:r>
-            <a:endParaRPr sz="664">
+            <a:endParaRPr sz="664" dirty="0">
               <a:solidFill>
                 <a:schemeClr val="dk1"/>
               </a:solidFill>
@@ -7064,11 +7211,11 @@
 </file>
 
 <file path=ppt/slides/slide5.xml><?xml version="1.0" encoding="utf-8"?>
-<p:sld xmlns:a="http://schemas.openxmlformats.org/drawingml/2006/main" xmlns:r="http://schemas.openxmlformats.org/officeDocument/2006/relationships" xmlns:mc="http://schemas.openxmlformats.org/markup-compatibility/2006" xmlns:mv="urn:schemas-microsoft-com:mac:vml" xmlns:p="http://schemas.openxmlformats.org/presentationml/2006/main" xmlns:c="http://schemas.openxmlformats.org/drawingml/2006/chart" xmlns:dgm="http://schemas.openxmlformats.org/drawingml/2006/diagram" xmlns:o="urn:schemas-microsoft-com:office:office" xmlns:v="urn:schemas-microsoft-com:vml" xmlns:pvml="urn:schemas-microsoft-com:office:powerpoint" xmlns:com="http://schemas.openxmlformats.org/drawingml/2006/compatibility" xmlns:p14="http://schemas.microsoft.com/office/powerpoint/2010/main" xmlns:p15="http://schemas.microsoft.com/office/powerpoint/2012/main" xmlns:ahyp="http://schemas.microsoft.com/office/drawing/2018/hyperlinkcolor">
+<p:sld xmlns:a="http://schemas.openxmlformats.org/drawingml/2006/main" xmlns:r="http://schemas.openxmlformats.org/officeDocument/2006/relationships" xmlns:p="http://schemas.openxmlformats.org/presentationml/2006/main">
   <p:cSld>
     <p:spTree>
       <p:nvGrpSpPr>
-        <p:cNvPr id="79" name="Shape 79"/>
+        <p:cNvPr id="1" name="Shape 79"/>
         <p:cNvGrpSpPr/>
         <p:nvPr/>
       </p:nvGrpSpPr>
@@ -7083,7 +7230,9 @@
       <p:sp>
         <p:nvSpPr>
           <p:cNvPr id="80" name="Google Shape;80;p17"/>
-          <p:cNvSpPr txBox="1"/>
+          <p:cNvSpPr txBox="1">
+            <a:spLocks noGrp="1"/>
+          </p:cNvSpPr>
           <p:nvPr>
             <p:ph type="title"/>
           </p:nvPr>
@@ -7098,12 +7247,12 @@
           </a:prstGeom>
         </p:spPr>
         <p:txBody>
-          <a:bodyPr anchorCtr="0" anchor="t" bIns="91425" lIns="91425" spcFirstLastPara="1" rIns="91425" wrap="square" tIns="91425">
+          <a:bodyPr spcFirstLastPara="1" wrap="square" lIns="91425" tIns="91425" rIns="91425" bIns="91425" anchor="t" anchorCtr="0">
             <a:normAutofit fontScale="90000"/>
           </a:bodyPr>
           <a:lstStyle/>
           <a:p>
-            <a:pPr indent="0" lvl="0" marL="0" rtl="0" algn="l">
+            <a:pPr marL="0" lvl="0" indent="0" algn="l" rtl="0">
               <a:spcBef>
                 <a:spcPts val="0"/>
               </a:spcBef>
@@ -7119,7 +7268,7 @@
             <a:endParaRPr/>
           </a:p>
           <a:p>
-            <a:pPr indent="0" lvl="0" marL="0" rtl="0" algn="l">
+            <a:pPr marL="0" lvl="0" indent="0" algn="l" rtl="0">
               <a:spcBef>
                 <a:spcPts val="0"/>
               </a:spcBef>
@@ -7128,9 +7277,6 @@
               </a:spcAft>
               <a:buNone/>
             </a:pPr>
-            <a:r>
-              <a:t/>
-            </a:r>
             <a:endParaRPr/>
           </a:p>
         </p:txBody>
@@ -7138,9 +7284,11 @@
       <p:sp>
         <p:nvSpPr>
           <p:cNvPr id="81" name="Google Shape;81;p17"/>
-          <p:cNvSpPr txBox="1"/>
+          <p:cNvSpPr txBox="1">
+            <a:spLocks noGrp="1"/>
+          </p:cNvSpPr>
           <p:nvPr>
-            <p:ph idx="1" type="body"/>
+            <p:ph type="body" idx="1"/>
           </p:nvPr>
         </p:nvSpPr>
         <p:spPr>
@@ -7153,12 +7301,12 @@
           </a:prstGeom>
         </p:spPr>
         <p:txBody>
-          <a:bodyPr anchorCtr="0" anchor="t" bIns="91425" lIns="91425" spcFirstLastPara="1" rIns="91425" wrap="square" tIns="91425">
+          <a:bodyPr spcFirstLastPara="1" wrap="square" lIns="91425" tIns="91425" rIns="91425" bIns="91425" anchor="t" anchorCtr="0">
             <a:normAutofit fontScale="62500" lnSpcReduction="20000"/>
           </a:bodyPr>
           <a:lstStyle/>
           <a:p>
-            <a:pPr indent="0" lvl="0" marL="0" rtl="0" algn="l">
+            <a:pPr marL="0" lvl="0" indent="0" algn="l" rtl="0">
               <a:spcBef>
                 <a:spcPts val="0"/>
               </a:spcBef>
@@ -7173,21 +7321,21 @@
               <a:buNone/>
             </a:pPr>
             <a:r>
-              <a:rPr b="1" lang="es" sz="2221">
+              <a:rPr lang="es" sz="2221" b="1" dirty="0">
                 <a:solidFill>
                   <a:srgbClr val="000000"/>
                 </a:solidFill>
               </a:rPr>
               <a:t>El Responsable del Área Informática tendrá a su cargo lo siguiente: </a:t>
             </a:r>
-            <a:endParaRPr b="1" sz="2221">
+            <a:endParaRPr sz="2221" b="1" dirty="0">
               <a:solidFill>
                 <a:srgbClr val="000000"/>
               </a:solidFill>
             </a:endParaRPr>
           </a:p>
           <a:p>
-            <a:pPr indent="0" lvl="0" marL="0" rtl="0" algn="l">
+            <a:pPr marL="0" lvl="0" indent="0" algn="l" rtl="0">
               <a:spcBef>
                 <a:spcPts val="1200"/>
               </a:spcBef>
@@ -7202,7 +7350,7 @@
               <a:buNone/>
             </a:pPr>
             <a:r>
-              <a:rPr lang="es">
+              <a:rPr lang="es" dirty="0">
                 <a:solidFill>
                   <a:srgbClr val="000000"/>
                 </a:solidFill>
@@ -7210,7 +7358,7 @@
               <a:t>•</a:t>
             </a:r>
             <a:r>
-              <a:rPr b="1" lang="es">
+              <a:rPr lang="es" b="1" dirty="0">
                 <a:solidFill>
                   <a:srgbClr val="000000"/>
                 </a:solidFill>
@@ -7218,7 +7366,7 @@
               <a:t> Controlar la existencia de documentación actualizada r</a:t>
             </a:r>
             <a:r>
-              <a:rPr lang="es">
+              <a:rPr lang="es" dirty="0">
                 <a:solidFill>
                   <a:srgbClr val="000000"/>
                 </a:solidFill>
@@ -7226,7 +7374,7 @@
               <a:t>elacionada con los procedimientos de operaciones.                                                                                                         • Evaluar el posible impacto operativo de los</a:t>
             </a:r>
             <a:r>
-              <a:rPr b="1" lang="es">
+              <a:rPr lang="es" b="1" dirty="0">
                 <a:solidFill>
                   <a:srgbClr val="000000"/>
                 </a:solidFill>
@@ -7234,21 +7382,21 @@
               <a:t> cambios previstos</a:t>
             </a:r>
             <a:r>
-              <a:rPr lang="es">
+              <a:rPr lang="es" dirty="0">
                 <a:solidFill>
                   <a:srgbClr val="000000"/>
                 </a:solidFill>
               </a:rPr>
-              <a:t> a sistemas y equipamiento y verificar su correcta implementación, asignando responsabilidades.                                                                                                                                                                                                                • Administrar los medios técnicos necesarios para permitir la segregación de los ambientes de procesamiento. </a:t>
+              <a:t> a sistemas y equipamiento y verificar su correcta implementación, asignando responsabilidades.                                                                                                                                                                                                                • Administrar los medios técnicos necesarios para permitir la segregación de los ambientes de procesamiento. (energia, clima, limpieza)</a:t>
             </a:r>
-            <a:endParaRPr>
+            <a:endParaRPr dirty="0">
               <a:solidFill>
                 <a:srgbClr val="000000"/>
               </a:solidFill>
             </a:endParaRPr>
           </a:p>
           <a:p>
-            <a:pPr indent="0" lvl="0" marL="0" rtl="0" algn="l">
+            <a:pPr marL="0" lvl="0" indent="0" algn="l" rtl="0">
               <a:spcBef>
                 <a:spcPts val="1200"/>
               </a:spcBef>
@@ -7263,7 +7411,7 @@
               <a:buNone/>
             </a:pPr>
             <a:r>
-              <a:rPr lang="es">
+              <a:rPr lang="es" dirty="0">
                 <a:solidFill>
                   <a:srgbClr val="000000"/>
                 </a:solidFill>
@@ -7271,7 +7419,7 @@
               <a:t>• Monitorear las necesidades de </a:t>
             </a:r>
             <a:r>
-              <a:rPr b="1" lang="es">
+              <a:rPr lang="es" b="1" dirty="0">
                 <a:solidFill>
                   <a:srgbClr val="000000"/>
                 </a:solidFill>
@@ -7279,21 +7427,21 @@
               <a:t>capacidad de los sistemas </a:t>
             </a:r>
             <a:r>
-              <a:rPr lang="es">
+              <a:rPr lang="es" dirty="0">
                 <a:solidFill>
                   <a:srgbClr val="000000"/>
                 </a:solidFill>
               </a:rPr>
               <a:t>en operación y proyectar las futuras demandas de capacidad, a fin de evitar potenciales amenazas a la seguridad del sistema o a los servicios del usuario. </a:t>
             </a:r>
-            <a:endParaRPr>
+            <a:endParaRPr dirty="0">
               <a:solidFill>
                 <a:srgbClr val="000000"/>
               </a:solidFill>
             </a:endParaRPr>
           </a:p>
           <a:p>
-            <a:pPr indent="0" lvl="0" marL="0" rtl="0" algn="l">
+            <a:pPr marL="0" lvl="0" indent="0" algn="l" rtl="0">
               <a:spcBef>
                 <a:spcPts val="1200"/>
               </a:spcBef>
@@ -7308,7 +7456,7 @@
               <a:buNone/>
             </a:pPr>
             <a:r>
-              <a:rPr lang="es">
+              <a:rPr lang="es" dirty="0">
                 <a:solidFill>
                   <a:srgbClr val="000000"/>
                 </a:solidFill>
@@ -7316,7 +7464,7 @@
               <a:t>• Controlar la realización de las </a:t>
             </a:r>
             <a:r>
-              <a:rPr b="1" lang="es">
+              <a:rPr lang="es" b="1" dirty="0">
                 <a:solidFill>
                   <a:srgbClr val="000000"/>
                 </a:solidFill>
@@ -7324,21 +7472,21 @@
               <a:t>copias de resguardo de información</a:t>
             </a:r>
             <a:r>
-              <a:rPr lang="es">
+              <a:rPr lang="es" dirty="0">
                 <a:solidFill>
                   <a:srgbClr val="000000"/>
                 </a:solidFill>
               </a:rPr>
               <a:t>, así como la prueba periódica de su restauración. </a:t>
             </a:r>
-            <a:endParaRPr>
+            <a:endParaRPr dirty="0">
               <a:solidFill>
                 <a:srgbClr val="000000"/>
               </a:solidFill>
             </a:endParaRPr>
           </a:p>
           <a:p>
-            <a:pPr indent="0" lvl="0" marL="0" rtl="0" algn="l">
+            <a:pPr marL="0" lvl="0" indent="0" algn="l" rtl="0">
               <a:spcBef>
                 <a:spcPts val="1200"/>
               </a:spcBef>
@@ -7353,21 +7501,21 @@
               <a:buNone/>
             </a:pPr>
             <a:r>
-              <a:rPr lang="es">
+              <a:rPr lang="es" dirty="0">
                 <a:solidFill>
                   <a:srgbClr val="000000"/>
                 </a:solidFill>
               </a:rPr>
               <a:t>• Asegurar el registro de las actividades realizadas por el personal operativo, para su posterior revisión. </a:t>
             </a:r>
-            <a:endParaRPr>
+            <a:endParaRPr dirty="0">
               <a:solidFill>
                 <a:srgbClr val="000000"/>
               </a:solidFill>
             </a:endParaRPr>
           </a:p>
           <a:p>
-            <a:pPr indent="0" lvl="0" marL="0" rtl="0" algn="l">
+            <a:pPr marL="0" lvl="0" indent="0" algn="l" rtl="0">
               <a:spcBef>
                 <a:spcPts val="1200"/>
               </a:spcBef>
@@ -7382,7 +7530,7 @@
               <a:buNone/>
             </a:pPr>
             <a:r>
-              <a:rPr lang="es">
+              <a:rPr lang="es" dirty="0">
                 <a:solidFill>
                   <a:srgbClr val="000000"/>
                 </a:solidFill>
@@ -7390,7 +7538,7 @@
               <a:t>• Implementar los</a:t>
             </a:r>
             <a:r>
-              <a:rPr b="1" lang="es">
+              <a:rPr lang="es" b="1" dirty="0">
                 <a:solidFill>
                   <a:srgbClr val="000000"/>
                 </a:solidFill>
@@ -7398,21 +7546,21 @@
               <a:t> controles de seguridad definidos </a:t>
             </a:r>
             <a:r>
-              <a:rPr lang="es">
+              <a:rPr lang="es" dirty="0">
                 <a:solidFill>
                   <a:srgbClr val="000000"/>
                 </a:solidFill>
               </a:rPr>
               <a:t>(software malicioso y accesos no autorizados). </a:t>
             </a:r>
-            <a:endParaRPr>
+            <a:endParaRPr dirty="0">
               <a:solidFill>
                 <a:srgbClr val="000000"/>
               </a:solidFill>
             </a:endParaRPr>
           </a:p>
           <a:p>
-            <a:pPr indent="0" lvl="0" marL="0" rtl="0" algn="l">
+            <a:pPr marL="0" lvl="0" indent="0" algn="l" rtl="0">
               <a:spcBef>
                 <a:spcPts val="1200"/>
               </a:spcBef>
@@ -7427,7 +7575,7 @@
               <a:buNone/>
             </a:pPr>
             <a:r>
-              <a:rPr lang="es">
+              <a:rPr lang="es" dirty="0">
                 <a:solidFill>
                   <a:srgbClr val="000000"/>
                 </a:solidFill>
@@ -7435,7 +7583,7 @@
               <a:t>• Definir e implementar procedimientos para la</a:t>
             </a:r>
             <a:r>
-              <a:rPr b="1" lang="es">
+              <a:rPr lang="es" b="1" dirty="0">
                 <a:solidFill>
                   <a:srgbClr val="000000"/>
                 </a:solidFill>
@@ -7443,21 +7591,21 @@
               <a:t> administración de medios informáticos de almacenamiento</a:t>
             </a:r>
             <a:r>
-              <a:rPr lang="es">
+              <a:rPr lang="es" dirty="0">
                 <a:solidFill>
                   <a:srgbClr val="000000"/>
                 </a:solidFill>
               </a:rPr>
               <a:t>, como cintas, discos, casetes e informes impresos y para la eliminación segura de los mismos. </a:t>
             </a:r>
-            <a:endParaRPr>
+            <a:endParaRPr dirty="0">
               <a:solidFill>
                 <a:srgbClr val="000000"/>
               </a:solidFill>
             </a:endParaRPr>
           </a:p>
           <a:p>
-            <a:pPr indent="0" lvl="0" marL="0" rtl="0" algn="l">
+            <a:pPr marL="0" lvl="0" indent="0" algn="l" rtl="0">
               <a:spcBef>
                 <a:spcPts val="1200"/>
               </a:spcBef>
@@ -7472,7 +7620,7 @@
               <a:buNone/>
             </a:pPr>
             <a:r>
-              <a:rPr lang="es">
+              <a:rPr lang="es" dirty="0">
                 <a:solidFill>
                   <a:srgbClr val="000000"/>
                 </a:solidFill>
@@ -7480,7 +7628,7 @@
               <a:t>• Participar en el tratamiento de los</a:t>
             </a:r>
             <a:r>
-              <a:rPr b="1" lang="es">
+              <a:rPr lang="es" b="1" dirty="0">
                 <a:solidFill>
                   <a:srgbClr val="000000"/>
                 </a:solidFill>
@@ -7488,21 +7636,21 @@
               <a:t> incidentes de seguridad,</a:t>
             </a:r>
             <a:r>
-              <a:rPr lang="es">
+              <a:rPr lang="es" dirty="0">
                 <a:solidFill>
                   <a:srgbClr val="000000"/>
                 </a:solidFill>
               </a:rPr>
               <a:t> de acuerdo a los procedimientos establecidos.  </a:t>
             </a:r>
-            <a:endParaRPr>
+            <a:endParaRPr dirty="0">
               <a:solidFill>
                 <a:srgbClr val="000000"/>
               </a:solidFill>
             </a:endParaRPr>
           </a:p>
           <a:p>
-            <a:pPr indent="0" lvl="0" marL="0" rtl="0" algn="l">
+            <a:pPr marL="0" lvl="0" indent="0" algn="l" rtl="0">
               <a:spcBef>
                 <a:spcPts val="1200"/>
               </a:spcBef>
@@ -7517,7 +7665,7 @@
               <a:buNone/>
             </a:pPr>
             <a:r>
-              <a:rPr lang="es">
+              <a:rPr lang="es" dirty="0">
                 <a:solidFill>
                   <a:srgbClr val="000000"/>
                 </a:solidFill>
@@ -7525,7 +7673,7 @@
               <a:t>El Responsable de Seguridad de la información</a:t>
             </a:r>
             <a:r>
-              <a:rPr b="1" lang="es">
+              <a:rPr lang="es" b="1" dirty="0">
                 <a:solidFill>
                   <a:srgbClr val="000000"/>
                 </a:solidFill>
@@ -7533,21 +7681,21 @@
               <a:t> evaluarán los contratos y acuerdos con terceros</a:t>
             </a:r>
             <a:r>
-              <a:rPr lang="es">
+              <a:rPr lang="es" dirty="0">
                 <a:solidFill>
                   <a:srgbClr val="000000"/>
                 </a:solidFill>
               </a:rPr>
               <a:t> para garantizar la incorporación de consideraciones relativas a la seguridad de la información involucrada en la gestión de los productos o servicios prestados. </a:t>
             </a:r>
-            <a:endParaRPr>
+            <a:endParaRPr dirty="0">
               <a:solidFill>
                 <a:srgbClr val="000000"/>
               </a:solidFill>
             </a:endParaRPr>
           </a:p>
           <a:p>
-            <a:pPr indent="0" lvl="0" marL="0" rtl="0" algn="l">
+            <a:pPr marL="0" lvl="0" indent="0" algn="l" rtl="0">
               <a:spcBef>
                 <a:spcPts val="1200"/>
               </a:spcBef>
@@ -7557,7 +7705,7 @@
               <a:buNone/>
             </a:pPr>
             <a:r>
-              <a:rPr lang="es">
+              <a:rPr lang="es" dirty="0">
                 <a:solidFill>
                   <a:srgbClr val="000000"/>
                 </a:solidFill>
@@ -7565,21 +7713,21 @@
               <a:t>Cada Propietario de la Información, junto con el Responsable de Seguridad de la Información determinará los requerimientos para r</a:t>
             </a:r>
             <a:r>
-              <a:rPr b="1" lang="es">
+              <a:rPr lang="es" b="1" dirty="0">
                 <a:solidFill>
                   <a:srgbClr val="000000"/>
                 </a:solidFill>
               </a:rPr>
               <a:t>esguardar la información por la cual es responsable.                                                                                                                            </a:t>
             </a:r>
-            <a:endParaRPr b="1">
+            <a:endParaRPr b="1" dirty="0">
               <a:solidFill>
                 <a:srgbClr val="000000"/>
               </a:solidFill>
             </a:endParaRPr>
           </a:p>
           <a:p>
-            <a:pPr indent="0" lvl="0" marL="0" rtl="0" algn="l">
+            <a:pPr marL="0" lvl="0" indent="0" algn="l" rtl="0">
               <a:spcBef>
                 <a:spcPts val="1200"/>
               </a:spcBef>
@@ -7594,7 +7742,7 @@
               <a:buNone/>
             </a:pPr>
             <a:r>
-              <a:rPr lang="es">
+              <a:rPr lang="es" dirty="0">
                 <a:solidFill>
                   <a:srgbClr val="000000"/>
                 </a:solidFill>
@@ -7602,7 +7750,7 @@
               <a:t>La Unidad de</a:t>
             </a:r>
             <a:r>
-              <a:rPr b="1" lang="es">
+              <a:rPr lang="es" b="1" dirty="0">
                 <a:solidFill>
                   <a:srgbClr val="000000"/>
                 </a:solidFill>
@@ -7610,14 +7758,14 @@
               <a:t> Auditoría Interna </a:t>
             </a:r>
             <a:r>
-              <a:rPr lang="es">
+              <a:rPr lang="es" dirty="0">
                 <a:solidFill>
                   <a:srgbClr val="000000"/>
                 </a:solidFill>
               </a:rPr>
               <a:t>o en su defecto quien sea propuesto por el Comité de Seguridad de la Información, revisará las actividades que no hayan sido posibles segregar. Asimismo, revisará los registros de actividades del personal operativo. </a:t>
             </a:r>
-            <a:endParaRPr>
+            <a:endParaRPr dirty="0">
               <a:solidFill>
                 <a:srgbClr val="000000"/>
               </a:solidFill>
@@ -7634,11 +7782,11 @@
 </file>
 
 <file path=ppt/slides/slide6.xml><?xml version="1.0" encoding="utf-8"?>
-<p:sld xmlns:a="http://schemas.openxmlformats.org/drawingml/2006/main" xmlns:r="http://schemas.openxmlformats.org/officeDocument/2006/relationships" xmlns:mc="http://schemas.openxmlformats.org/markup-compatibility/2006" xmlns:mv="urn:schemas-microsoft-com:mac:vml" xmlns:p="http://schemas.openxmlformats.org/presentationml/2006/main" xmlns:c="http://schemas.openxmlformats.org/drawingml/2006/chart" xmlns:dgm="http://schemas.openxmlformats.org/drawingml/2006/diagram" xmlns:o="urn:schemas-microsoft-com:office:office" xmlns:v="urn:schemas-microsoft-com:vml" xmlns:pvml="urn:schemas-microsoft-com:office:powerpoint" xmlns:com="http://schemas.openxmlformats.org/drawingml/2006/compatibility" xmlns:p14="http://schemas.microsoft.com/office/powerpoint/2010/main" xmlns:p15="http://schemas.microsoft.com/office/powerpoint/2012/main" xmlns:ahyp="http://schemas.microsoft.com/office/drawing/2018/hyperlinkcolor">
+<p:sld xmlns:a="http://schemas.openxmlformats.org/drawingml/2006/main" xmlns:r="http://schemas.openxmlformats.org/officeDocument/2006/relationships" xmlns:p="http://schemas.openxmlformats.org/presentationml/2006/main">
   <p:cSld>
     <p:spTree>
       <p:nvGrpSpPr>
-        <p:cNvPr id="85" name="Shape 85"/>
+        <p:cNvPr id="1" name="Shape 85"/>
         <p:cNvGrpSpPr/>
         <p:nvPr/>
       </p:nvGrpSpPr>
@@ -7653,13 +7801,15 @@
       <p:sp>
         <p:nvSpPr>
           <p:cNvPr id="86" name="Google Shape;86;p18"/>
-          <p:cNvSpPr txBox="1"/>
+          <p:cNvSpPr txBox="1">
+            <a:spLocks noGrp="1"/>
+          </p:cNvSpPr>
           <p:nvPr>
             <p:ph type="title"/>
           </p:nvPr>
         </p:nvSpPr>
         <p:spPr>
-          <a:xfrm flipH="1" rot="10800000">
+          <a:xfrm rot="10800000" flipH="1">
             <a:off x="311700" y="-26700"/>
             <a:ext cx="8520600" cy="26700"/>
           </a:xfrm>
@@ -7668,12 +7818,12 @@
           </a:prstGeom>
         </p:spPr>
         <p:txBody>
-          <a:bodyPr anchorCtr="0" anchor="t" bIns="91425" lIns="91425" spcFirstLastPara="1" rIns="91425" wrap="square" tIns="91425">
+          <a:bodyPr spcFirstLastPara="1" wrap="square" lIns="91425" tIns="91425" rIns="91425" bIns="91425" anchor="t" anchorCtr="0">
             <a:normAutofit fontScale="90000"/>
           </a:bodyPr>
           <a:lstStyle/>
           <a:p>
-            <a:pPr indent="0" lvl="0" marL="0" rtl="0" algn="l">
+            <a:pPr marL="0" lvl="0" indent="0" algn="l" rtl="0">
               <a:spcBef>
                 <a:spcPts val="0"/>
               </a:spcBef>
@@ -7693,9 +7843,11 @@
       <p:sp>
         <p:nvSpPr>
           <p:cNvPr id="87" name="Google Shape;87;p18"/>
-          <p:cNvSpPr txBox="1"/>
+          <p:cNvSpPr txBox="1">
+            <a:spLocks noGrp="1"/>
+          </p:cNvSpPr>
           <p:nvPr>
-            <p:ph idx="1" type="body"/>
+            <p:ph type="body" idx="1"/>
           </p:nvPr>
         </p:nvSpPr>
         <p:spPr>
@@ -7708,12 +7860,12 @@
           </a:prstGeom>
         </p:spPr>
         <p:txBody>
-          <a:bodyPr anchorCtr="0" anchor="t" bIns="91425" lIns="91425" spcFirstLastPara="1" rIns="91425" wrap="square" tIns="91425">
+          <a:bodyPr spcFirstLastPara="1" wrap="square" lIns="91425" tIns="91425" rIns="91425" bIns="91425" anchor="t" anchorCtr="0">
             <a:noAutofit/>
           </a:bodyPr>
           <a:lstStyle/>
           <a:p>
-            <a:pPr indent="0" lvl="0" marL="0" rtl="0" algn="l">
+            <a:pPr marL="0" lvl="0" indent="0" algn="l" rtl="0">
               <a:lnSpc>
                 <a:spcPct val="95000"/>
               </a:lnSpc>
@@ -7731,11 +7883,11 @@
               <a:t>  </a:t>
             </a:r>
             <a:r>
-              <a:rPr b="1" lang="es" sz="1650"/>
+              <a:rPr lang="es" sz="1650" b="1"/>
               <a:t> </a:t>
             </a:r>
             <a:r>
-              <a:rPr b="1" lang="es" sz="1450">
+              <a:rPr lang="es" sz="1450" b="1">
                 <a:solidFill>
                   <a:srgbClr val="000000"/>
                 </a:solidFill>
@@ -7749,7 +7901,7 @@
             </a:endParaRPr>
           </a:p>
           <a:p>
-            <a:pPr indent="0" lvl="0" marL="0" rtl="0" algn="l">
+            <a:pPr marL="0" lvl="0" indent="0" algn="l" rtl="0">
               <a:lnSpc>
                 <a:spcPct val="95000"/>
               </a:lnSpc>
@@ -7781,7 +7933,7 @@
             </a:endParaRPr>
           </a:p>
           <a:p>
-            <a:pPr indent="0" lvl="0" marL="0" rtl="0" algn="l">
+            <a:pPr marL="0" lvl="0" indent="0" algn="l" rtl="0">
               <a:lnSpc>
                 <a:spcPct val="95000"/>
               </a:lnSpc>
@@ -7799,21 +7951,21 @@
               <a:buNone/>
             </a:pPr>
             <a:r>
-              <a:rPr b="1" lang="es" sz="1450">
+              <a:rPr lang="es" sz="1450" b="1">
                 <a:solidFill>
                   <a:srgbClr val="000000"/>
                 </a:solidFill>
               </a:rPr>
               <a:t>Control: Cambios en las Operaciones </a:t>
             </a:r>
-            <a:endParaRPr b="1" sz="1450">
+            <a:endParaRPr sz="1450" b="1">
               <a:solidFill>
                 <a:srgbClr val="000000"/>
               </a:solidFill>
             </a:endParaRPr>
           </a:p>
           <a:p>
-            <a:pPr indent="0" lvl="0" marL="0" rtl="0" algn="l">
+            <a:pPr marL="0" lvl="0" indent="0" algn="l" rtl="0">
               <a:lnSpc>
                 <a:spcPct val="95000"/>
               </a:lnSpc>
@@ -7845,7 +7997,7 @@
             </a:endParaRPr>
           </a:p>
           <a:p>
-            <a:pPr indent="0" lvl="0" marL="0" rtl="0" algn="l">
+            <a:pPr marL="0" lvl="0" indent="0" algn="l" rtl="0">
               <a:lnSpc>
                 <a:spcPct val="95000"/>
               </a:lnSpc>
@@ -7863,21 +8015,21 @@
               <a:buNone/>
             </a:pPr>
             <a:r>
-              <a:rPr b="1" lang="es" sz="1450">
+              <a:rPr lang="es" sz="1450" b="1">
                 <a:solidFill>
                   <a:srgbClr val="000000"/>
                 </a:solidFill>
               </a:rPr>
               <a:t>Control: Planificación de la Capacidad </a:t>
             </a:r>
-            <a:endParaRPr b="1" sz="1450">
+            <a:endParaRPr sz="1450" b="1">
               <a:solidFill>
                 <a:srgbClr val="000000"/>
               </a:solidFill>
             </a:endParaRPr>
           </a:p>
           <a:p>
-            <a:pPr indent="0" lvl="0" marL="0" rtl="0" algn="l">
+            <a:pPr marL="0" lvl="0" indent="0" algn="l" rtl="0">
               <a:lnSpc>
                 <a:spcPct val="95000"/>
               </a:lnSpc>
@@ -7905,7 +8057,7 @@
             </a:endParaRPr>
           </a:p>
           <a:p>
-            <a:pPr indent="0" lvl="0" marL="0" rtl="0" algn="l">
+            <a:pPr marL="0" lvl="0" indent="0" algn="l" rtl="0">
               <a:lnSpc>
                 <a:spcPct val="95000"/>
               </a:lnSpc>
@@ -7923,21 +8075,21 @@
               <a:buNone/>
             </a:pPr>
             <a:r>
-              <a:rPr b="1" lang="es" sz="1450">
+              <a:rPr lang="es" sz="1450" b="1">
                 <a:solidFill>
                   <a:srgbClr val="000000"/>
                 </a:solidFill>
               </a:rPr>
               <a:t>Categoría: Protección contra el malware (código malicioso) </a:t>
             </a:r>
-            <a:endParaRPr b="1" sz="1450">
+            <a:endParaRPr sz="1450" b="1">
               <a:solidFill>
                 <a:srgbClr val="000000"/>
               </a:solidFill>
             </a:endParaRPr>
           </a:p>
           <a:p>
-            <a:pPr indent="0" lvl="0" marL="0" rtl="0" algn="l">
+            <a:pPr marL="0" lvl="0" indent="0" algn="l" rtl="0">
               <a:lnSpc>
                 <a:spcPct val="95000"/>
               </a:lnSpc>
@@ -7965,7 +8117,7 @@
             </a:endParaRPr>
           </a:p>
           <a:p>
-            <a:pPr indent="0" lvl="0" marL="0" rtl="0" algn="l">
+            <a:pPr marL="0" lvl="0" indent="0" algn="l" rtl="0">
               <a:lnSpc>
                 <a:spcPct val="95000"/>
               </a:lnSpc>
@@ -7978,9 +8130,6 @@
               <a:buSzPts val="275"/>
               <a:buNone/>
             </a:pPr>
-            <a:r>
-              <a:t/>
-            </a:r>
             <a:endParaRPr sz="250">
               <a:solidFill>
                 <a:srgbClr val="000000"/>
@@ -7998,11 +8147,11 @@
 </file>
 
 <file path=ppt/slides/slide7.xml><?xml version="1.0" encoding="utf-8"?>
-<p:sld xmlns:a="http://schemas.openxmlformats.org/drawingml/2006/main" xmlns:r="http://schemas.openxmlformats.org/officeDocument/2006/relationships" xmlns:mc="http://schemas.openxmlformats.org/markup-compatibility/2006" xmlns:mv="urn:schemas-microsoft-com:mac:vml" xmlns:p="http://schemas.openxmlformats.org/presentationml/2006/main" xmlns:c="http://schemas.openxmlformats.org/drawingml/2006/chart" xmlns:dgm="http://schemas.openxmlformats.org/drawingml/2006/diagram" xmlns:o="urn:schemas-microsoft-com:office:office" xmlns:v="urn:schemas-microsoft-com:vml" xmlns:pvml="urn:schemas-microsoft-com:office:powerpoint" xmlns:com="http://schemas.openxmlformats.org/drawingml/2006/compatibility" xmlns:p14="http://schemas.microsoft.com/office/powerpoint/2010/main" xmlns:p15="http://schemas.microsoft.com/office/powerpoint/2012/main" xmlns:ahyp="http://schemas.microsoft.com/office/drawing/2018/hyperlinkcolor">
+<p:sld xmlns:a="http://schemas.openxmlformats.org/drawingml/2006/main" xmlns:r="http://schemas.openxmlformats.org/officeDocument/2006/relationships" xmlns:p="http://schemas.openxmlformats.org/presentationml/2006/main">
   <p:cSld>
     <p:spTree>
       <p:nvGrpSpPr>
-        <p:cNvPr id="91" name="Shape 91"/>
+        <p:cNvPr id="1" name="Shape 91"/>
         <p:cNvGrpSpPr/>
         <p:nvPr/>
       </p:nvGrpSpPr>
@@ -8017,13 +8166,15 @@
       <p:sp>
         <p:nvSpPr>
           <p:cNvPr id="92" name="Google Shape;92;p19"/>
-          <p:cNvSpPr txBox="1"/>
+          <p:cNvSpPr txBox="1">
+            <a:spLocks noGrp="1"/>
+          </p:cNvSpPr>
           <p:nvPr>
             <p:ph type="title"/>
           </p:nvPr>
         </p:nvSpPr>
         <p:spPr>
-          <a:xfrm flipH="1" rot="10800000">
+          <a:xfrm rot="10800000" flipH="1">
             <a:off x="311700" y="-50"/>
             <a:ext cx="8520600" cy="67200"/>
           </a:xfrm>
@@ -8032,12 +8183,12 @@
           </a:prstGeom>
         </p:spPr>
         <p:txBody>
-          <a:bodyPr anchorCtr="0" anchor="t" bIns="91425" lIns="91425" spcFirstLastPara="1" rIns="91425" wrap="square" tIns="91425">
+          <a:bodyPr spcFirstLastPara="1" wrap="square" lIns="91425" tIns="91425" rIns="91425" bIns="91425" anchor="t" anchorCtr="0">
             <a:normAutofit fontScale="90000"/>
           </a:bodyPr>
           <a:lstStyle/>
           <a:p>
-            <a:pPr indent="0" lvl="0" marL="0" rtl="0" algn="l">
+            <a:pPr marL="0" lvl="0" indent="0" algn="l" rtl="0">
               <a:spcBef>
                 <a:spcPts val="0"/>
               </a:spcBef>
@@ -8053,7 +8204,7 @@
             <a:endParaRPr/>
           </a:p>
           <a:p>
-            <a:pPr indent="0" lvl="0" marL="0" rtl="0" algn="l">
+            <a:pPr marL="0" lvl="0" indent="0" algn="l" rtl="0">
               <a:spcBef>
                 <a:spcPts val="0"/>
               </a:spcBef>
@@ -8062,9 +8213,6 @@
               </a:spcAft>
               <a:buNone/>
             </a:pPr>
-            <a:r>
-              <a:t/>
-            </a:r>
             <a:endParaRPr/>
           </a:p>
         </p:txBody>
@@ -8072,9 +8220,11 @@
       <p:sp>
         <p:nvSpPr>
           <p:cNvPr id="93" name="Google Shape;93;p19"/>
-          <p:cNvSpPr txBox="1"/>
+          <p:cNvSpPr txBox="1">
+            <a:spLocks noGrp="1"/>
+          </p:cNvSpPr>
           <p:nvPr>
-            <p:ph idx="1" type="body"/>
+            <p:ph type="body" idx="1"/>
           </p:nvPr>
         </p:nvSpPr>
         <p:spPr>
@@ -8087,12 +8237,12 @@
           </a:prstGeom>
         </p:spPr>
         <p:txBody>
-          <a:bodyPr anchorCtr="0" anchor="t" bIns="91425" lIns="91425" spcFirstLastPara="1" rIns="91425" wrap="square" tIns="91425">
+          <a:bodyPr spcFirstLastPara="1" wrap="square" lIns="91425" tIns="91425" rIns="91425" bIns="91425" anchor="t" anchorCtr="0">
             <a:normAutofit/>
           </a:bodyPr>
           <a:lstStyle/>
           <a:p>
-            <a:pPr indent="0" lvl="0" marL="0" rtl="0" algn="l">
+            <a:pPr marL="0" lvl="0" indent="0" algn="l" rtl="0">
               <a:spcBef>
                 <a:spcPts val="0"/>
               </a:spcBef>
@@ -8106,21 +8256,21 @@
               <a:t>  </a:t>
             </a:r>
             <a:r>
-              <a:rPr b="1" lang="es" sz="1450">
+              <a:rPr lang="es" sz="1450" b="1">
                 <a:solidFill>
                   <a:schemeClr val="dk1"/>
                 </a:solidFill>
               </a:rPr>
               <a:t>Control: Resguardo de la Información </a:t>
             </a:r>
-            <a:endParaRPr b="1" sz="1450">
+            <a:endParaRPr sz="1450" b="1">
               <a:solidFill>
                 <a:schemeClr val="dk1"/>
               </a:solidFill>
             </a:endParaRPr>
           </a:p>
           <a:p>
-            <a:pPr indent="0" lvl="0" marL="0" rtl="0" algn="l">
+            <a:pPr marL="0" lvl="0" indent="0" algn="l" rtl="0">
               <a:lnSpc>
                 <a:spcPct val="95000"/>
               </a:lnSpc>
@@ -8152,7 +8302,7 @@
             </a:endParaRPr>
           </a:p>
           <a:p>
-            <a:pPr indent="0" lvl="0" marL="0" rtl="0" algn="l">
+            <a:pPr marL="0" lvl="0" indent="0" algn="l" rtl="0">
               <a:lnSpc>
                 <a:spcPct val="95000"/>
               </a:lnSpc>
@@ -8178,21 +8328,21 @@
               <a:t> </a:t>
             </a:r>
             <a:r>
-              <a:rPr b="1" lang="es" sz="1450">
+              <a:rPr lang="es" sz="1450" b="1">
                 <a:solidFill>
                   <a:schemeClr val="dk1"/>
                 </a:solidFill>
               </a:rPr>
               <a:t>Control: Registro de eventos </a:t>
             </a:r>
-            <a:endParaRPr b="1" sz="1450">
+            <a:endParaRPr sz="1450" b="1">
               <a:solidFill>
                 <a:schemeClr val="dk1"/>
               </a:solidFill>
             </a:endParaRPr>
           </a:p>
           <a:p>
-            <a:pPr indent="0" lvl="0" marL="0" rtl="0" algn="l">
+            <a:pPr marL="0" lvl="0" indent="0" algn="l" rtl="0">
               <a:lnSpc>
                 <a:spcPct val="95000"/>
               </a:lnSpc>
@@ -8224,7 +8374,7 @@
             </a:endParaRPr>
           </a:p>
           <a:p>
-            <a:pPr indent="0" lvl="0" marL="0" rtl="0" algn="l">
+            <a:pPr marL="0" lvl="0" indent="0" algn="l" rtl="0">
               <a:lnSpc>
                 <a:spcPct val="95000"/>
               </a:lnSpc>
@@ -8242,7 +8392,7 @@
               <a:buNone/>
             </a:pPr>
             <a:r>
-              <a:rPr b="1" lang="es" sz="1450">
+              <a:rPr lang="es" sz="1450" b="1">
                 <a:solidFill>
                   <a:schemeClr val="dk1"/>
                 </a:solidFill>
@@ -8256,7 +8406,7 @@
             </a:endParaRPr>
           </a:p>
           <a:p>
-            <a:pPr indent="0" lvl="0" marL="0" rtl="0" algn="l">
+            <a:pPr marL="0" lvl="0" indent="0" algn="l" rtl="0">
               <a:lnSpc>
                 <a:spcPct val="95000"/>
               </a:lnSpc>
@@ -8288,7 +8438,7 @@
             </a:endParaRPr>
           </a:p>
           <a:p>
-            <a:pPr indent="0" lvl="0" marL="0" rtl="0" algn="l">
+            <a:pPr marL="0" lvl="0" indent="0" algn="l" rtl="0">
               <a:lnSpc>
                 <a:spcPct val="95000"/>
               </a:lnSpc>
@@ -8320,7 +8470,7 @@
             </a:endParaRPr>
           </a:p>
           <a:p>
-            <a:pPr indent="0" lvl="0" marL="0" rtl="0" algn="l">
+            <a:pPr marL="0" lvl="0" indent="0" algn="l" rtl="0">
               <a:lnSpc>
                 <a:spcPct val="95000"/>
               </a:lnSpc>
@@ -8337,9 +8487,6 @@
               <a:buFont typeface="Arial"/>
               <a:buNone/>
             </a:pPr>
-            <a:r>
-              <a:t/>
-            </a:r>
             <a:endParaRPr sz="250">
               <a:solidFill>
                 <a:schemeClr val="dk1"/>
@@ -8347,7 +8494,7 @@
             </a:endParaRPr>
           </a:p>
           <a:p>
-            <a:pPr indent="0" lvl="0" marL="0" rtl="0" algn="l">
+            <a:pPr marL="0" lvl="0" indent="0" algn="l" rtl="0">
               <a:spcBef>
                 <a:spcPts val="1200"/>
               </a:spcBef>
@@ -8356,9 +8503,6 @@
               </a:spcAft>
               <a:buNone/>
             </a:pPr>
-            <a:r>
-              <a:t/>
-            </a:r>
             <a:endParaRPr/>
           </a:p>
         </p:txBody>
@@ -8372,11 +8516,11 @@
 </file>
 
 <file path=ppt/slides/slide8.xml><?xml version="1.0" encoding="utf-8"?>
-<p:sld xmlns:a="http://schemas.openxmlformats.org/drawingml/2006/main" xmlns:r="http://schemas.openxmlformats.org/officeDocument/2006/relationships" xmlns:mc="http://schemas.openxmlformats.org/markup-compatibility/2006" xmlns:mv="urn:schemas-microsoft-com:mac:vml" xmlns:p="http://schemas.openxmlformats.org/presentationml/2006/main" xmlns:c="http://schemas.openxmlformats.org/drawingml/2006/chart" xmlns:dgm="http://schemas.openxmlformats.org/drawingml/2006/diagram" xmlns:o="urn:schemas-microsoft-com:office:office" xmlns:v="urn:schemas-microsoft-com:vml" xmlns:pvml="urn:schemas-microsoft-com:office:powerpoint" xmlns:com="http://schemas.openxmlformats.org/drawingml/2006/compatibility" xmlns:p14="http://schemas.microsoft.com/office/powerpoint/2010/main" xmlns:p15="http://schemas.microsoft.com/office/powerpoint/2012/main" xmlns:ahyp="http://schemas.microsoft.com/office/drawing/2018/hyperlinkcolor">
+<p:sld xmlns:a="http://schemas.openxmlformats.org/drawingml/2006/main" xmlns:r="http://schemas.openxmlformats.org/officeDocument/2006/relationships" xmlns:p="http://schemas.openxmlformats.org/presentationml/2006/main">
   <p:cSld>
     <p:spTree>
       <p:nvGrpSpPr>
-        <p:cNvPr id="97" name="Shape 97"/>
+        <p:cNvPr id="1" name="Shape 97"/>
         <p:cNvGrpSpPr/>
         <p:nvPr/>
       </p:nvGrpSpPr>
@@ -8391,7 +8535,9 @@
       <p:sp>
         <p:nvSpPr>
           <p:cNvPr id="98" name="Google Shape;98;p20"/>
-          <p:cNvSpPr txBox="1"/>
+          <p:cNvSpPr txBox="1">
+            <a:spLocks noGrp="1"/>
+          </p:cNvSpPr>
           <p:nvPr>
             <p:ph type="title"/>
           </p:nvPr>
@@ -8406,12 +8552,12 @@
           </a:prstGeom>
         </p:spPr>
         <p:txBody>
-          <a:bodyPr anchorCtr="0" anchor="t" bIns="91425" lIns="91425" spcFirstLastPara="1" rIns="91425" wrap="square" tIns="91425">
+          <a:bodyPr spcFirstLastPara="1" wrap="square" lIns="91425" tIns="91425" rIns="91425" bIns="91425" anchor="t" anchorCtr="0">
             <a:normAutofit fontScale="90000"/>
           </a:bodyPr>
           <a:lstStyle/>
           <a:p>
-            <a:pPr indent="0" lvl="0" marL="0" rtl="0" algn="l">
+            <a:pPr marL="0" lvl="0" indent="0" algn="l" rtl="0">
               <a:spcBef>
                 <a:spcPts val="0"/>
               </a:spcBef>
@@ -8431,9 +8577,11 @@
       <p:sp>
         <p:nvSpPr>
           <p:cNvPr id="99" name="Google Shape;99;p20"/>
-          <p:cNvSpPr txBox="1"/>
+          <p:cNvSpPr txBox="1">
+            <a:spLocks noGrp="1"/>
+          </p:cNvSpPr>
           <p:nvPr>
-            <p:ph idx="1" type="body"/>
+            <p:ph type="body" idx="1"/>
           </p:nvPr>
         </p:nvSpPr>
         <p:spPr>
@@ -8446,12 +8594,12 @@
           </a:prstGeom>
         </p:spPr>
         <p:txBody>
-          <a:bodyPr anchorCtr="0" anchor="t" bIns="91425" lIns="91425" spcFirstLastPara="1" rIns="91425" wrap="square" tIns="91425">
+          <a:bodyPr spcFirstLastPara="1" wrap="square" lIns="91425" tIns="91425" rIns="91425" bIns="91425" anchor="t" anchorCtr="0">
             <a:normAutofit/>
           </a:bodyPr>
           <a:lstStyle/>
           <a:p>
-            <a:pPr indent="0" lvl="0" marL="0" rtl="0" algn="l">
+            <a:pPr marL="0" lvl="0" indent="0" algn="l" rtl="0">
               <a:spcBef>
                 <a:spcPts val="0"/>
               </a:spcBef>
@@ -8505,7 +8653,7 @@
 </file>
 
 <file path=ppt/theme/theme1.xml><?xml version="1.0" encoding="utf-8"?>
-<a:theme xmlns:a="http://schemas.openxmlformats.org/drawingml/2006/main" xmlns:r="http://schemas.openxmlformats.org/officeDocument/2006/relationships" name="Simple Light">
+<a:theme xmlns:a="http://schemas.openxmlformats.org/drawingml/2006/main" name="Simple Light">
   <a:themeElements>
     <a:clrScheme name="Simple Light">
       <a:dk1>
@@ -8780,11 +8928,13 @@
       </a:bgFillStyleLst>
     </a:fmtScheme>
   </a:themeElements>
+  <a:objectDefaults/>
+  <a:extraClrSchemeLst/>
 </a:theme>
 </file>
 
 <file path=ppt/theme/theme2.xml><?xml version="1.0" encoding="utf-8"?>
-<a:theme xmlns:a="http://schemas.openxmlformats.org/drawingml/2006/main" xmlns:r="http://schemas.openxmlformats.org/officeDocument/2006/relationships">
+<a:theme xmlns:a="http://schemas.openxmlformats.org/drawingml/2006/main">
   <a:themeElements>
     <a:clrScheme name="Default">
       <a:dk1>
@@ -9059,5 +9209,7 @@
       </a:bgFillStyleLst>
     </a:fmtScheme>
   </a:themeElements>
+  <a:objectDefaults/>
+  <a:extraClrSchemeLst/>
 </a:theme>
 </file>